--- a/doc/ElectricalSchematic.pptx
+++ b/doc/ElectricalSchematic.pptx
@@ -104,6 +104,22 @@
       </a:defRPr>
     </a:lvl9pPr>
   </p:defaultTextStyle>
+  <p:extLst>
+    <p:ext uri="{EFAFB233-063F-42B5-8137-9DF3F51BA10A}">
+      <p15:sldGuideLst xmlns:p15="http://schemas.microsoft.com/office/powerpoint/2012/main">
+        <p15:guide id="1" pos="4032" userDrawn="1">
+          <p15:clr>
+            <a:srgbClr val="A4A3A4"/>
+          </p15:clr>
+        </p15:guide>
+        <p15:guide id="2" orient="horz" pos="3024">
+          <p15:clr>
+            <a:srgbClr val="A4A3A4"/>
+          </p15:clr>
+        </p15:guide>
+      </p15:sldGuideLst>
+    </p:ext>
+  </p:extLst>
 </p:presentation>
 </file>
 
@@ -2980,8 +2996,8 @@
         </p:nvSpPr>
         <p:spPr>
           <a:xfrm>
-            <a:off x="6400800" y="2331720"/>
-            <a:ext cx="2301240" cy="3825240"/>
+            <a:off x="6400800" y="3270583"/>
+            <a:ext cx="1796354" cy="2520028"/>
           </a:xfrm>
           <a:prstGeom prst="rect">
             <a:avLst/>
@@ -3007,10 +3023,10 @@
           <a:p>
             <a:pPr algn="ctr"/>
             <a:r>
-              <a:rPr lang="en-US" altLang="zh-CN" dirty="0"/>
+              <a:rPr lang="en-US" altLang="zh-CN" sz="1200" dirty="0"/>
               <a:t>STM32F103</a:t>
             </a:r>
-            <a:endParaRPr lang="zh-CN" altLang="en-US" dirty="0"/>
+            <a:endParaRPr lang="zh-CN" altLang="en-US" sz="1200" dirty="0"/>
           </a:p>
         </p:txBody>
       </p:sp>
@@ -3028,8 +3044,8 @@
         </p:nvSpPr>
         <p:spPr>
           <a:xfrm>
-            <a:off x="2639833" y="3562184"/>
-            <a:ext cx="1653871" cy="1137037"/>
+            <a:off x="5050785" y="7500630"/>
+            <a:ext cx="2070022" cy="719986"/>
           </a:xfrm>
           <a:prstGeom prst="rect">
             <a:avLst/>
@@ -3055,8 +3071,4999 @@
           <a:p>
             <a:pPr algn="ctr"/>
             <a:r>
-              <a:rPr lang="zh-CN" altLang="en-US" dirty="0"/>
+              <a:rPr lang="zh-CN" altLang="en-US" sz="1200" dirty="0"/>
               <a:t>电源模块</a:t>
+            </a:r>
+            <a:r>
+              <a:rPr lang="en-US" altLang="zh-CN" sz="1200" dirty="0"/>
+              <a:t>LM2596</a:t>
+            </a:r>
+            <a:endParaRPr lang="zh-CN" altLang="en-US" sz="1200" dirty="0"/>
+          </a:p>
+        </p:txBody>
+      </p:sp>
+      <p:sp>
+        <p:nvSpPr>
+          <p:cNvPr id="23" name="矩形 22">
+            <a:extLst>
+              <a:ext uri="{FF2B5EF4-FFF2-40B4-BE49-F238E27FC236}">
+                <a16:creationId xmlns:a16="http://schemas.microsoft.com/office/drawing/2014/main" id="{0F60B7B1-A335-4800-A3D4-1BD0513A833B}"/>
+              </a:ext>
+            </a:extLst>
+          </p:cNvPr>
+          <p:cNvSpPr/>
+          <p:nvPr/>
+        </p:nvSpPr>
+        <p:spPr>
+          <a:xfrm>
+            <a:off x="10090841" y="3276791"/>
+            <a:ext cx="1796354" cy="2513814"/>
+          </a:xfrm>
+          <a:prstGeom prst="rect">
+            <a:avLst/>
+          </a:prstGeom>
+        </p:spPr>
+        <p:style>
+          <a:lnRef idx="2">
+            <a:schemeClr val="dk1"/>
+          </a:lnRef>
+          <a:fillRef idx="1">
+            <a:schemeClr val="lt1"/>
+          </a:fillRef>
+          <a:effectRef idx="0">
+            <a:schemeClr val="dk1"/>
+          </a:effectRef>
+          <a:fontRef idx="minor">
+            <a:schemeClr val="dk1"/>
+          </a:fontRef>
+        </p:style>
+        <p:txBody>
+          <a:bodyPr rtlCol="0" anchor="ctr"/>
+          <a:lstStyle/>
+          <a:p>
+            <a:pPr algn="ctr"/>
+            <a:r>
+              <a:rPr lang="en-US" altLang="zh-CN" sz="1200" dirty="0"/>
+              <a:t>RaspberryPi</a:t>
+            </a:r>
+          </a:p>
+          <a:p>
+            <a:pPr algn="ctr"/>
+            <a:r>
+              <a:rPr lang="en-US" altLang="zh-CN" sz="1200" dirty="0"/>
+              <a:t>4B</a:t>
+            </a:r>
+            <a:endParaRPr lang="zh-CN" altLang="en-US" sz="1200" dirty="0"/>
+          </a:p>
+        </p:txBody>
+      </p:sp>
+      <p:sp>
+        <p:nvSpPr>
+          <p:cNvPr id="24" name="矩形 23">
+            <a:extLst>
+              <a:ext uri="{FF2B5EF4-FFF2-40B4-BE49-F238E27FC236}">
+                <a16:creationId xmlns:a16="http://schemas.microsoft.com/office/drawing/2014/main" id="{043B2B04-37E4-4CA8-A3C0-A36B5ED1F4AC}"/>
+              </a:ext>
+            </a:extLst>
+          </p:cNvPr>
+          <p:cNvSpPr/>
+          <p:nvPr/>
+        </p:nvSpPr>
+        <p:spPr>
+          <a:xfrm>
+            <a:off x="2890761" y="4980602"/>
+            <a:ext cx="1170013" cy="810009"/>
+          </a:xfrm>
+          <a:prstGeom prst="rect">
+            <a:avLst/>
+          </a:prstGeom>
+        </p:spPr>
+        <p:style>
+          <a:lnRef idx="2">
+            <a:schemeClr val="dk1"/>
+          </a:lnRef>
+          <a:fillRef idx="1">
+            <a:schemeClr val="lt1"/>
+          </a:fillRef>
+          <a:effectRef idx="0">
+            <a:schemeClr val="dk1"/>
+          </a:effectRef>
+          <a:fontRef idx="minor">
+            <a:schemeClr val="dk1"/>
+          </a:fontRef>
+        </p:style>
+        <p:txBody>
+          <a:bodyPr rtlCol="0" anchor="ctr"/>
+          <a:lstStyle/>
+          <a:p>
+            <a:pPr algn="ctr"/>
+            <a:r>
+              <a:rPr lang="zh-CN" altLang="en-US" sz="1200" dirty="0"/>
+              <a:t>电机驱动模块</a:t>
+            </a:r>
+            <a:endParaRPr lang="en-US" altLang="zh-CN" sz="1200" dirty="0"/>
+          </a:p>
+          <a:p>
+            <a:pPr algn="ctr"/>
+            <a:r>
+              <a:rPr lang="en-US" altLang="zh-CN" sz="1200" dirty="0"/>
+              <a:t>L298N</a:t>
+            </a:r>
+            <a:endParaRPr lang="zh-CN" altLang="en-US" sz="1200" dirty="0"/>
+          </a:p>
+        </p:txBody>
+      </p:sp>
+      <p:sp>
+        <p:nvSpPr>
+          <p:cNvPr id="25" name="矩形 24">
+            <a:extLst>
+              <a:ext uri="{FF2B5EF4-FFF2-40B4-BE49-F238E27FC236}">
+                <a16:creationId xmlns:a16="http://schemas.microsoft.com/office/drawing/2014/main" id="{8D98B1D2-9B3D-4983-83FB-59C1BF1692BD}"/>
+              </a:ext>
+            </a:extLst>
+          </p:cNvPr>
+          <p:cNvSpPr/>
+          <p:nvPr/>
+        </p:nvSpPr>
+        <p:spPr>
+          <a:xfrm>
+            <a:off x="910739" y="2550575"/>
+            <a:ext cx="1170013" cy="810010"/>
+          </a:xfrm>
+          <a:prstGeom prst="rect">
+            <a:avLst/>
+          </a:prstGeom>
+        </p:spPr>
+        <p:style>
+          <a:lnRef idx="2">
+            <a:schemeClr val="dk1"/>
+          </a:lnRef>
+          <a:fillRef idx="1">
+            <a:schemeClr val="lt1"/>
+          </a:fillRef>
+          <a:effectRef idx="0">
+            <a:schemeClr val="dk1"/>
+          </a:effectRef>
+          <a:fontRef idx="minor">
+            <a:schemeClr val="dk1"/>
+          </a:fontRef>
+        </p:style>
+        <p:txBody>
+          <a:bodyPr rtlCol="0" anchor="ctr"/>
+          <a:lstStyle/>
+          <a:p>
+            <a:pPr algn="ctr"/>
+            <a:r>
+              <a:rPr lang="zh-CN" altLang="en-US" sz="1200" dirty="0"/>
+              <a:t>电机左</a:t>
+            </a:r>
+            <a:endParaRPr lang="en-US" altLang="zh-CN" sz="1200" dirty="0"/>
+          </a:p>
+          <a:p>
+            <a:pPr algn="ctr"/>
+            <a:r>
+              <a:rPr lang="en-US" altLang="zh-CN" sz="1200" dirty="0"/>
+              <a:t>25GA370</a:t>
+            </a:r>
+            <a:endParaRPr lang="zh-CN" altLang="en-US" sz="1200" dirty="0"/>
+          </a:p>
+        </p:txBody>
+      </p:sp>
+      <p:sp>
+        <p:nvSpPr>
+          <p:cNvPr id="26" name="矩形 25">
+            <a:extLst>
+              <a:ext uri="{FF2B5EF4-FFF2-40B4-BE49-F238E27FC236}">
+                <a16:creationId xmlns:a16="http://schemas.microsoft.com/office/drawing/2014/main" id="{4E5F7DA8-DF90-4141-8CD4-54A5FD537E5B}"/>
+              </a:ext>
+            </a:extLst>
+          </p:cNvPr>
+          <p:cNvSpPr/>
+          <p:nvPr/>
+        </p:nvSpPr>
+        <p:spPr>
+          <a:xfrm>
+            <a:off x="910739" y="3990592"/>
+            <a:ext cx="1170013" cy="810008"/>
+          </a:xfrm>
+          <a:prstGeom prst="rect">
+            <a:avLst/>
+          </a:prstGeom>
+        </p:spPr>
+        <p:style>
+          <a:lnRef idx="2">
+            <a:schemeClr val="dk1"/>
+          </a:lnRef>
+          <a:fillRef idx="1">
+            <a:schemeClr val="lt1"/>
+          </a:fillRef>
+          <a:effectRef idx="0">
+            <a:schemeClr val="dk1"/>
+          </a:effectRef>
+          <a:fontRef idx="minor">
+            <a:schemeClr val="dk1"/>
+          </a:fontRef>
+        </p:style>
+        <p:txBody>
+          <a:bodyPr rtlCol="0" anchor="ctr"/>
+          <a:lstStyle/>
+          <a:p>
+            <a:pPr algn="ctr"/>
+            <a:r>
+              <a:rPr lang="zh-CN" altLang="en-US" sz="1200" dirty="0"/>
+              <a:t>电机右</a:t>
+            </a:r>
+            <a:endParaRPr lang="en-US" altLang="zh-CN" sz="1200" dirty="0"/>
+          </a:p>
+          <a:p>
+            <a:pPr algn="ctr"/>
+            <a:r>
+              <a:rPr lang="en-US" altLang="zh-CN" sz="1200" dirty="0"/>
+              <a:t>25GA370</a:t>
+            </a:r>
+            <a:endParaRPr lang="zh-CN" altLang="en-US" sz="1200" dirty="0"/>
+          </a:p>
+        </p:txBody>
+      </p:sp>
+      <p:sp>
+        <p:nvSpPr>
+          <p:cNvPr id="28" name="矩形 27">
+            <a:extLst>
+              <a:ext uri="{FF2B5EF4-FFF2-40B4-BE49-F238E27FC236}">
+                <a16:creationId xmlns:a16="http://schemas.microsoft.com/office/drawing/2014/main" id="{05FC982A-7D09-4A1B-9038-D14EC50B1C09}"/>
+              </a:ext>
+            </a:extLst>
+          </p:cNvPr>
+          <p:cNvSpPr/>
+          <p:nvPr/>
+        </p:nvSpPr>
+        <p:spPr>
+          <a:xfrm>
+            <a:off x="2890761" y="3270583"/>
+            <a:ext cx="1170013" cy="810009"/>
+          </a:xfrm>
+          <a:prstGeom prst="rect">
+            <a:avLst/>
+          </a:prstGeom>
+        </p:spPr>
+        <p:style>
+          <a:lnRef idx="2">
+            <a:schemeClr val="dk1"/>
+          </a:lnRef>
+          <a:fillRef idx="1">
+            <a:schemeClr val="lt1"/>
+          </a:fillRef>
+          <a:effectRef idx="0">
+            <a:schemeClr val="dk1"/>
+          </a:effectRef>
+          <a:fontRef idx="minor">
+            <a:schemeClr val="dk1"/>
+          </a:fontRef>
+        </p:style>
+        <p:txBody>
+          <a:bodyPr rtlCol="0" anchor="ctr"/>
+          <a:lstStyle/>
+          <a:p>
+            <a:pPr algn="ctr"/>
+            <a:r>
+              <a:rPr lang="zh-CN" altLang="en-US" sz="1200" dirty="0"/>
+              <a:t>电机驱动模块</a:t>
+            </a:r>
+            <a:endParaRPr lang="en-US" altLang="zh-CN" sz="1200" dirty="0"/>
+          </a:p>
+          <a:p>
+            <a:pPr algn="ctr"/>
+            <a:r>
+              <a:rPr lang="en-US" altLang="zh-CN" sz="1200" dirty="0"/>
+              <a:t>L298N</a:t>
+            </a:r>
+            <a:endParaRPr lang="zh-CN" altLang="en-US" sz="1200" dirty="0"/>
+          </a:p>
+        </p:txBody>
+      </p:sp>
+      <p:sp>
+        <p:nvSpPr>
+          <p:cNvPr id="29" name="矩形 28">
+            <a:extLst>
+              <a:ext uri="{FF2B5EF4-FFF2-40B4-BE49-F238E27FC236}">
+                <a16:creationId xmlns:a16="http://schemas.microsoft.com/office/drawing/2014/main" id="{458DB25B-8BD9-47A5-A6B4-6A0FA6DA6589}"/>
+              </a:ext>
+            </a:extLst>
+          </p:cNvPr>
+          <p:cNvSpPr/>
+          <p:nvPr/>
+        </p:nvSpPr>
+        <p:spPr>
+          <a:xfrm>
+            <a:off x="910738" y="6870620"/>
+            <a:ext cx="1170013" cy="810012"/>
+          </a:xfrm>
+          <a:prstGeom prst="rect">
+            <a:avLst/>
+          </a:prstGeom>
+        </p:spPr>
+        <p:style>
+          <a:lnRef idx="2">
+            <a:schemeClr val="dk1"/>
+          </a:lnRef>
+          <a:fillRef idx="1">
+            <a:schemeClr val="lt1"/>
+          </a:fillRef>
+          <a:effectRef idx="0">
+            <a:schemeClr val="dk1"/>
+          </a:effectRef>
+          <a:fontRef idx="minor">
+            <a:schemeClr val="dk1"/>
+          </a:fontRef>
+        </p:style>
+        <p:txBody>
+          <a:bodyPr rtlCol="0" anchor="ctr"/>
+          <a:lstStyle/>
+          <a:p>
+            <a:pPr algn="ctr"/>
+            <a:r>
+              <a:rPr lang="zh-CN" altLang="en-US" sz="1200" dirty="0"/>
+              <a:t>舵机</a:t>
+            </a:r>
+            <a:endParaRPr lang="en-US" altLang="zh-CN" sz="1200" dirty="0"/>
+          </a:p>
+          <a:p>
+            <a:pPr algn="ctr"/>
+            <a:r>
+              <a:rPr lang="en-US" altLang="zh-CN" sz="1200" dirty="0"/>
+              <a:t>SG90</a:t>
+            </a:r>
+          </a:p>
+        </p:txBody>
+      </p:sp>
+      <p:sp>
+        <p:nvSpPr>
+          <p:cNvPr id="30" name="矩形 29">
+            <a:extLst>
+              <a:ext uri="{FF2B5EF4-FFF2-40B4-BE49-F238E27FC236}">
+                <a16:creationId xmlns:a16="http://schemas.microsoft.com/office/drawing/2014/main" id="{16B23ACC-06B4-45E6-89F4-B233D174B85B}"/>
+              </a:ext>
+            </a:extLst>
+          </p:cNvPr>
+          <p:cNvSpPr/>
+          <p:nvPr/>
+        </p:nvSpPr>
+        <p:spPr>
+          <a:xfrm>
+            <a:off x="4420756" y="8670628"/>
+            <a:ext cx="3240035" cy="720012"/>
+          </a:xfrm>
+          <a:prstGeom prst="rect">
+            <a:avLst/>
+          </a:prstGeom>
+        </p:spPr>
+        <p:style>
+          <a:lnRef idx="2">
+            <a:schemeClr val="dk1"/>
+          </a:lnRef>
+          <a:fillRef idx="1">
+            <a:schemeClr val="lt1"/>
+          </a:fillRef>
+          <a:effectRef idx="0">
+            <a:schemeClr val="dk1"/>
+          </a:effectRef>
+          <a:fontRef idx="minor">
+            <a:schemeClr val="dk1"/>
+          </a:fontRef>
+        </p:style>
+        <p:txBody>
+          <a:bodyPr rtlCol="0" anchor="ctr"/>
+          <a:lstStyle/>
+          <a:p>
+            <a:pPr algn="ctr"/>
+            <a:r>
+              <a:rPr lang="en-US" altLang="zh-CN" sz="1200" dirty="0"/>
+              <a:t>12V</a:t>
+            </a:r>
+            <a:r>
+              <a:rPr lang="zh-CN" altLang="en-US" sz="1200" dirty="0"/>
+              <a:t>电源</a:t>
+            </a:r>
+            <a:endParaRPr lang="en-US" altLang="zh-CN" sz="1200" dirty="0"/>
+          </a:p>
+        </p:txBody>
+      </p:sp>
+      <p:cxnSp>
+        <p:nvCxnSpPr>
+          <p:cNvPr id="36" name="直接连接符 35">
+            <a:extLst>
+              <a:ext uri="{FF2B5EF4-FFF2-40B4-BE49-F238E27FC236}">
+                <a16:creationId xmlns:a16="http://schemas.microsoft.com/office/drawing/2014/main" id="{FB35CCC7-8789-4590-8717-002C66DEE7E5}"/>
+              </a:ext>
+            </a:extLst>
+          </p:cNvPr>
+          <p:cNvCxnSpPr>
+            <a:cxnSpLocks/>
+          </p:cNvCxnSpPr>
+          <p:nvPr/>
+        </p:nvCxnSpPr>
+        <p:spPr>
+          <a:xfrm flipH="1" flipV="1">
+            <a:off x="5950796" y="8220647"/>
+            <a:ext cx="1" cy="449981"/>
+          </a:xfrm>
+          <a:prstGeom prst="line">
+            <a:avLst/>
+          </a:prstGeom>
+          <a:ln>
+            <a:solidFill>
+              <a:srgbClr val="FF0000"/>
+            </a:solidFill>
+          </a:ln>
+        </p:spPr>
+        <p:style>
+          <a:lnRef idx="1">
+            <a:schemeClr val="dk1"/>
+          </a:lnRef>
+          <a:fillRef idx="0">
+            <a:schemeClr val="dk1"/>
+          </a:fillRef>
+          <a:effectRef idx="0">
+            <a:schemeClr val="dk1"/>
+          </a:effectRef>
+          <a:fontRef idx="minor">
+            <a:schemeClr val="tx1"/>
+          </a:fontRef>
+        </p:style>
+      </p:cxnSp>
+      <p:cxnSp>
+        <p:nvCxnSpPr>
+          <p:cNvPr id="41" name="直接连接符 40">
+            <a:extLst>
+              <a:ext uri="{FF2B5EF4-FFF2-40B4-BE49-F238E27FC236}">
+                <a16:creationId xmlns:a16="http://schemas.microsoft.com/office/drawing/2014/main" id="{F6EF882D-80A4-40D2-9649-A6701D75EB0B}"/>
+              </a:ext>
+            </a:extLst>
+          </p:cNvPr>
+          <p:cNvCxnSpPr>
+            <a:cxnSpLocks/>
+          </p:cNvCxnSpPr>
+          <p:nvPr/>
+        </p:nvCxnSpPr>
+        <p:spPr>
+          <a:xfrm flipV="1">
+            <a:off x="6130800" y="8220638"/>
+            <a:ext cx="0" cy="450006"/>
+          </a:xfrm>
+          <a:prstGeom prst="line">
+            <a:avLst/>
+          </a:prstGeom>
+          <a:ln>
+            <a:solidFill>
+              <a:srgbClr val="FF0000"/>
+            </a:solidFill>
+          </a:ln>
+        </p:spPr>
+        <p:style>
+          <a:lnRef idx="1">
+            <a:schemeClr val="dk1"/>
+          </a:lnRef>
+          <a:fillRef idx="0">
+            <a:schemeClr val="dk1"/>
+          </a:fillRef>
+          <a:effectRef idx="0">
+            <a:schemeClr val="dk1"/>
+          </a:effectRef>
+          <a:fontRef idx="minor">
+            <a:schemeClr val="tx1"/>
+          </a:fontRef>
+        </p:style>
+      </p:cxnSp>
+      <p:cxnSp>
+        <p:nvCxnSpPr>
+          <p:cNvPr id="49" name="直接连接符 48">
+            <a:extLst>
+              <a:ext uri="{FF2B5EF4-FFF2-40B4-BE49-F238E27FC236}">
+                <a16:creationId xmlns:a16="http://schemas.microsoft.com/office/drawing/2014/main" id="{38043B96-FD6B-42F4-91A0-D37C0248245F}"/>
+              </a:ext>
+            </a:extLst>
+          </p:cNvPr>
+          <p:cNvCxnSpPr>
+            <a:cxnSpLocks/>
+          </p:cNvCxnSpPr>
+          <p:nvPr/>
+        </p:nvCxnSpPr>
+        <p:spPr>
+          <a:xfrm flipH="1">
+            <a:off x="4510779" y="8489077"/>
+            <a:ext cx="1439970" cy="1564"/>
+          </a:xfrm>
+          <a:prstGeom prst="line">
+            <a:avLst/>
+          </a:prstGeom>
+          <a:ln>
+            <a:solidFill>
+              <a:srgbClr val="FF0000"/>
+            </a:solidFill>
+          </a:ln>
+        </p:spPr>
+        <p:style>
+          <a:lnRef idx="1">
+            <a:schemeClr val="dk1"/>
+          </a:lnRef>
+          <a:fillRef idx="0">
+            <a:schemeClr val="dk1"/>
+          </a:fillRef>
+          <a:effectRef idx="0">
+            <a:schemeClr val="dk1"/>
+          </a:effectRef>
+          <a:fontRef idx="minor">
+            <a:schemeClr val="tx1"/>
+          </a:fontRef>
+        </p:style>
+      </p:cxnSp>
+      <p:cxnSp>
+        <p:nvCxnSpPr>
+          <p:cNvPr id="50" name="直接连接符 49">
+            <a:extLst>
+              <a:ext uri="{FF2B5EF4-FFF2-40B4-BE49-F238E27FC236}">
+                <a16:creationId xmlns:a16="http://schemas.microsoft.com/office/drawing/2014/main" id="{94587ED4-8026-4403-B94F-C6CF0E06939C}"/>
+              </a:ext>
+            </a:extLst>
+          </p:cNvPr>
+          <p:cNvCxnSpPr>
+            <a:cxnSpLocks/>
+          </p:cNvCxnSpPr>
+          <p:nvPr/>
+        </p:nvCxnSpPr>
+        <p:spPr>
+          <a:xfrm flipH="1">
+            <a:off x="4690781" y="8398585"/>
+            <a:ext cx="1439945" cy="3860"/>
+          </a:xfrm>
+          <a:prstGeom prst="line">
+            <a:avLst/>
+          </a:prstGeom>
+          <a:ln>
+            <a:solidFill>
+              <a:srgbClr val="FF0000"/>
+            </a:solidFill>
+          </a:ln>
+        </p:spPr>
+        <p:style>
+          <a:lnRef idx="1">
+            <a:schemeClr val="dk1"/>
+          </a:lnRef>
+          <a:fillRef idx="0">
+            <a:schemeClr val="dk1"/>
+          </a:fillRef>
+          <a:effectRef idx="0">
+            <a:schemeClr val="dk1"/>
+          </a:effectRef>
+          <a:fontRef idx="minor">
+            <a:schemeClr val="tx1"/>
+          </a:fontRef>
+        </p:style>
+      </p:cxnSp>
+      <p:cxnSp>
+        <p:nvCxnSpPr>
+          <p:cNvPr id="63" name="直接连接符 62">
+            <a:extLst>
+              <a:ext uri="{FF2B5EF4-FFF2-40B4-BE49-F238E27FC236}">
+                <a16:creationId xmlns:a16="http://schemas.microsoft.com/office/drawing/2014/main" id="{0CD6F874-1CA8-4D04-9E74-4DE924C958BD}"/>
+              </a:ext>
+            </a:extLst>
+          </p:cNvPr>
+          <p:cNvCxnSpPr>
+            <a:cxnSpLocks/>
+          </p:cNvCxnSpPr>
+          <p:nvPr/>
+        </p:nvCxnSpPr>
+        <p:spPr>
+          <a:xfrm flipV="1">
+            <a:off x="4508389" y="3902144"/>
+            <a:ext cx="3667" cy="4586933"/>
+          </a:xfrm>
+          <a:prstGeom prst="line">
+            <a:avLst/>
+          </a:prstGeom>
+          <a:ln>
+            <a:solidFill>
+              <a:srgbClr val="FF0000"/>
+            </a:solidFill>
+          </a:ln>
+        </p:spPr>
+        <p:style>
+          <a:lnRef idx="1">
+            <a:schemeClr val="dk1"/>
+          </a:lnRef>
+          <a:fillRef idx="0">
+            <a:schemeClr val="dk1"/>
+          </a:fillRef>
+          <a:effectRef idx="0">
+            <a:schemeClr val="dk1"/>
+          </a:effectRef>
+          <a:fontRef idx="minor">
+            <a:schemeClr val="tx1"/>
+          </a:fontRef>
+        </p:style>
+      </p:cxnSp>
+      <p:cxnSp>
+        <p:nvCxnSpPr>
+          <p:cNvPr id="67" name="直接连接符 66">
+            <a:extLst>
+              <a:ext uri="{FF2B5EF4-FFF2-40B4-BE49-F238E27FC236}">
+                <a16:creationId xmlns:a16="http://schemas.microsoft.com/office/drawing/2014/main" id="{781FEF83-091B-4A81-830B-33509ECFA2A8}"/>
+              </a:ext>
+            </a:extLst>
+          </p:cNvPr>
+          <p:cNvCxnSpPr>
+            <a:cxnSpLocks/>
+          </p:cNvCxnSpPr>
+          <p:nvPr/>
+        </p:nvCxnSpPr>
+        <p:spPr>
+          <a:xfrm>
+            <a:off x="4060774" y="3900590"/>
+            <a:ext cx="451279" cy="0"/>
+          </a:xfrm>
+          <a:prstGeom prst="line">
+            <a:avLst/>
+          </a:prstGeom>
+          <a:ln>
+            <a:solidFill>
+              <a:srgbClr val="FF0000"/>
+            </a:solidFill>
+          </a:ln>
+        </p:spPr>
+        <p:style>
+          <a:lnRef idx="1">
+            <a:schemeClr val="dk1"/>
+          </a:lnRef>
+          <a:fillRef idx="0">
+            <a:schemeClr val="dk1"/>
+          </a:fillRef>
+          <a:effectRef idx="0">
+            <a:schemeClr val="dk1"/>
+          </a:effectRef>
+          <a:fontRef idx="minor">
+            <a:schemeClr val="tx1"/>
+          </a:fontRef>
+        </p:style>
+      </p:cxnSp>
+      <p:cxnSp>
+        <p:nvCxnSpPr>
+          <p:cNvPr id="77" name="直接连接符 76">
+            <a:extLst>
+              <a:ext uri="{FF2B5EF4-FFF2-40B4-BE49-F238E27FC236}">
+                <a16:creationId xmlns:a16="http://schemas.microsoft.com/office/drawing/2014/main" id="{8D311C3C-8143-4C0E-BB32-02078CB6F8AD}"/>
+              </a:ext>
+            </a:extLst>
+          </p:cNvPr>
+          <p:cNvCxnSpPr>
+            <a:cxnSpLocks/>
+          </p:cNvCxnSpPr>
+          <p:nvPr/>
+        </p:nvCxnSpPr>
+        <p:spPr>
+          <a:xfrm>
+            <a:off x="4060774" y="5610609"/>
+            <a:ext cx="451279" cy="0"/>
+          </a:xfrm>
+          <a:prstGeom prst="line">
+            <a:avLst/>
+          </a:prstGeom>
+          <a:ln>
+            <a:solidFill>
+              <a:srgbClr val="FF0000"/>
+            </a:solidFill>
+          </a:ln>
+        </p:spPr>
+        <p:style>
+          <a:lnRef idx="1">
+            <a:schemeClr val="dk1"/>
+          </a:lnRef>
+          <a:fillRef idx="0">
+            <a:schemeClr val="dk1"/>
+          </a:fillRef>
+          <a:effectRef idx="0">
+            <a:schemeClr val="dk1"/>
+          </a:effectRef>
+          <a:fontRef idx="minor">
+            <a:schemeClr val="tx1"/>
+          </a:fontRef>
+        </p:style>
+      </p:cxnSp>
+      <p:cxnSp>
+        <p:nvCxnSpPr>
+          <p:cNvPr id="78" name="直接连接符 77">
+            <a:extLst>
+              <a:ext uri="{FF2B5EF4-FFF2-40B4-BE49-F238E27FC236}">
+                <a16:creationId xmlns:a16="http://schemas.microsoft.com/office/drawing/2014/main" id="{B1A32146-C002-43A4-AC8C-31DDDA520671}"/>
+              </a:ext>
+            </a:extLst>
+          </p:cNvPr>
+          <p:cNvCxnSpPr>
+            <a:cxnSpLocks/>
+          </p:cNvCxnSpPr>
+          <p:nvPr/>
+        </p:nvCxnSpPr>
+        <p:spPr>
+          <a:xfrm flipV="1">
+            <a:off x="4692103" y="3990593"/>
+            <a:ext cx="0" cy="4407992"/>
+          </a:xfrm>
+          <a:prstGeom prst="line">
+            <a:avLst/>
+          </a:prstGeom>
+          <a:ln>
+            <a:solidFill>
+              <a:srgbClr val="FF0000"/>
+            </a:solidFill>
+          </a:ln>
+        </p:spPr>
+        <p:style>
+          <a:lnRef idx="1">
+            <a:schemeClr val="dk1"/>
+          </a:lnRef>
+          <a:fillRef idx="0">
+            <a:schemeClr val="dk1"/>
+          </a:fillRef>
+          <a:effectRef idx="0">
+            <a:schemeClr val="dk1"/>
+          </a:effectRef>
+          <a:fontRef idx="minor">
+            <a:schemeClr val="tx1"/>
+          </a:fontRef>
+        </p:style>
+      </p:cxnSp>
+      <p:cxnSp>
+        <p:nvCxnSpPr>
+          <p:cNvPr id="80" name="直接连接符 79">
+            <a:extLst>
+              <a:ext uri="{FF2B5EF4-FFF2-40B4-BE49-F238E27FC236}">
+                <a16:creationId xmlns:a16="http://schemas.microsoft.com/office/drawing/2014/main" id="{729FC5A8-1099-4079-9760-14D7581331A4}"/>
+              </a:ext>
+            </a:extLst>
+          </p:cNvPr>
+          <p:cNvCxnSpPr>
+            <a:cxnSpLocks/>
+          </p:cNvCxnSpPr>
+          <p:nvPr/>
+        </p:nvCxnSpPr>
+        <p:spPr>
+          <a:xfrm>
+            <a:off x="4060774" y="3990591"/>
+            <a:ext cx="631329" cy="0"/>
+          </a:xfrm>
+          <a:prstGeom prst="line">
+            <a:avLst/>
+          </a:prstGeom>
+          <a:ln>
+            <a:solidFill>
+              <a:srgbClr val="FF0000"/>
+            </a:solidFill>
+          </a:ln>
+        </p:spPr>
+        <p:style>
+          <a:lnRef idx="1">
+            <a:schemeClr val="dk1"/>
+          </a:lnRef>
+          <a:fillRef idx="0">
+            <a:schemeClr val="dk1"/>
+          </a:fillRef>
+          <a:effectRef idx="0">
+            <a:schemeClr val="dk1"/>
+          </a:effectRef>
+          <a:fontRef idx="minor">
+            <a:schemeClr val="tx1"/>
+          </a:fontRef>
+        </p:style>
+      </p:cxnSp>
+      <p:cxnSp>
+        <p:nvCxnSpPr>
+          <p:cNvPr id="83" name="直接连接符 82">
+            <a:extLst>
+              <a:ext uri="{FF2B5EF4-FFF2-40B4-BE49-F238E27FC236}">
+                <a16:creationId xmlns:a16="http://schemas.microsoft.com/office/drawing/2014/main" id="{18723104-2FD1-48A1-9AF7-FE49CE8F0EC8}"/>
+              </a:ext>
+            </a:extLst>
+          </p:cNvPr>
+          <p:cNvCxnSpPr>
+            <a:cxnSpLocks/>
+          </p:cNvCxnSpPr>
+          <p:nvPr/>
+        </p:nvCxnSpPr>
+        <p:spPr>
+          <a:xfrm flipV="1">
+            <a:off x="4060774" y="5700609"/>
+            <a:ext cx="631329" cy="1"/>
+          </a:xfrm>
+          <a:prstGeom prst="line">
+            <a:avLst/>
+          </a:prstGeom>
+          <a:ln>
+            <a:solidFill>
+              <a:srgbClr val="FF0000"/>
+            </a:solidFill>
+          </a:ln>
+        </p:spPr>
+        <p:style>
+          <a:lnRef idx="1">
+            <a:schemeClr val="dk1"/>
+          </a:lnRef>
+          <a:fillRef idx="0">
+            <a:schemeClr val="dk1"/>
+          </a:fillRef>
+          <a:effectRef idx="0">
+            <a:schemeClr val="dk1"/>
+          </a:effectRef>
+          <a:fontRef idx="minor">
+            <a:schemeClr val="tx1"/>
+          </a:fontRef>
+        </p:style>
+      </p:cxnSp>
+      <p:cxnSp>
+        <p:nvCxnSpPr>
+          <p:cNvPr id="90" name="直接连接符 89">
+            <a:extLst>
+              <a:ext uri="{FF2B5EF4-FFF2-40B4-BE49-F238E27FC236}">
+                <a16:creationId xmlns:a16="http://schemas.microsoft.com/office/drawing/2014/main" id="{ABC0FDF0-BB1A-41A4-8F32-0048688E0CB2}"/>
+              </a:ext>
+            </a:extLst>
+          </p:cNvPr>
+          <p:cNvCxnSpPr>
+            <a:cxnSpLocks/>
+          </p:cNvCxnSpPr>
+          <p:nvPr/>
+        </p:nvCxnSpPr>
+        <p:spPr>
+          <a:xfrm>
+            <a:off x="4060774" y="3360600"/>
+            <a:ext cx="2340026" cy="0"/>
+          </a:xfrm>
+          <a:prstGeom prst="line">
+            <a:avLst/>
+          </a:prstGeom>
+        </p:spPr>
+        <p:style>
+          <a:lnRef idx="1">
+            <a:schemeClr val="dk1"/>
+          </a:lnRef>
+          <a:fillRef idx="0">
+            <a:schemeClr val="dk1"/>
+          </a:fillRef>
+          <a:effectRef idx="0">
+            <a:schemeClr val="dk1"/>
+          </a:effectRef>
+          <a:fontRef idx="minor">
+            <a:schemeClr val="tx1"/>
+          </a:fontRef>
+        </p:style>
+      </p:cxnSp>
+      <p:cxnSp>
+        <p:nvCxnSpPr>
+          <p:cNvPr id="91" name="直接连接符 90">
+            <a:extLst>
+              <a:ext uri="{FF2B5EF4-FFF2-40B4-BE49-F238E27FC236}">
+                <a16:creationId xmlns:a16="http://schemas.microsoft.com/office/drawing/2014/main" id="{C9BF5F5C-6AB3-4EB9-900D-C608E95BBC41}"/>
+              </a:ext>
+            </a:extLst>
+          </p:cNvPr>
+          <p:cNvCxnSpPr>
+            <a:cxnSpLocks/>
+          </p:cNvCxnSpPr>
+          <p:nvPr/>
+        </p:nvCxnSpPr>
+        <p:spPr>
+          <a:xfrm>
+            <a:off x="4060774" y="3450585"/>
+            <a:ext cx="2340026" cy="0"/>
+          </a:xfrm>
+          <a:prstGeom prst="line">
+            <a:avLst/>
+          </a:prstGeom>
+        </p:spPr>
+        <p:style>
+          <a:lnRef idx="1">
+            <a:schemeClr val="dk1"/>
+          </a:lnRef>
+          <a:fillRef idx="0">
+            <a:schemeClr val="dk1"/>
+          </a:fillRef>
+          <a:effectRef idx="0">
+            <a:schemeClr val="dk1"/>
+          </a:effectRef>
+          <a:fontRef idx="minor">
+            <a:schemeClr val="tx1"/>
+          </a:fontRef>
+        </p:style>
+      </p:cxnSp>
+      <p:cxnSp>
+        <p:nvCxnSpPr>
+          <p:cNvPr id="92" name="直接连接符 91">
+            <a:extLst>
+              <a:ext uri="{FF2B5EF4-FFF2-40B4-BE49-F238E27FC236}">
+                <a16:creationId xmlns:a16="http://schemas.microsoft.com/office/drawing/2014/main" id="{1E2E619E-9050-4C3B-96E7-A34F3D5DD98C}"/>
+              </a:ext>
+            </a:extLst>
+          </p:cNvPr>
+          <p:cNvCxnSpPr>
+            <a:cxnSpLocks/>
+          </p:cNvCxnSpPr>
+          <p:nvPr/>
+        </p:nvCxnSpPr>
+        <p:spPr>
+          <a:xfrm>
+            <a:off x="4060774" y="3540586"/>
+            <a:ext cx="2340026" cy="0"/>
+          </a:xfrm>
+          <a:prstGeom prst="line">
+            <a:avLst/>
+          </a:prstGeom>
+        </p:spPr>
+        <p:style>
+          <a:lnRef idx="1">
+            <a:schemeClr val="dk1"/>
+          </a:lnRef>
+          <a:fillRef idx="0">
+            <a:schemeClr val="dk1"/>
+          </a:fillRef>
+          <a:effectRef idx="0">
+            <a:schemeClr val="dk1"/>
+          </a:effectRef>
+          <a:fontRef idx="minor">
+            <a:schemeClr val="tx1"/>
+          </a:fontRef>
+        </p:style>
+      </p:cxnSp>
+      <p:cxnSp>
+        <p:nvCxnSpPr>
+          <p:cNvPr id="93" name="直接连接符 92">
+            <a:extLst>
+              <a:ext uri="{FF2B5EF4-FFF2-40B4-BE49-F238E27FC236}">
+                <a16:creationId xmlns:a16="http://schemas.microsoft.com/office/drawing/2014/main" id="{81957109-DC49-44A7-A628-04D02CC3C090}"/>
+              </a:ext>
+            </a:extLst>
+          </p:cNvPr>
+          <p:cNvCxnSpPr>
+            <a:cxnSpLocks/>
+          </p:cNvCxnSpPr>
+          <p:nvPr/>
+        </p:nvCxnSpPr>
+        <p:spPr>
+          <a:xfrm>
+            <a:off x="4060774" y="3630587"/>
+            <a:ext cx="2340026" cy="0"/>
+          </a:xfrm>
+          <a:prstGeom prst="line">
+            <a:avLst/>
+          </a:prstGeom>
+        </p:spPr>
+        <p:style>
+          <a:lnRef idx="1">
+            <a:schemeClr val="dk1"/>
+          </a:lnRef>
+          <a:fillRef idx="0">
+            <a:schemeClr val="dk1"/>
+          </a:fillRef>
+          <a:effectRef idx="0">
+            <a:schemeClr val="dk1"/>
+          </a:effectRef>
+          <a:fontRef idx="minor">
+            <a:schemeClr val="tx1"/>
+          </a:fontRef>
+        </p:style>
+      </p:cxnSp>
+      <p:cxnSp>
+        <p:nvCxnSpPr>
+          <p:cNvPr id="94" name="直接连接符 93">
+            <a:extLst>
+              <a:ext uri="{FF2B5EF4-FFF2-40B4-BE49-F238E27FC236}">
+                <a16:creationId xmlns:a16="http://schemas.microsoft.com/office/drawing/2014/main" id="{6B96FC07-BE26-4117-9301-06A0FB65460F}"/>
+              </a:ext>
+            </a:extLst>
+          </p:cNvPr>
+          <p:cNvCxnSpPr>
+            <a:cxnSpLocks/>
+          </p:cNvCxnSpPr>
+          <p:nvPr/>
+        </p:nvCxnSpPr>
+        <p:spPr>
+          <a:xfrm>
+            <a:off x="4060774" y="3722142"/>
+            <a:ext cx="2340026" cy="0"/>
+          </a:xfrm>
+          <a:prstGeom prst="line">
+            <a:avLst/>
+          </a:prstGeom>
+        </p:spPr>
+        <p:style>
+          <a:lnRef idx="1">
+            <a:schemeClr val="dk1"/>
+          </a:lnRef>
+          <a:fillRef idx="0">
+            <a:schemeClr val="dk1"/>
+          </a:fillRef>
+          <a:effectRef idx="0">
+            <a:schemeClr val="dk1"/>
+          </a:effectRef>
+          <a:fontRef idx="minor">
+            <a:schemeClr val="tx1"/>
+          </a:fontRef>
+        </p:style>
+      </p:cxnSp>
+      <p:cxnSp>
+        <p:nvCxnSpPr>
+          <p:cNvPr id="95" name="直接连接符 94">
+            <a:extLst>
+              <a:ext uri="{FF2B5EF4-FFF2-40B4-BE49-F238E27FC236}">
+                <a16:creationId xmlns:a16="http://schemas.microsoft.com/office/drawing/2014/main" id="{E2FB6F35-99A2-4828-803A-D01FDA34F8BB}"/>
+              </a:ext>
+            </a:extLst>
+          </p:cNvPr>
+          <p:cNvCxnSpPr>
+            <a:cxnSpLocks/>
+          </p:cNvCxnSpPr>
+          <p:nvPr/>
+        </p:nvCxnSpPr>
+        <p:spPr>
+          <a:xfrm>
+            <a:off x="4060774" y="3810589"/>
+            <a:ext cx="2340026" cy="0"/>
+          </a:xfrm>
+          <a:prstGeom prst="line">
+            <a:avLst/>
+          </a:prstGeom>
+        </p:spPr>
+        <p:style>
+          <a:lnRef idx="1">
+            <a:schemeClr val="dk1"/>
+          </a:lnRef>
+          <a:fillRef idx="0">
+            <a:schemeClr val="dk1"/>
+          </a:fillRef>
+          <a:effectRef idx="0">
+            <a:schemeClr val="dk1"/>
+          </a:effectRef>
+          <a:fontRef idx="minor">
+            <a:schemeClr val="tx1"/>
+          </a:fontRef>
+        </p:style>
+      </p:cxnSp>
+      <p:cxnSp>
+        <p:nvCxnSpPr>
+          <p:cNvPr id="220" name="直接连接符 219">
+            <a:extLst>
+              <a:ext uri="{FF2B5EF4-FFF2-40B4-BE49-F238E27FC236}">
+                <a16:creationId xmlns:a16="http://schemas.microsoft.com/office/drawing/2014/main" id="{317D37E4-7C48-4B9F-B04A-CC03D4269444}"/>
+              </a:ext>
+            </a:extLst>
+          </p:cNvPr>
+          <p:cNvCxnSpPr>
+            <a:cxnSpLocks/>
+          </p:cNvCxnSpPr>
+          <p:nvPr/>
+        </p:nvCxnSpPr>
+        <p:spPr>
+          <a:xfrm>
+            <a:off x="2075878" y="2732131"/>
+            <a:ext cx="904884" cy="0"/>
+          </a:xfrm>
+          <a:prstGeom prst="line">
+            <a:avLst/>
+          </a:prstGeom>
+        </p:spPr>
+        <p:style>
+          <a:lnRef idx="1">
+            <a:schemeClr val="dk1"/>
+          </a:lnRef>
+          <a:fillRef idx="0">
+            <a:schemeClr val="dk1"/>
+          </a:fillRef>
+          <a:effectRef idx="0">
+            <a:schemeClr val="dk1"/>
+          </a:effectRef>
+          <a:fontRef idx="minor">
+            <a:schemeClr val="tx1"/>
+          </a:fontRef>
+        </p:style>
+      </p:cxnSp>
+      <p:cxnSp>
+        <p:nvCxnSpPr>
+          <p:cNvPr id="223" name="直接连接符 222">
+            <a:extLst>
+              <a:ext uri="{FF2B5EF4-FFF2-40B4-BE49-F238E27FC236}">
+                <a16:creationId xmlns:a16="http://schemas.microsoft.com/office/drawing/2014/main" id="{C8D867A9-E310-4234-8B86-404BE1E83473}"/>
+              </a:ext>
+            </a:extLst>
+          </p:cNvPr>
+          <p:cNvCxnSpPr>
+            <a:cxnSpLocks/>
+          </p:cNvCxnSpPr>
+          <p:nvPr/>
+        </p:nvCxnSpPr>
+        <p:spPr>
+          <a:xfrm flipH="1" flipV="1">
+            <a:off x="2980762" y="2733435"/>
+            <a:ext cx="1" cy="540007"/>
+          </a:xfrm>
+          <a:prstGeom prst="line">
+            <a:avLst/>
+          </a:prstGeom>
+        </p:spPr>
+        <p:style>
+          <a:lnRef idx="1">
+            <a:schemeClr val="dk1"/>
+          </a:lnRef>
+          <a:fillRef idx="0">
+            <a:schemeClr val="dk1"/>
+          </a:fillRef>
+          <a:effectRef idx="0">
+            <a:schemeClr val="dk1"/>
+          </a:effectRef>
+          <a:fontRef idx="minor">
+            <a:schemeClr val="tx1"/>
+          </a:fontRef>
+        </p:style>
+      </p:cxnSp>
+      <p:cxnSp>
+        <p:nvCxnSpPr>
+          <p:cNvPr id="229" name="直接连接符 228">
+            <a:extLst>
+              <a:ext uri="{FF2B5EF4-FFF2-40B4-BE49-F238E27FC236}">
+                <a16:creationId xmlns:a16="http://schemas.microsoft.com/office/drawing/2014/main" id="{C95BBB5D-6604-4AC2-A903-47394A9E9E80}"/>
+              </a:ext>
+            </a:extLst>
+          </p:cNvPr>
+          <p:cNvCxnSpPr>
+            <a:cxnSpLocks/>
+          </p:cNvCxnSpPr>
+          <p:nvPr/>
+        </p:nvCxnSpPr>
+        <p:spPr>
+          <a:xfrm>
+            <a:off x="2080752" y="3182133"/>
+            <a:ext cx="1080012" cy="0"/>
+          </a:xfrm>
+          <a:prstGeom prst="line">
+            <a:avLst/>
+          </a:prstGeom>
+        </p:spPr>
+        <p:style>
+          <a:lnRef idx="1">
+            <a:schemeClr val="dk1"/>
+          </a:lnRef>
+          <a:fillRef idx="0">
+            <a:schemeClr val="dk1"/>
+          </a:fillRef>
+          <a:effectRef idx="0">
+            <a:schemeClr val="dk1"/>
+          </a:effectRef>
+          <a:fontRef idx="minor">
+            <a:schemeClr val="tx1"/>
+          </a:fontRef>
+        </p:style>
+      </p:cxnSp>
+      <p:cxnSp>
+        <p:nvCxnSpPr>
+          <p:cNvPr id="232" name="直接连接符 231">
+            <a:extLst>
+              <a:ext uri="{FF2B5EF4-FFF2-40B4-BE49-F238E27FC236}">
+                <a16:creationId xmlns:a16="http://schemas.microsoft.com/office/drawing/2014/main" id="{F505CB72-4BC6-4B78-857E-670121E09CDE}"/>
+              </a:ext>
+            </a:extLst>
+          </p:cNvPr>
+          <p:cNvCxnSpPr>
+            <a:cxnSpLocks/>
+          </p:cNvCxnSpPr>
+          <p:nvPr/>
+        </p:nvCxnSpPr>
+        <p:spPr>
+          <a:xfrm flipV="1">
+            <a:off x="3160764" y="3182134"/>
+            <a:ext cx="0" cy="90000"/>
+          </a:xfrm>
+          <a:prstGeom prst="line">
+            <a:avLst/>
+          </a:prstGeom>
+        </p:spPr>
+        <p:style>
+          <a:lnRef idx="1">
+            <a:schemeClr val="dk1"/>
+          </a:lnRef>
+          <a:fillRef idx="0">
+            <a:schemeClr val="dk1"/>
+          </a:fillRef>
+          <a:effectRef idx="0">
+            <a:schemeClr val="dk1"/>
+          </a:effectRef>
+          <a:fontRef idx="minor">
+            <a:schemeClr val="tx1"/>
+          </a:fontRef>
+        </p:style>
+      </p:cxnSp>
+      <p:cxnSp>
+        <p:nvCxnSpPr>
+          <p:cNvPr id="236" name="直接连接符 235">
+            <a:extLst>
+              <a:ext uri="{FF2B5EF4-FFF2-40B4-BE49-F238E27FC236}">
+                <a16:creationId xmlns:a16="http://schemas.microsoft.com/office/drawing/2014/main" id="{843157DB-9C8E-487C-91B6-A41931CF8116}"/>
+              </a:ext>
+            </a:extLst>
+          </p:cNvPr>
+          <p:cNvCxnSpPr>
+            <a:cxnSpLocks/>
+          </p:cNvCxnSpPr>
+          <p:nvPr/>
+        </p:nvCxnSpPr>
+        <p:spPr>
+          <a:xfrm>
+            <a:off x="2080752" y="4620599"/>
+            <a:ext cx="900010" cy="0"/>
+          </a:xfrm>
+          <a:prstGeom prst="line">
+            <a:avLst/>
+          </a:prstGeom>
+        </p:spPr>
+        <p:style>
+          <a:lnRef idx="1">
+            <a:schemeClr val="dk1"/>
+          </a:lnRef>
+          <a:fillRef idx="0">
+            <a:schemeClr val="dk1"/>
+          </a:fillRef>
+          <a:effectRef idx="0">
+            <a:schemeClr val="dk1"/>
+          </a:effectRef>
+          <a:fontRef idx="minor">
+            <a:schemeClr val="tx1"/>
+          </a:fontRef>
+        </p:style>
+      </p:cxnSp>
+      <p:cxnSp>
+        <p:nvCxnSpPr>
+          <p:cNvPr id="241" name="直接连接符 240">
+            <a:extLst>
+              <a:ext uri="{FF2B5EF4-FFF2-40B4-BE49-F238E27FC236}">
+                <a16:creationId xmlns:a16="http://schemas.microsoft.com/office/drawing/2014/main" id="{FEBB9113-8BFC-4280-93BC-C61373CC9009}"/>
+              </a:ext>
+            </a:extLst>
+          </p:cNvPr>
+          <p:cNvCxnSpPr>
+            <a:cxnSpLocks/>
+          </p:cNvCxnSpPr>
+          <p:nvPr/>
+        </p:nvCxnSpPr>
+        <p:spPr>
+          <a:xfrm>
+            <a:off x="2075878" y="4170593"/>
+            <a:ext cx="1084886" cy="0"/>
+          </a:xfrm>
+          <a:prstGeom prst="line">
+            <a:avLst/>
+          </a:prstGeom>
+        </p:spPr>
+        <p:style>
+          <a:lnRef idx="1">
+            <a:schemeClr val="dk1"/>
+          </a:lnRef>
+          <a:fillRef idx="0">
+            <a:schemeClr val="dk1"/>
+          </a:fillRef>
+          <a:effectRef idx="0">
+            <a:schemeClr val="dk1"/>
+          </a:effectRef>
+          <a:fontRef idx="minor">
+            <a:schemeClr val="tx1"/>
+          </a:fontRef>
+        </p:style>
+      </p:cxnSp>
+      <p:cxnSp>
+        <p:nvCxnSpPr>
+          <p:cNvPr id="246" name="直接连接符 245">
+            <a:extLst>
+              <a:ext uri="{FF2B5EF4-FFF2-40B4-BE49-F238E27FC236}">
+                <a16:creationId xmlns:a16="http://schemas.microsoft.com/office/drawing/2014/main" id="{95EBCDF5-D2D1-422D-B004-A7CC51291474}"/>
+              </a:ext>
+            </a:extLst>
+          </p:cNvPr>
+          <p:cNvCxnSpPr>
+            <a:cxnSpLocks/>
+          </p:cNvCxnSpPr>
+          <p:nvPr/>
+        </p:nvCxnSpPr>
+        <p:spPr>
+          <a:xfrm flipV="1">
+            <a:off x="2980762" y="4080593"/>
+            <a:ext cx="0" cy="540006"/>
+          </a:xfrm>
+          <a:prstGeom prst="line">
+            <a:avLst/>
+          </a:prstGeom>
+        </p:spPr>
+        <p:style>
+          <a:lnRef idx="1">
+            <a:schemeClr val="dk1"/>
+          </a:lnRef>
+          <a:fillRef idx="0">
+            <a:schemeClr val="dk1"/>
+          </a:fillRef>
+          <a:effectRef idx="0">
+            <a:schemeClr val="dk1"/>
+          </a:effectRef>
+          <a:fontRef idx="minor">
+            <a:schemeClr val="tx1"/>
+          </a:fontRef>
+        </p:style>
+      </p:cxnSp>
+      <p:cxnSp>
+        <p:nvCxnSpPr>
+          <p:cNvPr id="250" name="直接连接符 249">
+            <a:extLst>
+              <a:ext uri="{FF2B5EF4-FFF2-40B4-BE49-F238E27FC236}">
+                <a16:creationId xmlns:a16="http://schemas.microsoft.com/office/drawing/2014/main" id="{8EE1105B-4B65-4970-879B-3FCC371B3952}"/>
+              </a:ext>
+            </a:extLst>
+          </p:cNvPr>
+          <p:cNvCxnSpPr>
+            <a:cxnSpLocks/>
+          </p:cNvCxnSpPr>
+          <p:nvPr/>
+        </p:nvCxnSpPr>
+        <p:spPr>
+          <a:xfrm flipV="1">
+            <a:off x="3160764" y="4080593"/>
+            <a:ext cx="0" cy="90000"/>
+          </a:xfrm>
+          <a:prstGeom prst="line">
+            <a:avLst/>
+          </a:prstGeom>
+        </p:spPr>
+        <p:style>
+          <a:lnRef idx="1">
+            <a:schemeClr val="dk1"/>
+          </a:lnRef>
+          <a:fillRef idx="0">
+            <a:schemeClr val="dk1"/>
+          </a:fillRef>
+          <a:effectRef idx="0">
+            <a:schemeClr val="dk1"/>
+          </a:effectRef>
+          <a:fontRef idx="minor">
+            <a:schemeClr val="tx1"/>
+          </a:fontRef>
+        </p:style>
+      </p:cxnSp>
+      <p:sp>
+        <p:nvSpPr>
+          <p:cNvPr id="257" name="矩形 256">
+            <a:extLst>
+              <a:ext uri="{FF2B5EF4-FFF2-40B4-BE49-F238E27FC236}">
+                <a16:creationId xmlns:a16="http://schemas.microsoft.com/office/drawing/2014/main" id="{2F50F704-5E9B-4A57-AD11-ADB1A494B0AA}"/>
+              </a:ext>
+            </a:extLst>
+          </p:cNvPr>
+          <p:cNvSpPr/>
+          <p:nvPr/>
+        </p:nvSpPr>
+        <p:spPr>
+          <a:xfrm>
+            <a:off x="910738" y="5430605"/>
+            <a:ext cx="1170013" cy="810010"/>
+          </a:xfrm>
+          <a:prstGeom prst="rect">
+            <a:avLst/>
+          </a:prstGeom>
+        </p:spPr>
+        <p:style>
+          <a:lnRef idx="2">
+            <a:schemeClr val="dk1"/>
+          </a:lnRef>
+          <a:fillRef idx="1">
+            <a:schemeClr val="lt1"/>
+          </a:fillRef>
+          <a:effectRef idx="0">
+            <a:schemeClr val="dk1"/>
+          </a:effectRef>
+          <a:fontRef idx="minor">
+            <a:schemeClr val="dk1"/>
+          </a:fontRef>
+        </p:style>
+        <p:txBody>
+          <a:bodyPr rtlCol="0" anchor="ctr"/>
+          <a:lstStyle/>
+          <a:p>
+            <a:pPr algn="ctr"/>
+            <a:r>
+              <a:rPr lang="zh-CN" altLang="en-US" sz="1200" dirty="0"/>
+              <a:t>电机</a:t>
+            </a:r>
+            <a:r>
+              <a:rPr lang="en-US" altLang="zh-CN" sz="1200" dirty="0"/>
+              <a:t>-</a:t>
+            </a:r>
+            <a:r>
+              <a:rPr lang="zh-CN" altLang="en-US" sz="1200" dirty="0"/>
+              <a:t>旋转刷</a:t>
+            </a:r>
+            <a:endParaRPr lang="en-US" altLang="zh-CN" sz="1200" dirty="0"/>
+          </a:p>
+        </p:txBody>
+      </p:sp>
+      <p:cxnSp>
+        <p:nvCxnSpPr>
+          <p:cNvPr id="258" name="直接连接符 257">
+            <a:extLst>
+              <a:ext uri="{FF2B5EF4-FFF2-40B4-BE49-F238E27FC236}">
+                <a16:creationId xmlns:a16="http://schemas.microsoft.com/office/drawing/2014/main" id="{E2A956C9-7565-4B8D-AFEF-E350FD0F2F35}"/>
+              </a:ext>
+            </a:extLst>
+          </p:cNvPr>
+          <p:cNvCxnSpPr>
+            <a:cxnSpLocks/>
+          </p:cNvCxnSpPr>
+          <p:nvPr/>
+        </p:nvCxnSpPr>
+        <p:spPr>
+          <a:xfrm flipV="1">
+            <a:off x="6310799" y="6870621"/>
+            <a:ext cx="0" cy="630005"/>
+          </a:xfrm>
+          <a:prstGeom prst="line">
+            <a:avLst/>
+          </a:prstGeom>
+          <a:ln>
+            <a:solidFill>
+              <a:srgbClr val="FF0000"/>
+            </a:solidFill>
+          </a:ln>
+        </p:spPr>
+        <p:style>
+          <a:lnRef idx="1">
+            <a:schemeClr val="dk1"/>
+          </a:lnRef>
+          <a:fillRef idx="0">
+            <a:schemeClr val="dk1"/>
+          </a:fillRef>
+          <a:effectRef idx="0">
+            <a:schemeClr val="dk1"/>
+          </a:effectRef>
+          <a:fontRef idx="minor">
+            <a:schemeClr val="tx1"/>
+          </a:fontRef>
+        </p:style>
+      </p:cxnSp>
+      <p:cxnSp>
+        <p:nvCxnSpPr>
+          <p:cNvPr id="264" name="直接连接符 263">
+            <a:extLst>
+              <a:ext uri="{FF2B5EF4-FFF2-40B4-BE49-F238E27FC236}">
+                <a16:creationId xmlns:a16="http://schemas.microsoft.com/office/drawing/2014/main" id="{012D7C47-A1F2-467D-9976-79C676748AB2}"/>
+              </a:ext>
+            </a:extLst>
+          </p:cNvPr>
+          <p:cNvCxnSpPr>
+            <a:cxnSpLocks/>
+          </p:cNvCxnSpPr>
+          <p:nvPr/>
+        </p:nvCxnSpPr>
+        <p:spPr>
+          <a:xfrm flipV="1">
+            <a:off x="6490801" y="6780622"/>
+            <a:ext cx="1" cy="720008"/>
+          </a:xfrm>
+          <a:prstGeom prst="line">
+            <a:avLst/>
+          </a:prstGeom>
+          <a:ln>
+            <a:solidFill>
+              <a:srgbClr val="FF0000"/>
+            </a:solidFill>
+          </a:ln>
+        </p:spPr>
+        <p:style>
+          <a:lnRef idx="1">
+            <a:schemeClr val="dk1"/>
+          </a:lnRef>
+          <a:fillRef idx="0">
+            <a:schemeClr val="dk1"/>
+          </a:fillRef>
+          <a:effectRef idx="0">
+            <a:schemeClr val="dk1"/>
+          </a:effectRef>
+          <a:fontRef idx="minor">
+            <a:schemeClr val="tx1"/>
+          </a:fontRef>
+        </p:style>
+      </p:cxnSp>
+      <p:cxnSp>
+        <p:nvCxnSpPr>
+          <p:cNvPr id="267" name="直接连接符 266">
+            <a:extLst>
+              <a:ext uri="{FF2B5EF4-FFF2-40B4-BE49-F238E27FC236}">
+                <a16:creationId xmlns:a16="http://schemas.microsoft.com/office/drawing/2014/main" id="{BFECFD8B-E54C-4A25-9863-101160E94F7E}"/>
+              </a:ext>
+            </a:extLst>
+          </p:cNvPr>
+          <p:cNvCxnSpPr>
+            <a:cxnSpLocks/>
+          </p:cNvCxnSpPr>
+          <p:nvPr/>
+        </p:nvCxnSpPr>
+        <p:spPr>
+          <a:xfrm flipV="1">
+            <a:off x="5680792" y="7320628"/>
+            <a:ext cx="0" cy="179999"/>
+          </a:xfrm>
+          <a:prstGeom prst="line">
+            <a:avLst/>
+          </a:prstGeom>
+          <a:ln>
+            <a:solidFill>
+              <a:srgbClr val="FF0000"/>
+            </a:solidFill>
+          </a:ln>
+        </p:spPr>
+        <p:style>
+          <a:lnRef idx="1">
+            <a:schemeClr val="dk1"/>
+          </a:lnRef>
+          <a:fillRef idx="0">
+            <a:schemeClr val="dk1"/>
+          </a:fillRef>
+          <a:effectRef idx="0">
+            <a:schemeClr val="dk1"/>
+          </a:effectRef>
+          <a:fontRef idx="minor">
+            <a:schemeClr val="tx1"/>
+          </a:fontRef>
+        </p:style>
+      </p:cxnSp>
+      <p:cxnSp>
+        <p:nvCxnSpPr>
+          <p:cNvPr id="268" name="直接连接符 267">
+            <a:extLst>
+              <a:ext uri="{FF2B5EF4-FFF2-40B4-BE49-F238E27FC236}">
+                <a16:creationId xmlns:a16="http://schemas.microsoft.com/office/drawing/2014/main" id="{B52A451B-FDBA-4CEA-B9B3-F84A8F3854DE}"/>
+              </a:ext>
+            </a:extLst>
+          </p:cNvPr>
+          <p:cNvCxnSpPr>
+            <a:cxnSpLocks/>
+          </p:cNvCxnSpPr>
+          <p:nvPr/>
+        </p:nvCxnSpPr>
+        <p:spPr>
+          <a:xfrm flipV="1">
+            <a:off x="5860794" y="7230627"/>
+            <a:ext cx="0" cy="269999"/>
+          </a:xfrm>
+          <a:prstGeom prst="line">
+            <a:avLst/>
+          </a:prstGeom>
+          <a:ln>
+            <a:solidFill>
+              <a:srgbClr val="FF0000"/>
+            </a:solidFill>
+          </a:ln>
+        </p:spPr>
+        <p:style>
+          <a:lnRef idx="1">
+            <a:schemeClr val="dk1"/>
+          </a:lnRef>
+          <a:fillRef idx="0">
+            <a:schemeClr val="dk1"/>
+          </a:fillRef>
+          <a:effectRef idx="0">
+            <a:schemeClr val="dk1"/>
+          </a:effectRef>
+          <a:fontRef idx="minor">
+            <a:schemeClr val="tx1"/>
+          </a:fontRef>
+        </p:style>
+      </p:cxnSp>
+      <p:cxnSp>
+        <p:nvCxnSpPr>
+          <p:cNvPr id="271" name="直接连接符 270">
+            <a:extLst>
+              <a:ext uri="{FF2B5EF4-FFF2-40B4-BE49-F238E27FC236}">
+                <a16:creationId xmlns:a16="http://schemas.microsoft.com/office/drawing/2014/main" id="{FCE86562-2A64-4E97-A7B1-E1B233C92B56}"/>
+              </a:ext>
+            </a:extLst>
+          </p:cNvPr>
+          <p:cNvCxnSpPr>
+            <a:cxnSpLocks/>
+          </p:cNvCxnSpPr>
+          <p:nvPr/>
+        </p:nvCxnSpPr>
+        <p:spPr>
+          <a:xfrm flipH="1">
+            <a:off x="2530757" y="6870623"/>
+            <a:ext cx="4680052" cy="2"/>
+          </a:xfrm>
+          <a:prstGeom prst="line">
+            <a:avLst/>
+          </a:prstGeom>
+          <a:ln>
+            <a:solidFill>
+              <a:srgbClr val="FF0000"/>
+            </a:solidFill>
+          </a:ln>
+        </p:spPr>
+        <p:style>
+          <a:lnRef idx="1">
+            <a:schemeClr val="dk1"/>
+          </a:lnRef>
+          <a:fillRef idx="0">
+            <a:schemeClr val="dk1"/>
+          </a:fillRef>
+          <a:effectRef idx="0">
+            <a:schemeClr val="dk1"/>
+          </a:effectRef>
+          <a:fontRef idx="minor">
+            <a:schemeClr val="tx1"/>
+          </a:fontRef>
+        </p:style>
+      </p:cxnSp>
+      <p:cxnSp>
+        <p:nvCxnSpPr>
+          <p:cNvPr id="274" name="直接连接符 273">
+            <a:extLst>
+              <a:ext uri="{FF2B5EF4-FFF2-40B4-BE49-F238E27FC236}">
+                <a16:creationId xmlns:a16="http://schemas.microsoft.com/office/drawing/2014/main" id="{DCCEF35E-3EF8-472F-A888-E24DD27F5AEB}"/>
+              </a:ext>
+            </a:extLst>
+          </p:cNvPr>
+          <p:cNvCxnSpPr>
+            <a:cxnSpLocks/>
+          </p:cNvCxnSpPr>
+          <p:nvPr/>
+        </p:nvCxnSpPr>
+        <p:spPr>
+          <a:xfrm flipH="1">
+            <a:off x="2710761" y="6780622"/>
+            <a:ext cx="4680050" cy="0"/>
+          </a:xfrm>
+          <a:prstGeom prst="line">
+            <a:avLst/>
+          </a:prstGeom>
+          <a:ln>
+            <a:solidFill>
+              <a:srgbClr val="FF0000"/>
+            </a:solidFill>
+          </a:ln>
+        </p:spPr>
+        <p:style>
+          <a:lnRef idx="1">
+            <a:schemeClr val="dk1"/>
+          </a:lnRef>
+          <a:fillRef idx="0">
+            <a:schemeClr val="dk1"/>
+          </a:fillRef>
+          <a:effectRef idx="0">
+            <a:schemeClr val="dk1"/>
+          </a:effectRef>
+          <a:fontRef idx="minor">
+            <a:schemeClr val="tx1"/>
+          </a:fontRef>
+        </p:style>
+      </p:cxnSp>
+      <p:cxnSp>
+        <p:nvCxnSpPr>
+          <p:cNvPr id="275" name="直接连接符 274">
+            <a:extLst>
+              <a:ext uri="{FF2B5EF4-FFF2-40B4-BE49-F238E27FC236}">
+                <a16:creationId xmlns:a16="http://schemas.microsoft.com/office/drawing/2014/main" id="{01872A44-1A58-4127-8703-AE60837EE790}"/>
+              </a:ext>
+            </a:extLst>
+          </p:cNvPr>
+          <p:cNvCxnSpPr>
+            <a:cxnSpLocks/>
+          </p:cNvCxnSpPr>
+          <p:nvPr/>
+        </p:nvCxnSpPr>
+        <p:spPr>
+          <a:xfrm flipH="1">
+            <a:off x="2528320" y="2819739"/>
+            <a:ext cx="2438" cy="4050881"/>
+          </a:xfrm>
+          <a:prstGeom prst="line">
+            <a:avLst/>
+          </a:prstGeom>
+          <a:ln>
+            <a:solidFill>
+              <a:srgbClr val="FF0000"/>
+            </a:solidFill>
+          </a:ln>
+        </p:spPr>
+        <p:style>
+          <a:lnRef idx="1">
+            <a:schemeClr val="dk1"/>
+          </a:lnRef>
+          <a:fillRef idx="0">
+            <a:schemeClr val="dk1"/>
+          </a:fillRef>
+          <a:effectRef idx="0">
+            <a:schemeClr val="dk1"/>
+          </a:effectRef>
+          <a:fontRef idx="minor">
+            <a:schemeClr val="tx1"/>
+          </a:fontRef>
+        </p:style>
+      </p:cxnSp>
+      <p:cxnSp>
+        <p:nvCxnSpPr>
+          <p:cNvPr id="279" name="直接连接符 278">
+            <a:extLst>
+              <a:ext uri="{FF2B5EF4-FFF2-40B4-BE49-F238E27FC236}">
+                <a16:creationId xmlns:a16="http://schemas.microsoft.com/office/drawing/2014/main" id="{DF1E9574-B031-4221-A8DD-F8A4336BC4B0}"/>
+              </a:ext>
+            </a:extLst>
+          </p:cNvPr>
+          <p:cNvCxnSpPr>
+            <a:cxnSpLocks/>
+          </p:cNvCxnSpPr>
+          <p:nvPr/>
+        </p:nvCxnSpPr>
+        <p:spPr>
+          <a:xfrm>
+            <a:off x="2080752" y="2818901"/>
+            <a:ext cx="450005" cy="1677"/>
+          </a:xfrm>
+          <a:prstGeom prst="line">
+            <a:avLst/>
+          </a:prstGeom>
+          <a:ln>
+            <a:solidFill>
+              <a:srgbClr val="FF0000"/>
+            </a:solidFill>
+          </a:ln>
+        </p:spPr>
+        <p:style>
+          <a:lnRef idx="1">
+            <a:schemeClr val="dk1"/>
+          </a:lnRef>
+          <a:fillRef idx="0">
+            <a:schemeClr val="dk1"/>
+          </a:fillRef>
+          <a:effectRef idx="0">
+            <a:schemeClr val="dk1"/>
+          </a:effectRef>
+          <a:fontRef idx="minor">
+            <a:schemeClr val="tx1"/>
+          </a:fontRef>
+        </p:style>
+      </p:cxnSp>
+      <p:cxnSp>
+        <p:nvCxnSpPr>
+          <p:cNvPr id="51" name="直接连接符 50">
+            <a:extLst>
+              <a:ext uri="{FF2B5EF4-FFF2-40B4-BE49-F238E27FC236}">
+                <a16:creationId xmlns:a16="http://schemas.microsoft.com/office/drawing/2014/main" id="{D5680B84-5F85-4914-A41F-CB4C598B0B0D}"/>
+              </a:ext>
+            </a:extLst>
+          </p:cNvPr>
+          <p:cNvCxnSpPr>
+            <a:cxnSpLocks/>
+          </p:cNvCxnSpPr>
+          <p:nvPr/>
+        </p:nvCxnSpPr>
+        <p:spPr>
+          <a:xfrm flipV="1">
+            <a:off x="2080752" y="3090581"/>
+            <a:ext cx="630007" cy="2"/>
+          </a:xfrm>
+          <a:prstGeom prst="line">
+            <a:avLst/>
+          </a:prstGeom>
+          <a:ln>
+            <a:solidFill>
+              <a:srgbClr val="FF0000"/>
+            </a:solidFill>
+          </a:ln>
+        </p:spPr>
+        <p:style>
+          <a:lnRef idx="1">
+            <a:schemeClr val="dk1"/>
+          </a:lnRef>
+          <a:fillRef idx="0">
+            <a:schemeClr val="dk1"/>
+          </a:fillRef>
+          <a:effectRef idx="0">
+            <a:schemeClr val="dk1"/>
+          </a:effectRef>
+          <a:fontRef idx="minor">
+            <a:schemeClr val="tx1"/>
+          </a:fontRef>
+        </p:style>
+      </p:cxnSp>
+      <p:cxnSp>
+        <p:nvCxnSpPr>
+          <p:cNvPr id="52" name="直接连接符 51">
+            <a:extLst>
+              <a:ext uri="{FF2B5EF4-FFF2-40B4-BE49-F238E27FC236}">
+                <a16:creationId xmlns:a16="http://schemas.microsoft.com/office/drawing/2014/main" id="{654BFA88-73AE-4CC2-A917-29C4D9D24CF3}"/>
+              </a:ext>
+            </a:extLst>
+          </p:cNvPr>
+          <p:cNvCxnSpPr>
+            <a:cxnSpLocks/>
+          </p:cNvCxnSpPr>
+          <p:nvPr/>
+        </p:nvCxnSpPr>
+        <p:spPr>
+          <a:xfrm flipH="1">
+            <a:off x="2710760" y="3090581"/>
+            <a:ext cx="1274" cy="3690030"/>
+          </a:xfrm>
+          <a:prstGeom prst="line">
+            <a:avLst/>
+          </a:prstGeom>
+          <a:ln>
+            <a:solidFill>
+              <a:srgbClr val="FF0000"/>
+            </a:solidFill>
+          </a:ln>
+        </p:spPr>
+        <p:style>
+          <a:lnRef idx="1">
+            <a:schemeClr val="dk1"/>
+          </a:lnRef>
+          <a:fillRef idx="0">
+            <a:schemeClr val="dk1"/>
+          </a:fillRef>
+          <a:effectRef idx="0">
+            <a:schemeClr val="dk1"/>
+          </a:effectRef>
+          <a:fontRef idx="minor">
+            <a:schemeClr val="tx1"/>
+          </a:fontRef>
+        </p:style>
+      </p:cxnSp>
+      <p:cxnSp>
+        <p:nvCxnSpPr>
+          <p:cNvPr id="62" name="直接连接符 61">
+            <a:extLst>
+              <a:ext uri="{FF2B5EF4-FFF2-40B4-BE49-F238E27FC236}">
+                <a16:creationId xmlns:a16="http://schemas.microsoft.com/office/drawing/2014/main" id="{79E3C38F-4565-411C-A357-2750339B9BBA}"/>
+              </a:ext>
+            </a:extLst>
+          </p:cNvPr>
+          <p:cNvCxnSpPr>
+            <a:cxnSpLocks/>
+          </p:cNvCxnSpPr>
+          <p:nvPr/>
+        </p:nvCxnSpPr>
+        <p:spPr>
+          <a:xfrm flipV="1">
+            <a:off x="2082736" y="4529043"/>
+            <a:ext cx="630007" cy="2"/>
+          </a:xfrm>
+          <a:prstGeom prst="line">
+            <a:avLst/>
+          </a:prstGeom>
+          <a:ln>
+            <a:solidFill>
+              <a:srgbClr val="FF0000"/>
+            </a:solidFill>
+          </a:ln>
+        </p:spPr>
+        <p:style>
+          <a:lnRef idx="1">
+            <a:schemeClr val="dk1"/>
+          </a:lnRef>
+          <a:fillRef idx="0">
+            <a:schemeClr val="dk1"/>
+          </a:fillRef>
+          <a:effectRef idx="0">
+            <a:schemeClr val="dk1"/>
+          </a:effectRef>
+          <a:fontRef idx="minor">
+            <a:schemeClr val="tx1"/>
+          </a:fontRef>
+        </p:style>
+      </p:cxnSp>
+      <p:cxnSp>
+        <p:nvCxnSpPr>
+          <p:cNvPr id="64" name="直接连接符 63">
+            <a:extLst>
+              <a:ext uri="{FF2B5EF4-FFF2-40B4-BE49-F238E27FC236}">
+                <a16:creationId xmlns:a16="http://schemas.microsoft.com/office/drawing/2014/main" id="{F38F01A5-9C9A-4CD5-B542-B12DD7C4112A}"/>
+              </a:ext>
+            </a:extLst>
+          </p:cNvPr>
+          <p:cNvCxnSpPr>
+            <a:cxnSpLocks/>
+          </p:cNvCxnSpPr>
+          <p:nvPr/>
+        </p:nvCxnSpPr>
+        <p:spPr>
+          <a:xfrm>
+            <a:off x="2080751" y="4260594"/>
+            <a:ext cx="450005" cy="1677"/>
+          </a:xfrm>
+          <a:prstGeom prst="line">
+            <a:avLst/>
+          </a:prstGeom>
+          <a:ln>
+            <a:solidFill>
+              <a:srgbClr val="FF0000"/>
+            </a:solidFill>
+          </a:ln>
+        </p:spPr>
+        <p:style>
+          <a:lnRef idx="1">
+            <a:schemeClr val="dk1"/>
+          </a:lnRef>
+          <a:fillRef idx="0">
+            <a:schemeClr val="dk1"/>
+          </a:fillRef>
+          <a:effectRef idx="0">
+            <a:schemeClr val="dk1"/>
+          </a:effectRef>
+          <a:fontRef idx="minor">
+            <a:schemeClr val="tx1"/>
+          </a:fontRef>
+        </p:style>
+      </p:cxnSp>
+      <p:cxnSp>
+        <p:nvCxnSpPr>
+          <p:cNvPr id="65" name="直接连接符 64">
+            <a:extLst>
+              <a:ext uri="{FF2B5EF4-FFF2-40B4-BE49-F238E27FC236}">
+                <a16:creationId xmlns:a16="http://schemas.microsoft.com/office/drawing/2014/main" id="{86698273-076C-4578-B45B-54D6C92026A1}"/>
+              </a:ext>
+            </a:extLst>
+          </p:cNvPr>
+          <p:cNvCxnSpPr>
+            <a:cxnSpLocks/>
+          </p:cNvCxnSpPr>
+          <p:nvPr/>
+        </p:nvCxnSpPr>
+        <p:spPr>
+          <a:xfrm>
+            <a:off x="2082736" y="5700609"/>
+            <a:ext cx="445584" cy="1"/>
+          </a:xfrm>
+          <a:prstGeom prst="line">
+            <a:avLst/>
+          </a:prstGeom>
+          <a:ln>
+            <a:solidFill>
+              <a:srgbClr val="FF0000"/>
+            </a:solidFill>
+          </a:ln>
+        </p:spPr>
+        <p:style>
+          <a:lnRef idx="1">
+            <a:schemeClr val="dk1"/>
+          </a:lnRef>
+          <a:fillRef idx="0">
+            <a:schemeClr val="dk1"/>
+          </a:fillRef>
+          <a:effectRef idx="0">
+            <a:schemeClr val="dk1"/>
+          </a:effectRef>
+          <a:fontRef idx="minor">
+            <a:schemeClr val="tx1"/>
+          </a:fontRef>
+        </p:style>
+      </p:cxnSp>
+      <p:cxnSp>
+        <p:nvCxnSpPr>
+          <p:cNvPr id="68" name="直接连接符 67">
+            <a:extLst>
+              <a:ext uri="{FF2B5EF4-FFF2-40B4-BE49-F238E27FC236}">
+                <a16:creationId xmlns:a16="http://schemas.microsoft.com/office/drawing/2014/main" id="{7AEE6ED1-05A0-46C3-90DA-56529285D2D5}"/>
+              </a:ext>
+            </a:extLst>
+          </p:cNvPr>
+          <p:cNvCxnSpPr>
+            <a:cxnSpLocks/>
+          </p:cNvCxnSpPr>
+          <p:nvPr/>
+        </p:nvCxnSpPr>
+        <p:spPr>
+          <a:xfrm>
+            <a:off x="2082736" y="5970612"/>
+            <a:ext cx="628023" cy="0"/>
+          </a:xfrm>
+          <a:prstGeom prst="line">
+            <a:avLst/>
+          </a:prstGeom>
+          <a:ln>
+            <a:solidFill>
+              <a:srgbClr val="FF0000"/>
+            </a:solidFill>
+          </a:ln>
+        </p:spPr>
+        <p:style>
+          <a:lnRef idx="1">
+            <a:schemeClr val="dk1"/>
+          </a:lnRef>
+          <a:fillRef idx="0">
+            <a:schemeClr val="dk1"/>
+          </a:fillRef>
+          <a:effectRef idx="0">
+            <a:schemeClr val="dk1"/>
+          </a:effectRef>
+          <a:fontRef idx="minor">
+            <a:schemeClr val="tx1"/>
+          </a:fontRef>
+        </p:style>
+      </p:cxnSp>
+      <p:cxnSp>
+        <p:nvCxnSpPr>
+          <p:cNvPr id="71" name="直接连接符 70">
+            <a:extLst>
+              <a:ext uri="{FF2B5EF4-FFF2-40B4-BE49-F238E27FC236}">
+                <a16:creationId xmlns:a16="http://schemas.microsoft.com/office/drawing/2014/main" id="{41B4B3A4-5E90-4545-A846-69437CE2D2C9}"/>
+              </a:ext>
+            </a:extLst>
+          </p:cNvPr>
+          <p:cNvCxnSpPr>
+            <a:cxnSpLocks/>
+          </p:cNvCxnSpPr>
+          <p:nvPr/>
+        </p:nvCxnSpPr>
+        <p:spPr>
+          <a:xfrm>
+            <a:off x="2082736" y="6060614"/>
+            <a:ext cx="898026" cy="0"/>
+          </a:xfrm>
+          <a:prstGeom prst="line">
+            <a:avLst/>
+          </a:prstGeom>
+        </p:spPr>
+        <p:style>
+          <a:lnRef idx="1">
+            <a:schemeClr val="dk1"/>
+          </a:lnRef>
+          <a:fillRef idx="0">
+            <a:schemeClr val="dk1"/>
+          </a:fillRef>
+          <a:effectRef idx="0">
+            <a:schemeClr val="dk1"/>
+          </a:effectRef>
+          <a:fontRef idx="minor">
+            <a:schemeClr val="tx1"/>
+          </a:fontRef>
+        </p:style>
+      </p:cxnSp>
+      <p:cxnSp>
+        <p:nvCxnSpPr>
+          <p:cNvPr id="76" name="直接连接符 75">
+            <a:extLst>
+              <a:ext uri="{FF2B5EF4-FFF2-40B4-BE49-F238E27FC236}">
+                <a16:creationId xmlns:a16="http://schemas.microsoft.com/office/drawing/2014/main" id="{87E38622-0F32-4314-9030-AE93659AA807}"/>
+              </a:ext>
+            </a:extLst>
+          </p:cNvPr>
+          <p:cNvCxnSpPr>
+            <a:cxnSpLocks/>
+          </p:cNvCxnSpPr>
+          <p:nvPr/>
+        </p:nvCxnSpPr>
+        <p:spPr>
+          <a:xfrm flipV="1">
+            <a:off x="2980762" y="5790611"/>
+            <a:ext cx="0" cy="270004"/>
+          </a:xfrm>
+          <a:prstGeom prst="line">
+            <a:avLst/>
+          </a:prstGeom>
+        </p:spPr>
+        <p:style>
+          <a:lnRef idx="1">
+            <a:schemeClr val="dk1"/>
+          </a:lnRef>
+          <a:fillRef idx="0">
+            <a:schemeClr val="dk1"/>
+          </a:fillRef>
+          <a:effectRef idx="0">
+            <a:schemeClr val="dk1"/>
+          </a:effectRef>
+          <a:fontRef idx="minor">
+            <a:schemeClr val="tx1"/>
+          </a:fontRef>
+        </p:style>
+      </p:cxnSp>
+      <p:cxnSp>
+        <p:nvCxnSpPr>
+          <p:cNvPr id="81" name="直接连接符 80">
+            <a:extLst>
+              <a:ext uri="{FF2B5EF4-FFF2-40B4-BE49-F238E27FC236}">
+                <a16:creationId xmlns:a16="http://schemas.microsoft.com/office/drawing/2014/main" id="{E45809FE-F452-47DF-9292-B34F0B1C27CC}"/>
+              </a:ext>
+            </a:extLst>
+          </p:cNvPr>
+          <p:cNvCxnSpPr>
+            <a:cxnSpLocks/>
+          </p:cNvCxnSpPr>
+          <p:nvPr/>
+        </p:nvCxnSpPr>
+        <p:spPr>
+          <a:xfrm>
+            <a:off x="2082736" y="5610609"/>
+            <a:ext cx="718024" cy="1"/>
+          </a:xfrm>
+          <a:prstGeom prst="line">
+            <a:avLst/>
+          </a:prstGeom>
+        </p:spPr>
+        <p:style>
+          <a:lnRef idx="1">
+            <a:schemeClr val="dk1"/>
+          </a:lnRef>
+          <a:fillRef idx="0">
+            <a:schemeClr val="dk1"/>
+          </a:fillRef>
+          <a:effectRef idx="0">
+            <a:schemeClr val="dk1"/>
+          </a:effectRef>
+          <a:fontRef idx="minor">
+            <a:schemeClr val="tx1"/>
+          </a:fontRef>
+        </p:style>
+      </p:cxnSp>
+      <p:cxnSp>
+        <p:nvCxnSpPr>
+          <p:cNvPr id="84" name="直接连接符 83">
+            <a:extLst>
+              <a:ext uri="{FF2B5EF4-FFF2-40B4-BE49-F238E27FC236}">
+                <a16:creationId xmlns:a16="http://schemas.microsoft.com/office/drawing/2014/main" id="{C27F16C7-E53C-479D-AA58-A6FE5BFBED69}"/>
+              </a:ext>
+            </a:extLst>
+          </p:cNvPr>
+          <p:cNvCxnSpPr>
+            <a:cxnSpLocks/>
+          </p:cNvCxnSpPr>
+          <p:nvPr/>
+        </p:nvCxnSpPr>
+        <p:spPr>
+          <a:xfrm flipV="1">
+            <a:off x="2800760" y="5610609"/>
+            <a:ext cx="0" cy="270004"/>
+          </a:xfrm>
+          <a:prstGeom prst="line">
+            <a:avLst/>
+          </a:prstGeom>
+        </p:spPr>
+        <p:style>
+          <a:lnRef idx="1">
+            <a:schemeClr val="dk1"/>
+          </a:lnRef>
+          <a:fillRef idx="0">
+            <a:schemeClr val="dk1"/>
+          </a:fillRef>
+          <a:effectRef idx="0">
+            <a:schemeClr val="dk1"/>
+          </a:effectRef>
+          <a:fontRef idx="minor">
+            <a:schemeClr val="tx1"/>
+          </a:fontRef>
+        </p:style>
+      </p:cxnSp>
+      <p:cxnSp>
+        <p:nvCxnSpPr>
+          <p:cNvPr id="86" name="直接连接符 85">
+            <a:extLst>
+              <a:ext uri="{FF2B5EF4-FFF2-40B4-BE49-F238E27FC236}">
+                <a16:creationId xmlns:a16="http://schemas.microsoft.com/office/drawing/2014/main" id="{219D5441-F0EE-48C9-93E4-F4B95D0DD60F}"/>
+              </a:ext>
+            </a:extLst>
+          </p:cNvPr>
+          <p:cNvCxnSpPr>
+            <a:cxnSpLocks/>
+          </p:cNvCxnSpPr>
+          <p:nvPr/>
+        </p:nvCxnSpPr>
+        <p:spPr>
+          <a:xfrm>
+            <a:off x="2800760" y="5880613"/>
+            <a:ext cx="360004" cy="0"/>
+          </a:xfrm>
+          <a:prstGeom prst="line">
+            <a:avLst/>
+          </a:prstGeom>
+        </p:spPr>
+        <p:style>
+          <a:lnRef idx="1">
+            <a:schemeClr val="dk1"/>
+          </a:lnRef>
+          <a:fillRef idx="0">
+            <a:schemeClr val="dk1"/>
+          </a:fillRef>
+          <a:effectRef idx="0">
+            <a:schemeClr val="dk1"/>
+          </a:effectRef>
+          <a:fontRef idx="minor">
+            <a:schemeClr val="tx1"/>
+          </a:fontRef>
+        </p:style>
+      </p:cxnSp>
+      <p:cxnSp>
+        <p:nvCxnSpPr>
+          <p:cNvPr id="89" name="直接连接符 88">
+            <a:extLst>
+              <a:ext uri="{FF2B5EF4-FFF2-40B4-BE49-F238E27FC236}">
+                <a16:creationId xmlns:a16="http://schemas.microsoft.com/office/drawing/2014/main" id="{94D416E3-A8E0-4851-9460-0885854EC76F}"/>
+              </a:ext>
+            </a:extLst>
+          </p:cNvPr>
+          <p:cNvCxnSpPr>
+            <a:cxnSpLocks/>
+          </p:cNvCxnSpPr>
+          <p:nvPr/>
+        </p:nvCxnSpPr>
+        <p:spPr>
+          <a:xfrm flipH="1" flipV="1">
+            <a:off x="3158805" y="5790605"/>
+            <a:ext cx="1959" cy="90007"/>
+          </a:xfrm>
+          <a:prstGeom prst="line">
+            <a:avLst/>
+          </a:prstGeom>
+        </p:spPr>
+        <p:style>
+          <a:lnRef idx="1">
+            <a:schemeClr val="dk1"/>
+          </a:lnRef>
+          <a:fillRef idx="0">
+            <a:schemeClr val="dk1"/>
+          </a:fillRef>
+          <a:effectRef idx="0">
+            <a:schemeClr val="dk1"/>
+          </a:effectRef>
+          <a:fontRef idx="minor">
+            <a:schemeClr val="tx1"/>
+          </a:fontRef>
+        </p:style>
+      </p:cxnSp>
+      <p:cxnSp>
+        <p:nvCxnSpPr>
+          <p:cNvPr id="66" name="直接连接符 65">
+            <a:extLst>
+              <a:ext uri="{FF2B5EF4-FFF2-40B4-BE49-F238E27FC236}">
+                <a16:creationId xmlns:a16="http://schemas.microsoft.com/office/drawing/2014/main" id="{A213476E-E01A-499D-9B29-DED82285F2E1}"/>
+              </a:ext>
+            </a:extLst>
+          </p:cNvPr>
+          <p:cNvCxnSpPr>
+            <a:cxnSpLocks/>
+          </p:cNvCxnSpPr>
+          <p:nvPr/>
+        </p:nvCxnSpPr>
+        <p:spPr>
+          <a:xfrm>
+            <a:off x="2080752" y="2910579"/>
+            <a:ext cx="4139998" cy="0"/>
+          </a:xfrm>
+          <a:prstGeom prst="line">
+            <a:avLst/>
+          </a:prstGeom>
+          <a:ln>
+            <a:solidFill>
+              <a:srgbClr val="00B0F0"/>
+            </a:solidFill>
+          </a:ln>
+        </p:spPr>
+        <p:style>
+          <a:lnRef idx="1">
+            <a:schemeClr val="dk1"/>
+          </a:lnRef>
+          <a:fillRef idx="0">
+            <a:schemeClr val="dk1"/>
+          </a:fillRef>
+          <a:effectRef idx="0">
+            <a:schemeClr val="dk1"/>
+          </a:effectRef>
+          <a:fontRef idx="minor">
+            <a:schemeClr val="tx1"/>
+          </a:fontRef>
+        </p:style>
+      </p:cxnSp>
+      <p:cxnSp>
+        <p:nvCxnSpPr>
+          <p:cNvPr id="69" name="直接连接符 68">
+            <a:extLst>
+              <a:ext uri="{FF2B5EF4-FFF2-40B4-BE49-F238E27FC236}">
+                <a16:creationId xmlns:a16="http://schemas.microsoft.com/office/drawing/2014/main" id="{238624B8-7457-4448-9CB0-628450C97524}"/>
+              </a:ext>
+            </a:extLst>
+          </p:cNvPr>
+          <p:cNvCxnSpPr>
+            <a:cxnSpLocks/>
+          </p:cNvCxnSpPr>
+          <p:nvPr/>
+        </p:nvCxnSpPr>
+        <p:spPr>
+          <a:xfrm flipV="1">
+            <a:off x="6220750" y="2910567"/>
+            <a:ext cx="0" cy="1259226"/>
+          </a:xfrm>
+          <a:prstGeom prst="line">
+            <a:avLst/>
+          </a:prstGeom>
+          <a:ln>
+            <a:solidFill>
+              <a:srgbClr val="00B0F0"/>
+            </a:solidFill>
+          </a:ln>
+        </p:spPr>
+        <p:style>
+          <a:lnRef idx="1">
+            <a:schemeClr val="dk1"/>
+          </a:lnRef>
+          <a:fillRef idx="0">
+            <a:schemeClr val="dk1"/>
+          </a:fillRef>
+          <a:effectRef idx="0">
+            <a:schemeClr val="dk1"/>
+          </a:effectRef>
+          <a:fontRef idx="minor">
+            <a:schemeClr val="tx1"/>
+          </a:fontRef>
+        </p:style>
+      </p:cxnSp>
+      <p:cxnSp>
+        <p:nvCxnSpPr>
+          <p:cNvPr id="70" name="直接连接符 69">
+            <a:extLst>
+              <a:ext uri="{FF2B5EF4-FFF2-40B4-BE49-F238E27FC236}">
+                <a16:creationId xmlns:a16="http://schemas.microsoft.com/office/drawing/2014/main" id="{18DC636F-3913-4719-AD59-287C7AC6BB57}"/>
+              </a:ext>
+            </a:extLst>
+          </p:cNvPr>
+          <p:cNvCxnSpPr>
+            <a:cxnSpLocks/>
+          </p:cNvCxnSpPr>
+          <p:nvPr/>
+        </p:nvCxnSpPr>
+        <p:spPr>
+          <a:xfrm flipH="1" flipV="1">
+            <a:off x="6220750" y="4169793"/>
+            <a:ext cx="180003" cy="1553"/>
+          </a:xfrm>
+          <a:prstGeom prst="line">
+            <a:avLst/>
+          </a:prstGeom>
+          <a:ln>
+            <a:solidFill>
+              <a:srgbClr val="00B0F0"/>
+            </a:solidFill>
+          </a:ln>
+        </p:spPr>
+        <p:style>
+          <a:lnRef idx="1">
+            <a:schemeClr val="dk1"/>
+          </a:lnRef>
+          <a:fillRef idx="0">
+            <a:schemeClr val="dk1"/>
+          </a:fillRef>
+          <a:effectRef idx="0">
+            <a:schemeClr val="dk1"/>
+          </a:effectRef>
+          <a:fontRef idx="minor">
+            <a:schemeClr val="tx1"/>
+          </a:fontRef>
+        </p:style>
+      </p:cxnSp>
+      <p:cxnSp>
+        <p:nvCxnSpPr>
+          <p:cNvPr id="79" name="直接连接符 78">
+            <a:extLst>
+              <a:ext uri="{FF2B5EF4-FFF2-40B4-BE49-F238E27FC236}">
+                <a16:creationId xmlns:a16="http://schemas.microsoft.com/office/drawing/2014/main" id="{6E1A3097-776E-448F-8EE8-FA280B89DB61}"/>
+              </a:ext>
+            </a:extLst>
+          </p:cNvPr>
+          <p:cNvCxnSpPr>
+            <a:cxnSpLocks/>
+          </p:cNvCxnSpPr>
+          <p:nvPr/>
+        </p:nvCxnSpPr>
+        <p:spPr>
+          <a:xfrm>
+            <a:off x="2082736" y="3000580"/>
+            <a:ext cx="4048061" cy="0"/>
+          </a:xfrm>
+          <a:prstGeom prst="line">
+            <a:avLst/>
+          </a:prstGeom>
+          <a:ln>
+            <a:solidFill>
+              <a:srgbClr val="00B0F0"/>
+            </a:solidFill>
+          </a:ln>
+        </p:spPr>
+        <p:style>
+          <a:lnRef idx="1">
+            <a:schemeClr val="dk1"/>
+          </a:lnRef>
+          <a:fillRef idx="0">
+            <a:schemeClr val="dk1"/>
+          </a:fillRef>
+          <a:effectRef idx="0">
+            <a:schemeClr val="dk1"/>
+          </a:effectRef>
+          <a:fontRef idx="minor">
+            <a:schemeClr val="tx1"/>
+          </a:fontRef>
+        </p:style>
+      </p:cxnSp>
+      <p:cxnSp>
+        <p:nvCxnSpPr>
+          <p:cNvPr id="85" name="直接连接符 84">
+            <a:extLst>
+              <a:ext uri="{FF2B5EF4-FFF2-40B4-BE49-F238E27FC236}">
+                <a16:creationId xmlns:a16="http://schemas.microsoft.com/office/drawing/2014/main" id="{9C6A8B5A-6E1F-4B6C-A116-8C794AF8D8BA}"/>
+              </a:ext>
+            </a:extLst>
+          </p:cNvPr>
+          <p:cNvCxnSpPr>
+            <a:cxnSpLocks/>
+          </p:cNvCxnSpPr>
+          <p:nvPr/>
+        </p:nvCxnSpPr>
+        <p:spPr>
+          <a:xfrm flipV="1">
+            <a:off x="6130798" y="3000581"/>
+            <a:ext cx="0" cy="1259993"/>
+          </a:xfrm>
+          <a:prstGeom prst="line">
+            <a:avLst/>
+          </a:prstGeom>
+          <a:ln>
+            <a:solidFill>
+              <a:srgbClr val="00B0F0"/>
+            </a:solidFill>
+          </a:ln>
+        </p:spPr>
+        <p:style>
+          <a:lnRef idx="1">
+            <a:schemeClr val="dk1"/>
+          </a:lnRef>
+          <a:fillRef idx="0">
+            <a:schemeClr val="dk1"/>
+          </a:fillRef>
+          <a:effectRef idx="0">
+            <a:schemeClr val="dk1"/>
+          </a:effectRef>
+          <a:fontRef idx="minor">
+            <a:schemeClr val="tx1"/>
+          </a:fontRef>
+        </p:style>
+      </p:cxnSp>
+      <p:cxnSp>
+        <p:nvCxnSpPr>
+          <p:cNvPr id="87" name="直接连接符 86">
+            <a:extLst>
+              <a:ext uri="{FF2B5EF4-FFF2-40B4-BE49-F238E27FC236}">
+                <a16:creationId xmlns:a16="http://schemas.microsoft.com/office/drawing/2014/main" id="{B41BDDBE-2610-451E-9D13-B9D3E700AA8E}"/>
+              </a:ext>
+            </a:extLst>
+          </p:cNvPr>
+          <p:cNvCxnSpPr>
+            <a:cxnSpLocks/>
+          </p:cNvCxnSpPr>
+          <p:nvPr/>
+        </p:nvCxnSpPr>
+        <p:spPr>
+          <a:xfrm flipH="1">
+            <a:off x="6130726" y="4260578"/>
+            <a:ext cx="270073" cy="1"/>
+          </a:xfrm>
+          <a:prstGeom prst="line">
+            <a:avLst/>
+          </a:prstGeom>
+          <a:ln>
+            <a:solidFill>
+              <a:srgbClr val="00B0F0"/>
+            </a:solidFill>
+          </a:ln>
+        </p:spPr>
+        <p:style>
+          <a:lnRef idx="1">
+            <a:schemeClr val="dk1"/>
+          </a:lnRef>
+          <a:fillRef idx="0">
+            <a:schemeClr val="dk1"/>
+          </a:fillRef>
+          <a:effectRef idx="0">
+            <a:schemeClr val="dk1"/>
+          </a:effectRef>
+          <a:fontRef idx="minor">
+            <a:schemeClr val="tx1"/>
+          </a:fontRef>
+        </p:style>
+      </p:cxnSp>
+      <p:cxnSp>
+        <p:nvCxnSpPr>
+          <p:cNvPr id="96" name="直接连接符 95">
+            <a:extLst>
+              <a:ext uri="{FF2B5EF4-FFF2-40B4-BE49-F238E27FC236}">
+                <a16:creationId xmlns:a16="http://schemas.microsoft.com/office/drawing/2014/main" id="{9B7F50DE-B376-48D2-A21E-933396C404C6}"/>
+              </a:ext>
+            </a:extLst>
+          </p:cNvPr>
+          <p:cNvCxnSpPr>
+            <a:cxnSpLocks/>
+          </p:cNvCxnSpPr>
+          <p:nvPr/>
+        </p:nvCxnSpPr>
+        <p:spPr>
+          <a:xfrm>
+            <a:off x="2080752" y="4350595"/>
+            <a:ext cx="4320047" cy="0"/>
+          </a:xfrm>
+          <a:prstGeom prst="line">
+            <a:avLst/>
+          </a:prstGeom>
+          <a:ln>
+            <a:solidFill>
+              <a:srgbClr val="00B0F0"/>
+            </a:solidFill>
+          </a:ln>
+        </p:spPr>
+        <p:style>
+          <a:lnRef idx="1">
+            <a:schemeClr val="dk1"/>
+          </a:lnRef>
+          <a:fillRef idx="0">
+            <a:schemeClr val="dk1"/>
+          </a:fillRef>
+          <a:effectRef idx="0">
+            <a:schemeClr val="dk1"/>
+          </a:effectRef>
+          <a:fontRef idx="minor">
+            <a:schemeClr val="tx1"/>
+          </a:fontRef>
+        </p:style>
+      </p:cxnSp>
+      <p:cxnSp>
+        <p:nvCxnSpPr>
+          <p:cNvPr id="98" name="直接连接符 97">
+            <a:extLst>
+              <a:ext uri="{FF2B5EF4-FFF2-40B4-BE49-F238E27FC236}">
+                <a16:creationId xmlns:a16="http://schemas.microsoft.com/office/drawing/2014/main" id="{C4D9F690-7B2F-45E2-9E03-0324944AA552}"/>
+              </a:ext>
+            </a:extLst>
+          </p:cNvPr>
+          <p:cNvCxnSpPr>
+            <a:cxnSpLocks/>
+          </p:cNvCxnSpPr>
+          <p:nvPr/>
+        </p:nvCxnSpPr>
+        <p:spPr>
+          <a:xfrm>
+            <a:off x="2082736" y="4440596"/>
+            <a:ext cx="4318064" cy="0"/>
+          </a:xfrm>
+          <a:prstGeom prst="line">
+            <a:avLst/>
+          </a:prstGeom>
+          <a:ln>
+            <a:solidFill>
+              <a:srgbClr val="00B0F0"/>
+            </a:solidFill>
+          </a:ln>
+        </p:spPr>
+        <p:style>
+          <a:lnRef idx="1">
+            <a:schemeClr val="dk1"/>
+          </a:lnRef>
+          <a:fillRef idx="0">
+            <a:schemeClr val="dk1"/>
+          </a:fillRef>
+          <a:effectRef idx="0">
+            <a:schemeClr val="dk1"/>
+          </a:effectRef>
+          <a:fontRef idx="minor">
+            <a:schemeClr val="tx1"/>
+          </a:fontRef>
+        </p:style>
+      </p:cxnSp>
+      <p:cxnSp>
+        <p:nvCxnSpPr>
+          <p:cNvPr id="100" name="直接连接符 99">
+            <a:extLst>
+              <a:ext uri="{FF2B5EF4-FFF2-40B4-BE49-F238E27FC236}">
+                <a16:creationId xmlns:a16="http://schemas.microsoft.com/office/drawing/2014/main" id="{7CC014E1-B006-433B-8DD2-66C96E26A654}"/>
+              </a:ext>
+            </a:extLst>
+          </p:cNvPr>
+          <p:cNvCxnSpPr>
+            <a:cxnSpLocks/>
+          </p:cNvCxnSpPr>
+          <p:nvPr/>
+        </p:nvCxnSpPr>
+        <p:spPr>
+          <a:xfrm>
+            <a:off x="4060774" y="5340606"/>
+            <a:ext cx="1080012" cy="0"/>
+          </a:xfrm>
+          <a:prstGeom prst="line">
+            <a:avLst/>
+          </a:prstGeom>
+        </p:spPr>
+        <p:style>
+          <a:lnRef idx="1">
+            <a:schemeClr val="dk1"/>
+          </a:lnRef>
+          <a:fillRef idx="0">
+            <a:schemeClr val="dk1"/>
+          </a:fillRef>
+          <a:effectRef idx="0">
+            <a:schemeClr val="dk1"/>
+          </a:effectRef>
+          <a:fontRef idx="minor">
+            <a:schemeClr val="tx1"/>
+          </a:fontRef>
+        </p:style>
+      </p:cxnSp>
+      <p:cxnSp>
+        <p:nvCxnSpPr>
+          <p:cNvPr id="101" name="直接连接符 100">
+            <a:extLst>
+              <a:ext uri="{FF2B5EF4-FFF2-40B4-BE49-F238E27FC236}">
+                <a16:creationId xmlns:a16="http://schemas.microsoft.com/office/drawing/2014/main" id="{8D3C86AC-B8B2-4356-A929-747AC45E6148}"/>
+              </a:ext>
+            </a:extLst>
+          </p:cNvPr>
+          <p:cNvCxnSpPr>
+            <a:cxnSpLocks/>
+          </p:cNvCxnSpPr>
+          <p:nvPr/>
+        </p:nvCxnSpPr>
+        <p:spPr>
+          <a:xfrm>
+            <a:off x="4060774" y="5430607"/>
+            <a:ext cx="1170013" cy="0"/>
+          </a:xfrm>
+          <a:prstGeom prst="line">
+            <a:avLst/>
+          </a:prstGeom>
+        </p:spPr>
+        <p:style>
+          <a:lnRef idx="1">
+            <a:schemeClr val="dk1"/>
+          </a:lnRef>
+          <a:fillRef idx="0">
+            <a:schemeClr val="dk1"/>
+          </a:fillRef>
+          <a:effectRef idx="0">
+            <a:schemeClr val="dk1"/>
+          </a:effectRef>
+          <a:fontRef idx="minor">
+            <a:schemeClr val="tx1"/>
+          </a:fontRef>
+        </p:style>
+      </p:cxnSp>
+      <p:cxnSp>
+        <p:nvCxnSpPr>
+          <p:cNvPr id="102" name="直接连接符 101">
+            <a:extLst>
+              <a:ext uri="{FF2B5EF4-FFF2-40B4-BE49-F238E27FC236}">
+                <a16:creationId xmlns:a16="http://schemas.microsoft.com/office/drawing/2014/main" id="{8CCB5B7D-124D-4FC8-A3A4-C478F2ADA548}"/>
+              </a:ext>
+            </a:extLst>
+          </p:cNvPr>
+          <p:cNvCxnSpPr>
+            <a:cxnSpLocks/>
+          </p:cNvCxnSpPr>
+          <p:nvPr/>
+        </p:nvCxnSpPr>
+        <p:spPr>
+          <a:xfrm>
+            <a:off x="4060727" y="5520608"/>
+            <a:ext cx="1260061" cy="0"/>
+          </a:xfrm>
+          <a:prstGeom prst="line">
+            <a:avLst/>
+          </a:prstGeom>
+        </p:spPr>
+        <p:style>
+          <a:lnRef idx="1">
+            <a:schemeClr val="dk1"/>
+          </a:lnRef>
+          <a:fillRef idx="0">
+            <a:schemeClr val="dk1"/>
+          </a:fillRef>
+          <a:effectRef idx="0">
+            <a:schemeClr val="dk1"/>
+          </a:effectRef>
+          <a:fontRef idx="minor">
+            <a:schemeClr val="tx1"/>
+          </a:fontRef>
+        </p:style>
+      </p:cxnSp>
+      <p:cxnSp>
+        <p:nvCxnSpPr>
+          <p:cNvPr id="106" name="直接连接符 105">
+            <a:extLst>
+              <a:ext uri="{FF2B5EF4-FFF2-40B4-BE49-F238E27FC236}">
+                <a16:creationId xmlns:a16="http://schemas.microsoft.com/office/drawing/2014/main" id="{F7209044-D884-4360-B043-013DD7C7F327}"/>
+              </a:ext>
+            </a:extLst>
+          </p:cNvPr>
+          <p:cNvCxnSpPr>
+            <a:cxnSpLocks/>
+          </p:cNvCxnSpPr>
+          <p:nvPr/>
+        </p:nvCxnSpPr>
+        <p:spPr>
+          <a:xfrm>
+            <a:off x="5320788" y="4080592"/>
+            <a:ext cx="1075525" cy="0"/>
+          </a:xfrm>
+          <a:prstGeom prst="line">
+            <a:avLst/>
+          </a:prstGeom>
+        </p:spPr>
+        <p:style>
+          <a:lnRef idx="1">
+            <a:schemeClr val="dk1"/>
+          </a:lnRef>
+          <a:fillRef idx="0">
+            <a:schemeClr val="dk1"/>
+          </a:fillRef>
+          <a:effectRef idx="0">
+            <a:schemeClr val="dk1"/>
+          </a:effectRef>
+          <a:fontRef idx="minor">
+            <a:schemeClr val="tx1"/>
+          </a:fontRef>
+        </p:style>
+      </p:cxnSp>
+      <p:cxnSp>
+        <p:nvCxnSpPr>
+          <p:cNvPr id="119" name="直接连接符 118">
+            <a:extLst>
+              <a:ext uri="{FF2B5EF4-FFF2-40B4-BE49-F238E27FC236}">
+                <a16:creationId xmlns:a16="http://schemas.microsoft.com/office/drawing/2014/main" id="{489B54FB-342D-43AE-B924-9D30F11DA25B}"/>
+              </a:ext>
+            </a:extLst>
+          </p:cNvPr>
+          <p:cNvCxnSpPr>
+            <a:cxnSpLocks/>
+          </p:cNvCxnSpPr>
+          <p:nvPr/>
+        </p:nvCxnSpPr>
+        <p:spPr>
+          <a:xfrm>
+            <a:off x="5231157" y="3990591"/>
+            <a:ext cx="1170013" cy="0"/>
+          </a:xfrm>
+          <a:prstGeom prst="line">
+            <a:avLst/>
+          </a:prstGeom>
+        </p:spPr>
+        <p:style>
+          <a:lnRef idx="1">
+            <a:schemeClr val="dk1"/>
+          </a:lnRef>
+          <a:fillRef idx="0">
+            <a:schemeClr val="dk1"/>
+          </a:fillRef>
+          <a:effectRef idx="0">
+            <a:schemeClr val="dk1"/>
+          </a:effectRef>
+          <a:fontRef idx="minor">
+            <a:schemeClr val="tx1"/>
+          </a:fontRef>
+        </p:style>
+      </p:cxnSp>
+      <p:cxnSp>
+        <p:nvCxnSpPr>
+          <p:cNvPr id="120" name="直接连接符 119">
+            <a:extLst>
+              <a:ext uri="{FF2B5EF4-FFF2-40B4-BE49-F238E27FC236}">
+                <a16:creationId xmlns:a16="http://schemas.microsoft.com/office/drawing/2014/main" id="{ED7EA00A-84FF-46AD-9828-DD9A6158DB8A}"/>
+              </a:ext>
+            </a:extLst>
+          </p:cNvPr>
+          <p:cNvCxnSpPr>
+            <a:cxnSpLocks/>
+          </p:cNvCxnSpPr>
+          <p:nvPr/>
+        </p:nvCxnSpPr>
+        <p:spPr>
+          <a:xfrm>
+            <a:off x="5140786" y="3900590"/>
+            <a:ext cx="1260061" cy="0"/>
+          </a:xfrm>
+          <a:prstGeom prst="line">
+            <a:avLst/>
+          </a:prstGeom>
+        </p:spPr>
+        <p:style>
+          <a:lnRef idx="1">
+            <a:schemeClr val="dk1"/>
+          </a:lnRef>
+          <a:fillRef idx="0">
+            <a:schemeClr val="dk1"/>
+          </a:fillRef>
+          <a:effectRef idx="0">
+            <a:schemeClr val="dk1"/>
+          </a:effectRef>
+          <a:fontRef idx="minor">
+            <a:schemeClr val="tx1"/>
+          </a:fontRef>
+        </p:style>
+      </p:cxnSp>
+      <p:cxnSp>
+        <p:nvCxnSpPr>
+          <p:cNvPr id="121" name="直接连接符 120">
+            <a:extLst>
+              <a:ext uri="{FF2B5EF4-FFF2-40B4-BE49-F238E27FC236}">
+                <a16:creationId xmlns:a16="http://schemas.microsoft.com/office/drawing/2014/main" id="{8470257A-99D4-4F7B-9676-6A307EFB1D4F}"/>
+              </a:ext>
+            </a:extLst>
+          </p:cNvPr>
+          <p:cNvCxnSpPr>
+            <a:cxnSpLocks/>
+          </p:cNvCxnSpPr>
+          <p:nvPr/>
+        </p:nvCxnSpPr>
+        <p:spPr>
+          <a:xfrm>
+            <a:off x="5320788" y="4080592"/>
+            <a:ext cx="0" cy="1440016"/>
+          </a:xfrm>
+          <a:prstGeom prst="line">
+            <a:avLst/>
+          </a:prstGeom>
+        </p:spPr>
+        <p:style>
+          <a:lnRef idx="1">
+            <a:schemeClr val="dk1"/>
+          </a:lnRef>
+          <a:fillRef idx="0">
+            <a:schemeClr val="dk1"/>
+          </a:fillRef>
+          <a:effectRef idx="0">
+            <a:schemeClr val="dk1"/>
+          </a:effectRef>
+          <a:fontRef idx="minor">
+            <a:schemeClr val="tx1"/>
+          </a:fontRef>
+        </p:style>
+      </p:cxnSp>
+      <p:cxnSp>
+        <p:nvCxnSpPr>
+          <p:cNvPr id="125" name="直接连接符 124">
+            <a:extLst>
+              <a:ext uri="{FF2B5EF4-FFF2-40B4-BE49-F238E27FC236}">
+                <a16:creationId xmlns:a16="http://schemas.microsoft.com/office/drawing/2014/main" id="{143C3DFB-C5AB-4855-8EF6-35C91FA08FE6}"/>
+              </a:ext>
+            </a:extLst>
+          </p:cNvPr>
+          <p:cNvCxnSpPr>
+            <a:cxnSpLocks/>
+          </p:cNvCxnSpPr>
+          <p:nvPr/>
+        </p:nvCxnSpPr>
+        <p:spPr>
+          <a:xfrm>
+            <a:off x="5230787" y="3990591"/>
+            <a:ext cx="0" cy="1440016"/>
+          </a:xfrm>
+          <a:prstGeom prst="line">
+            <a:avLst/>
+          </a:prstGeom>
+        </p:spPr>
+        <p:style>
+          <a:lnRef idx="1">
+            <a:schemeClr val="dk1"/>
+          </a:lnRef>
+          <a:fillRef idx="0">
+            <a:schemeClr val="dk1"/>
+          </a:fillRef>
+          <a:effectRef idx="0">
+            <a:schemeClr val="dk1"/>
+          </a:effectRef>
+          <a:fontRef idx="minor">
+            <a:schemeClr val="tx1"/>
+          </a:fontRef>
+        </p:style>
+      </p:cxnSp>
+      <p:cxnSp>
+        <p:nvCxnSpPr>
+          <p:cNvPr id="126" name="直接连接符 125">
+            <a:extLst>
+              <a:ext uri="{FF2B5EF4-FFF2-40B4-BE49-F238E27FC236}">
+                <a16:creationId xmlns:a16="http://schemas.microsoft.com/office/drawing/2014/main" id="{9400B7B4-E9A2-470D-9645-CA6F87870D13}"/>
+              </a:ext>
+            </a:extLst>
+          </p:cNvPr>
+          <p:cNvCxnSpPr>
+            <a:cxnSpLocks/>
+          </p:cNvCxnSpPr>
+          <p:nvPr/>
+        </p:nvCxnSpPr>
+        <p:spPr>
+          <a:xfrm>
+            <a:off x="5140786" y="3900590"/>
+            <a:ext cx="0" cy="1440016"/>
+          </a:xfrm>
+          <a:prstGeom prst="line">
+            <a:avLst/>
+          </a:prstGeom>
+        </p:spPr>
+        <p:style>
+          <a:lnRef idx="1">
+            <a:schemeClr val="dk1"/>
+          </a:lnRef>
+          <a:fillRef idx="0">
+            <a:schemeClr val="dk1"/>
+          </a:fillRef>
+          <a:effectRef idx="0">
+            <a:schemeClr val="dk1"/>
+          </a:effectRef>
+          <a:fontRef idx="minor">
+            <a:schemeClr val="tx1"/>
+          </a:fontRef>
+        </p:style>
+      </p:cxnSp>
+      <p:cxnSp>
+        <p:nvCxnSpPr>
+          <p:cNvPr id="127" name="直接连接符 126">
+            <a:extLst>
+              <a:ext uri="{FF2B5EF4-FFF2-40B4-BE49-F238E27FC236}">
+                <a16:creationId xmlns:a16="http://schemas.microsoft.com/office/drawing/2014/main" id="{8E8E9A3B-7C77-4B15-81B9-5E88E11D8577}"/>
+              </a:ext>
+            </a:extLst>
+          </p:cNvPr>
+          <p:cNvCxnSpPr>
+            <a:cxnSpLocks/>
+          </p:cNvCxnSpPr>
+          <p:nvPr/>
+        </p:nvCxnSpPr>
+        <p:spPr>
+          <a:xfrm>
+            <a:off x="2080752" y="5790605"/>
+            <a:ext cx="267521" cy="0"/>
+          </a:xfrm>
+          <a:prstGeom prst="line">
+            <a:avLst/>
+          </a:prstGeom>
+          <a:ln>
+            <a:solidFill>
+              <a:srgbClr val="00B0F0"/>
+            </a:solidFill>
+          </a:ln>
+        </p:spPr>
+        <p:style>
+          <a:lnRef idx="1">
+            <a:schemeClr val="dk1"/>
+          </a:lnRef>
+          <a:fillRef idx="0">
+            <a:schemeClr val="dk1"/>
+          </a:fillRef>
+          <a:effectRef idx="0">
+            <a:schemeClr val="dk1"/>
+          </a:effectRef>
+          <a:fontRef idx="minor">
+            <a:schemeClr val="tx1"/>
+          </a:fontRef>
+        </p:style>
+      </p:cxnSp>
+      <p:cxnSp>
+        <p:nvCxnSpPr>
+          <p:cNvPr id="133" name="直接连接符 132">
+            <a:extLst>
+              <a:ext uri="{FF2B5EF4-FFF2-40B4-BE49-F238E27FC236}">
+                <a16:creationId xmlns:a16="http://schemas.microsoft.com/office/drawing/2014/main" id="{2A6FC7CE-B409-4B44-B700-B0C1C5B7BA74}"/>
+              </a:ext>
+            </a:extLst>
+          </p:cNvPr>
+          <p:cNvCxnSpPr>
+            <a:cxnSpLocks/>
+          </p:cNvCxnSpPr>
+          <p:nvPr/>
+        </p:nvCxnSpPr>
+        <p:spPr>
+          <a:xfrm>
+            <a:off x="2080752" y="5880601"/>
+            <a:ext cx="360004" cy="12"/>
+          </a:xfrm>
+          <a:prstGeom prst="line">
+            <a:avLst/>
+          </a:prstGeom>
+          <a:ln>
+            <a:solidFill>
+              <a:srgbClr val="00B0F0"/>
+            </a:solidFill>
+          </a:ln>
+        </p:spPr>
+        <p:style>
+          <a:lnRef idx="1">
+            <a:schemeClr val="dk1"/>
+          </a:lnRef>
+          <a:fillRef idx="0">
+            <a:schemeClr val="dk1"/>
+          </a:fillRef>
+          <a:effectRef idx="0">
+            <a:schemeClr val="dk1"/>
+          </a:effectRef>
+          <a:fontRef idx="minor">
+            <a:schemeClr val="tx1"/>
+          </a:fontRef>
+        </p:style>
+      </p:cxnSp>
+      <p:cxnSp>
+        <p:nvCxnSpPr>
+          <p:cNvPr id="136" name="直接连接符 135">
+            <a:extLst>
+              <a:ext uri="{FF2B5EF4-FFF2-40B4-BE49-F238E27FC236}">
+                <a16:creationId xmlns:a16="http://schemas.microsoft.com/office/drawing/2014/main" id="{3639AF3B-95BC-4F53-8A1C-CAEF0EB6842E}"/>
+              </a:ext>
+            </a:extLst>
+          </p:cNvPr>
+          <p:cNvCxnSpPr>
+            <a:cxnSpLocks/>
+          </p:cNvCxnSpPr>
+          <p:nvPr/>
+        </p:nvCxnSpPr>
+        <p:spPr>
+          <a:xfrm flipV="1">
+            <a:off x="2348273" y="4799047"/>
+            <a:ext cx="0" cy="991558"/>
+          </a:xfrm>
+          <a:prstGeom prst="line">
+            <a:avLst/>
+          </a:prstGeom>
+          <a:ln>
+            <a:solidFill>
+              <a:srgbClr val="00B0F0"/>
+            </a:solidFill>
+          </a:ln>
+        </p:spPr>
+        <p:style>
+          <a:lnRef idx="1">
+            <a:schemeClr val="dk1"/>
+          </a:lnRef>
+          <a:fillRef idx="0">
+            <a:schemeClr val="dk1"/>
+          </a:fillRef>
+          <a:effectRef idx="0">
+            <a:schemeClr val="dk1"/>
+          </a:effectRef>
+          <a:fontRef idx="minor">
+            <a:schemeClr val="tx1"/>
+          </a:fontRef>
+        </p:style>
+      </p:cxnSp>
+      <p:cxnSp>
+        <p:nvCxnSpPr>
+          <p:cNvPr id="139" name="直接连接符 138">
+            <a:extLst>
+              <a:ext uri="{FF2B5EF4-FFF2-40B4-BE49-F238E27FC236}">
+                <a16:creationId xmlns:a16="http://schemas.microsoft.com/office/drawing/2014/main" id="{5BC11CB0-9387-428E-8EB7-C5C77657C6A7}"/>
+              </a:ext>
+            </a:extLst>
+          </p:cNvPr>
+          <p:cNvCxnSpPr>
+            <a:cxnSpLocks/>
+          </p:cNvCxnSpPr>
+          <p:nvPr/>
+        </p:nvCxnSpPr>
+        <p:spPr>
+          <a:xfrm flipV="1">
+            <a:off x="2440756" y="4889047"/>
+            <a:ext cx="0" cy="991566"/>
+          </a:xfrm>
+          <a:prstGeom prst="line">
+            <a:avLst/>
+          </a:prstGeom>
+          <a:ln>
+            <a:solidFill>
+              <a:srgbClr val="00B0F0"/>
+            </a:solidFill>
+          </a:ln>
+        </p:spPr>
+        <p:style>
+          <a:lnRef idx="1">
+            <a:schemeClr val="dk1"/>
+          </a:lnRef>
+          <a:fillRef idx="0">
+            <a:schemeClr val="dk1"/>
+          </a:fillRef>
+          <a:effectRef idx="0">
+            <a:schemeClr val="dk1"/>
+          </a:effectRef>
+          <a:fontRef idx="minor">
+            <a:schemeClr val="tx1"/>
+          </a:fontRef>
+        </p:style>
+      </p:cxnSp>
+      <p:cxnSp>
+        <p:nvCxnSpPr>
+          <p:cNvPr id="144" name="直接连接符 143">
+            <a:extLst>
+              <a:ext uri="{FF2B5EF4-FFF2-40B4-BE49-F238E27FC236}">
+                <a16:creationId xmlns:a16="http://schemas.microsoft.com/office/drawing/2014/main" id="{DA829554-18AF-4C44-8D58-809B73021928}"/>
+              </a:ext>
+            </a:extLst>
+          </p:cNvPr>
+          <p:cNvCxnSpPr>
+            <a:cxnSpLocks/>
+          </p:cNvCxnSpPr>
+          <p:nvPr/>
+        </p:nvCxnSpPr>
+        <p:spPr>
+          <a:xfrm flipH="1">
+            <a:off x="2348273" y="4799047"/>
+            <a:ext cx="3782453" cy="0"/>
+          </a:xfrm>
+          <a:prstGeom prst="line">
+            <a:avLst/>
+          </a:prstGeom>
+          <a:ln>
+            <a:solidFill>
+              <a:srgbClr val="00B0F0"/>
+            </a:solidFill>
+          </a:ln>
+        </p:spPr>
+        <p:style>
+          <a:lnRef idx="1">
+            <a:schemeClr val="dk1"/>
+          </a:lnRef>
+          <a:fillRef idx="0">
+            <a:schemeClr val="dk1"/>
+          </a:fillRef>
+          <a:effectRef idx="0">
+            <a:schemeClr val="dk1"/>
+          </a:effectRef>
+          <a:fontRef idx="minor">
+            <a:schemeClr val="tx1"/>
+          </a:fontRef>
+        </p:style>
+      </p:cxnSp>
+      <p:cxnSp>
+        <p:nvCxnSpPr>
+          <p:cNvPr id="147" name="直接连接符 146">
+            <a:extLst>
+              <a:ext uri="{FF2B5EF4-FFF2-40B4-BE49-F238E27FC236}">
+                <a16:creationId xmlns:a16="http://schemas.microsoft.com/office/drawing/2014/main" id="{CB02DE9B-5FFE-443D-9D23-C31D63C1AD01}"/>
+              </a:ext>
+            </a:extLst>
+          </p:cNvPr>
+          <p:cNvCxnSpPr>
+            <a:cxnSpLocks/>
+          </p:cNvCxnSpPr>
+          <p:nvPr/>
+        </p:nvCxnSpPr>
+        <p:spPr>
+          <a:xfrm flipH="1">
+            <a:off x="2440756" y="4890601"/>
+            <a:ext cx="3782453" cy="0"/>
+          </a:xfrm>
+          <a:prstGeom prst="line">
+            <a:avLst/>
+          </a:prstGeom>
+          <a:ln>
+            <a:solidFill>
+              <a:srgbClr val="00B0F0"/>
+            </a:solidFill>
+          </a:ln>
+        </p:spPr>
+        <p:style>
+          <a:lnRef idx="1">
+            <a:schemeClr val="dk1"/>
+          </a:lnRef>
+          <a:fillRef idx="0">
+            <a:schemeClr val="dk1"/>
+          </a:fillRef>
+          <a:effectRef idx="0">
+            <a:schemeClr val="dk1"/>
+          </a:effectRef>
+          <a:fontRef idx="minor">
+            <a:schemeClr val="tx1"/>
+          </a:fontRef>
+        </p:style>
+      </p:cxnSp>
+      <p:cxnSp>
+        <p:nvCxnSpPr>
+          <p:cNvPr id="148" name="直接连接符 147">
+            <a:extLst>
+              <a:ext uri="{FF2B5EF4-FFF2-40B4-BE49-F238E27FC236}">
+                <a16:creationId xmlns:a16="http://schemas.microsoft.com/office/drawing/2014/main" id="{8011D2BE-8BDE-4DB0-906F-CAA07DBCEAC8}"/>
+              </a:ext>
+            </a:extLst>
+          </p:cNvPr>
+          <p:cNvCxnSpPr>
+            <a:cxnSpLocks/>
+          </p:cNvCxnSpPr>
+          <p:nvPr/>
+        </p:nvCxnSpPr>
+        <p:spPr>
+          <a:xfrm flipH="1">
+            <a:off x="6130797" y="4530597"/>
+            <a:ext cx="270073" cy="1"/>
+          </a:xfrm>
+          <a:prstGeom prst="line">
+            <a:avLst/>
+          </a:prstGeom>
+          <a:ln>
+            <a:solidFill>
+              <a:srgbClr val="00B0F0"/>
+            </a:solidFill>
+          </a:ln>
+        </p:spPr>
+        <p:style>
+          <a:lnRef idx="1">
+            <a:schemeClr val="dk1"/>
+          </a:lnRef>
+          <a:fillRef idx="0">
+            <a:schemeClr val="dk1"/>
+          </a:fillRef>
+          <a:effectRef idx="0">
+            <a:schemeClr val="dk1"/>
+          </a:effectRef>
+          <a:fontRef idx="minor">
+            <a:schemeClr val="tx1"/>
+          </a:fontRef>
+        </p:style>
+      </p:cxnSp>
+      <p:cxnSp>
+        <p:nvCxnSpPr>
+          <p:cNvPr id="149" name="直接连接符 148">
+            <a:extLst>
+              <a:ext uri="{FF2B5EF4-FFF2-40B4-BE49-F238E27FC236}">
+                <a16:creationId xmlns:a16="http://schemas.microsoft.com/office/drawing/2014/main" id="{D56BBE36-C800-4E6B-8642-E0E653755AFB}"/>
+              </a:ext>
+            </a:extLst>
+          </p:cNvPr>
+          <p:cNvCxnSpPr>
+            <a:cxnSpLocks/>
+          </p:cNvCxnSpPr>
+          <p:nvPr/>
+        </p:nvCxnSpPr>
+        <p:spPr>
+          <a:xfrm flipH="1" flipV="1">
+            <a:off x="6220798" y="4619046"/>
+            <a:ext cx="180002" cy="751"/>
+          </a:xfrm>
+          <a:prstGeom prst="line">
+            <a:avLst/>
+          </a:prstGeom>
+          <a:ln>
+            <a:solidFill>
+              <a:srgbClr val="00B0F0"/>
+            </a:solidFill>
+          </a:ln>
+        </p:spPr>
+        <p:style>
+          <a:lnRef idx="1">
+            <a:schemeClr val="dk1"/>
+          </a:lnRef>
+          <a:fillRef idx="0">
+            <a:schemeClr val="dk1"/>
+          </a:fillRef>
+          <a:effectRef idx="0">
+            <a:schemeClr val="dk1"/>
+          </a:effectRef>
+          <a:fontRef idx="minor">
+            <a:schemeClr val="tx1"/>
+          </a:fontRef>
+        </p:style>
+      </p:cxnSp>
+      <p:cxnSp>
+        <p:nvCxnSpPr>
+          <p:cNvPr id="152" name="直接连接符 151">
+            <a:extLst>
+              <a:ext uri="{FF2B5EF4-FFF2-40B4-BE49-F238E27FC236}">
+                <a16:creationId xmlns:a16="http://schemas.microsoft.com/office/drawing/2014/main" id="{F1E13276-3916-42AE-9C82-FA40AD92A6C7}"/>
+              </a:ext>
+            </a:extLst>
+          </p:cNvPr>
+          <p:cNvCxnSpPr>
+            <a:cxnSpLocks/>
+          </p:cNvCxnSpPr>
+          <p:nvPr/>
+        </p:nvCxnSpPr>
+        <p:spPr>
+          <a:xfrm flipV="1">
+            <a:off x="6220750" y="4618666"/>
+            <a:ext cx="0" cy="270381"/>
+          </a:xfrm>
+          <a:prstGeom prst="line">
+            <a:avLst/>
+          </a:prstGeom>
+          <a:ln>
+            <a:solidFill>
+              <a:srgbClr val="00B0F0"/>
+            </a:solidFill>
+          </a:ln>
+        </p:spPr>
+        <p:style>
+          <a:lnRef idx="1">
+            <a:schemeClr val="dk1"/>
+          </a:lnRef>
+          <a:fillRef idx="0">
+            <a:schemeClr val="dk1"/>
+          </a:fillRef>
+          <a:effectRef idx="0">
+            <a:schemeClr val="dk1"/>
+          </a:effectRef>
+          <a:fontRef idx="minor">
+            <a:schemeClr val="tx1"/>
+          </a:fontRef>
+        </p:style>
+      </p:cxnSp>
+      <p:cxnSp>
+        <p:nvCxnSpPr>
+          <p:cNvPr id="155" name="直接连接符 154">
+            <a:extLst>
+              <a:ext uri="{FF2B5EF4-FFF2-40B4-BE49-F238E27FC236}">
+                <a16:creationId xmlns:a16="http://schemas.microsoft.com/office/drawing/2014/main" id="{D6C74942-E055-4E3F-9BBB-72FE2073BA99}"/>
+              </a:ext>
+            </a:extLst>
+          </p:cNvPr>
+          <p:cNvCxnSpPr>
+            <a:cxnSpLocks/>
+          </p:cNvCxnSpPr>
+          <p:nvPr/>
+        </p:nvCxnSpPr>
+        <p:spPr>
+          <a:xfrm flipV="1">
+            <a:off x="6130726" y="4530598"/>
+            <a:ext cx="72" cy="268449"/>
+          </a:xfrm>
+          <a:prstGeom prst="line">
+            <a:avLst/>
+          </a:prstGeom>
+          <a:ln>
+            <a:solidFill>
+              <a:srgbClr val="00B0F0"/>
+            </a:solidFill>
+          </a:ln>
+        </p:spPr>
+        <p:style>
+          <a:lnRef idx="1">
+            <a:schemeClr val="dk1"/>
+          </a:lnRef>
+          <a:fillRef idx="0">
+            <a:schemeClr val="dk1"/>
+          </a:fillRef>
+          <a:effectRef idx="0">
+            <a:schemeClr val="dk1"/>
+          </a:effectRef>
+          <a:fontRef idx="minor">
+            <a:schemeClr val="tx1"/>
+          </a:fontRef>
+        </p:style>
+      </p:cxnSp>
+      <p:cxnSp>
+        <p:nvCxnSpPr>
+          <p:cNvPr id="158" name="直接连接符 157">
+            <a:extLst>
+              <a:ext uri="{FF2B5EF4-FFF2-40B4-BE49-F238E27FC236}">
+                <a16:creationId xmlns:a16="http://schemas.microsoft.com/office/drawing/2014/main" id="{1D075484-B91D-42FE-9004-C150D9638D36}"/>
+              </a:ext>
+            </a:extLst>
+          </p:cNvPr>
+          <p:cNvCxnSpPr>
+            <a:cxnSpLocks/>
+          </p:cNvCxnSpPr>
+          <p:nvPr/>
+        </p:nvCxnSpPr>
+        <p:spPr>
+          <a:xfrm>
+            <a:off x="2082736" y="7140626"/>
+            <a:ext cx="3958037" cy="0"/>
+          </a:xfrm>
+          <a:prstGeom prst="line">
+            <a:avLst/>
+          </a:prstGeom>
+        </p:spPr>
+        <p:style>
+          <a:lnRef idx="1">
+            <a:schemeClr val="dk1"/>
+          </a:lnRef>
+          <a:fillRef idx="0">
+            <a:schemeClr val="dk1"/>
+          </a:fillRef>
+          <a:effectRef idx="0">
+            <a:schemeClr val="dk1"/>
+          </a:effectRef>
+          <a:fontRef idx="minor">
+            <a:schemeClr val="tx1"/>
+          </a:fontRef>
+        </p:style>
+      </p:cxnSp>
+      <p:cxnSp>
+        <p:nvCxnSpPr>
+          <p:cNvPr id="161" name="直接连接符 160">
+            <a:extLst>
+              <a:ext uri="{FF2B5EF4-FFF2-40B4-BE49-F238E27FC236}">
+                <a16:creationId xmlns:a16="http://schemas.microsoft.com/office/drawing/2014/main" id="{A6027352-A468-4042-9E96-78E708AAE2B6}"/>
+              </a:ext>
+            </a:extLst>
+          </p:cNvPr>
+          <p:cNvCxnSpPr>
+            <a:cxnSpLocks/>
+          </p:cNvCxnSpPr>
+          <p:nvPr/>
+        </p:nvCxnSpPr>
+        <p:spPr>
+          <a:xfrm>
+            <a:off x="6039682" y="5157497"/>
+            <a:ext cx="1092" cy="1983129"/>
+          </a:xfrm>
+          <a:prstGeom prst="line">
+            <a:avLst/>
+          </a:prstGeom>
+        </p:spPr>
+        <p:style>
+          <a:lnRef idx="1">
+            <a:schemeClr val="dk1"/>
+          </a:lnRef>
+          <a:fillRef idx="0">
+            <a:schemeClr val="dk1"/>
+          </a:fillRef>
+          <a:effectRef idx="0">
+            <a:schemeClr val="dk1"/>
+          </a:effectRef>
+          <a:fontRef idx="minor">
+            <a:schemeClr val="tx1"/>
+          </a:fontRef>
+        </p:style>
+      </p:cxnSp>
+      <p:cxnSp>
+        <p:nvCxnSpPr>
+          <p:cNvPr id="166" name="直接连接符 165">
+            <a:extLst>
+              <a:ext uri="{FF2B5EF4-FFF2-40B4-BE49-F238E27FC236}">
+                <a16:creationId xmlns:a16="http://schemas.microsoft.com/office/drawing/2014/main" id="{094AD1E8-6367-45F3-A226-D7D38F423FA8}"/>
+              </a:ext>
+            </a:extLst>
+          </p:cNvPr>
+          <p:cNvCxnSpPr>
+            <a:cxnSpLocks/>
+          </p:cNvCxnSpPr>
+          <p:nvPr/>
+        </p:nvCxnSpPr>
+        <p:spPr>
+          <a:xfrm>
+            <a:off x="6039682" y="5160571"/>
+            <a:ext cx="361118" cy="0"/>
+          </a:xfrm>
+          <a:prstGeom prst="line">
+            <a:avLst/>
+          </a:prstGeom>
+        </p:spPr>
+        <p:style>
+          <a:lnRef idx="1">
+            <a:schemeClr val="dk1"/>
+          </a:lnRef>
+          <a:fillRef idx="0">
+            <a:schemeClr val="dk1"/>
+          </a:fillRef>
+          <a:effectRef idx="0">
+            <a:schemeClr val="dk1"/>
+          </a:effectRef>
+          <a:fontRef idx="minor">
+            <a:schemeClr val="tx1"/>
+          </a:fontRef>
+        </p:style>
+      </p:cxnSp>
+      <p:cxnSp>
+        <p:nvCxnSpPr>
+          <p:cNvPr id="187" name="直接连接符 186">
+            <a:extLst>
+              <a:ext uri="{FF2B5EF4-FFF2-40B4-BE49-F238E27FC236}">
+                <a16:creationId xmlns:a16="http://schemas.microsoft.com/office/drawing/2014/main" id="{B2BCD2B7-EBB1-446C-811A-532A31DC210A}"/>
+              </a:ext>
+            </a:extLst>
+          </p:cNvPr>
+          <p:cNvCxnSpPr>
+            <a:cxnSpLocks/>
+          </p:cNvCxnSpPr>
+          <p:nvPr/>
+        </p:nvCxnSpPr>
+        <p:spPr>
+          <a:xfrm flipH="1">
+            <a:off x="2080754" y="7320629"/>
+            <a:ext cx="7200078" cy="0"/>
+          </a:xfrm>
+          <a:prstGeom prst="line">
+            <a:avLst/>
+          </a:prstGeom>
+          <a:ln>
+            <a:solidFill>
+              <a:srgbClr val="FF0000"/>
+            </a:solidFill>
+          </a:ln>
+        </p:spPr>
+        <p:style>
+          <a:lnRef idx="1">
+            <a:schemeClr val="dk1"/>
+          </a:lnRef>
+          <a:fillRef idx="0">
+            <a:schemeClr val="dk1"/>
+          </a:fillRef>
+          <a:effectRef idx="0">
+            <a:schemeClr val="dk1"/>
+          </a:effectRef>
+          <a:fontRef idx="minor">
+            <a:schemeClr val="tx1"/>
+          </a:fontRef>
+        </p:style>
+      </p:cxnSp>
+      <p:cxnSp>
+        <p:nvCxnSpPr>
+          <p:cNvPr id="191" name="直接连接符 190">
+            <a:extLst>
+              <a:ext uri="{FF2B5EF4-FFF2-40B4-BE49-F238E27FC236}">
+                <a16:creationId xmlns:a16="http://schemas.microsoft.com/office/drawing/2014/main" id="{FC91B252-2FCB-4D13-A3B5-AD29A5985AD2}"/>
+              </a:ext>
+            </a:extLst>
+          </p:cNvPr>
+          <p:cNvCxnSpPr>
+            <a:cxnSpLocks/>
+          </p:cNvCxnSpPr>
+          <p:nvPr/>
+        </p:nvCxnSpPr>
+        <p:spPr>
+          <a:xfrm flipH="1">
+            <a:off x="2080754" y="7230627"/>
+            <a:ext cx="6930075" cy="0"/>
+          </a:xfrm>
+          <a:prstGeom prst="line">
+            <a:avLst/>
+          </a:prstGeom>
+          <a:ln>
+            <a:solidFill>
+              <a:srgbClr val="FF0000"/>
+            </a:solidFill>
+          </a:ln>
+        </p:spPr>
+        <p:style>
+          <a:lnRef idx="1">
+            <a:schemeClr val="dk1"/>
+          </a:lnRef>
+          <a:fillRef idx="0">
+            <a:schemeClr val="dk1"/>
+          </a:fillRef>
+          <a:effectRef idx="0">
+            <a:schemeClr val="dk1"/>
+          </a:effectRef>
+          <a:fontRef idx="minor">
+            <a:schemeClr val="tx1"/>
+          </a:fontRef>
+        </p:style>
+      </p:cxnSp>
+      <p:sp>
+        <p:nvSpPr>
+          <p:cNvPr id="204" name="矩形 203">
+            <a:extLst>
+              <a:ext uri="{FF2B5EF4-FFF2-40B4-BE49-F238E27FC236}">
+                <a16:creationId xmlns:a16="http://schemas.microsoft.com/office/drawing/2014/main" id="{D80EFD9E-17B0-4E1C-B8D9-E4C296461189}"/>
+              </a:ext>
+            </a:extLst>
+          </p:cNvPr>
+          <p:cNvSpPr/>
+          <p:nvPr/>
+        </p:nvSpPr>
+        <p:spPr>
+          <a:xfrm>
+            <a:off x="10270843" y="1344408"/>
+            <a:ext cx="1440015" cy="1387717"/>
+          </a:xfrm>
+          <a:prstGeom prst="rect">
+            <a:avLst/>
+          </a:prstGeom>
+        </p:spPr>
+        <p:style>
+          <a:lnRef idx="2">
+            <a:schemeClr val="dk1"/>
+          </a:lnRef>
+          <a:fillRef idx="1">
+            <a:schemeClr val="lt1"/>
+          </a:fillRef>
+          <a:effectRef idx="0">
+            <a:schemeClr val="dk1"/>
+          </a:effectRef>
+          <a:fontRef idx="minor">
+            <a:schemeClr val="dk1"/>
+          </a:fontRef>
+        </p:style>
+        <p:txBody>
+          <a:bodyPr rtlCol="0" anchor="ctr"/>
+          <a:lstStyle/>
+          <a:p>
+            <a:pPr algn="ctr"/>
+            <a:r>
+              <a:rPr lang="zh-CN" altLang="en-US" sz="1200" dirty="0"/>
+              <a:t>移动电源</a:t>
+            </a:r>
+            <a:endParaRPr lang="en-US" altLang="zh-CN" sz="1200" dirty="0"/>
+          </a:p>
+        </p:txBody>
+      </p:sp>
+      <p:cxnSp>
+        <p:nvCxnSpPr>
+          <p:cNvPr id="205" name="直接连接符 204">
+            <a:extLst>
+              <a:ext uri="{FF2B5EF4-FFF2-40B4-BE49-F238E27FC236}">
+                <a16:creationId xmlns:a16="http://schemas.microsoft.com/office/drawing/2014/main" id="{4B6748C9-307E-4886-A29E-2ED6CF4CECFE}"/>
+              </a:ext>
+            </a:extLst>
+          </p:cNvPr>
+          <p:cNvCxnSpPr>
+            <a:cxnSpLocks/>
+            <a:stCxn id="23" idx="0"/>
+            <a:endCxn id="204" idx="2"/>
+          </p:cNvCxnSpPr>
+          <p:nvPr/>
+        </p:nvCxnSpPr>
+        <p:spPr>
+          <a:xfrm flipV="1">
+            <a:off x="10989018" y="2732125"/>
+            <a:ext cx="1833" cy="544666"/>
+          </a:xfrm>
+          <a:prstGeom prst="line">
+            <a:avLst/>
+          </a:prstGeom>
+          <a:ln w="38100">
+            <a:solidFill>
+              <a:srgbClr val="FF0000"/>
+            </a:solidFill>
+          </a:ln>
+        </p:spPr>
+        <p:style>
+          <a:lnRef idx="1">
+            <a:schemeClr val="dk1"/>
+          </a:lnRef>
+          <a:fillRef idx="0">
+            <a:schemeClr val="dk1"/>
+          </a:fillRef>
+          <a:effectRef idx="0">
+            <a:schemeClr val="dk1"/>
+          </a:effectRef>
+          <a:fontRef idx="minor">
+            <a:schemeClr val="tx1"/>
+          </a:fontRef>
+        </p:style>
+      </p:cxnSp>
+      <p:cxnSp>
+        <p:nvCxnSpPr>
+          <p:cNvPr id="218" name="直接连接符 217">
+            <a:extLst>
+              <a:ext uri="{FF2B5EF4-FFF2-40B4-BE49-F238E27FC236}">
+                <a16:creationId xmlns:a16="http://schemas.microsoft.com/office/drawing/2014/main" id="{C28F73A7-FAE5-4B0A-AE04-73C2D20A2721}"/>
+              </a:ext>
+            </a:extLst>
+          </p:cNvPr>
+          <p:cNvCxnSpPr>
+            <a:cxnSpLocks/>
+          </p:cNvCxnSpPr>
+          <p:nvPr/>
+        </p:nvCxnSpPr>
+        <p:spPr>
+          <a:xfrm flipV="1">
+            <a:off x="7390811" y="5790605"/>
+            <a:ext cx="0" cy="990025"/>
+          </a:xfrm>
+          <a:prstGeom prst="line">
+            <a:avLst/>
+          </a:prstGeom>
+          <a:ln>
+            <a:solidFill>
+              <a:srgbClr val="FF0000"/>
+            </a:solidFill>
+          </a:ln>
+        </p:spPr>
+        <p:style>
+          <a:lnRef idx="1">
+            <a:schemeClr val="dk1"/>
+          </a:lnRef>
+          <a:fillRef idx="0">
+            <a:schemeClr val="dk1"/>
+          </a:fillRef>
+          <a:effectRef idx="0">
+            <a:schemeClr val="dk1"/>
+          </a:effectRef>
+          <a:fontRef idx="minor">
+            <a:schemeClr val="tx1"/>
+          </a:fontRef>
+        </p:style>
+      </p:cxnSp>
+      <p:cxnSp>
+        <p:nvCxnSpPr>
+          <p:cNvPr id="222" name="直接连接符 221">
+            <a:extLst>
+              <a:ext uri="{FF2B5EF4-FFF2-40B4-BE49-F238E27FC236}">
+                <a16:creationId xmlns:a16="http://schemas.microsoft.com/office/drawing/2014/main" id="{EA4DDBCC-7C67-4B6C-9369-DC08B23F22F7}"/>
+              </a:ext>
+            </a:extLst>
+          </p:cNvPr>
+          <p:cNvCxnSpPr>
+            <a:cxnSpLocks/>
+          </p:cNvCxnSpPr>
+          <p:nvPr/>
+        </p:nvCxnSpPr>
+        <p:spPr>
+          <a:xfrm flipV="1">
+            <a:off x="7210809" y="5790611"/>
+            <a:ext cx="0" cy="1080009"/>
+          </a:xfrm>
+          <a:prstGeom prst="line">
+            <a:avLst/>
+          </a:prstGeom>
+          <a:ln>
+            <a:solidFill>
+              <a:srgbClr val="FF0000"/>
+            </a:solidFill>
+          </a:ln>
+        </p:spPr>
+        <p:style>
+          <a:lnRef idx="1">
+            <a:schemeClr val="dk1"/>
+          </a:lnRef>
+          <a:fillRef idx="0">
+            <a:schemeClr val="dk1"/>
+          </a:fillRef>
+          <a:effectRef idx="0">
+            <a:schemeClr val="dk1"/>
+          </a:effectRef>
+          <a:fontRef idx="minor">
+            <a:schemeClr val="tx1"/>
+          </a:fontRef>
+        </p:style>
+      </p:cxnSp>
+      <p:sp>
+        <p:nvSpPr>
+          <p:cNvPr id="211" name="文本框 210">
+            <a:extLst>
+              <a:ext uri="{FF2B5EF4-FFF2-40B4-BE49-F238E27FC236}">
+                <a16:creationId xmlns:a16="http://schemas.microsoft.com/office/drawing/2014/main" id="{7444BB6F-8D7C-447F-A68F-218319A4F619}"/>
+              </a:ext>
+            </a:extLst>
+          </p:cNvPr>
+          <p:cNvSpPr txBox="1"/>
+          <p:nvPr/>
+        </p:nvSpPr>
+        <p:spPr>
+          <a:xfrm>
+            <a:off x="7837174" y="4327494"/>
+            <a:ext cx="363645" cy="215444"/>
+          </a:xfrm>
+          <a:prstGeom prst="rect">
+            <a:avLst/>
+          </a:prstGeom>
+          <a:noFill/>
+        </p:spPr>
+        <p:txBody>
+          <a:bodyPr wrap="square" rtlCol="0">
+            <a:spAutoFit/>
+          </a:bodyPr>
+          <a:lstStyle/>
+          <a:p>
+            <a:pPr algn="r"/>
+            <a:r>
+              <a:rPr lang="en-US" altLang="zh-CN" sz="800" dirty="0"/>
+              <a:t>RX</a:t>
+            </a:r>
+            <a:endParaRPr lang="zh-CN" altLang="en-US" sz="800" dirty="0"/>
+          </a:p>
+        </p:txBody>
+      </p:sp>
+      <p:sp>
+        <p:nvSpPr>
+          <p:cNvPr id="233" name="文本框 232">
+            <a:extLst>
+              <a:ext uri="{FF2B5EF4-FFF2-40B4-BE49-F238E27FC236}">
+                <a16:creationId xmlns:a16="http://schemas.microsoft.com/office/drawing/2014/main" id="{64E4AECF-D73C-4517-8FF3-940C7A09D318}"/>
+              </a:ext>
+            </a:extLst>
+          </p:cNvPr>
+          <p:cNvSpPr txBox="1"/>
+          <p:nvPr/>
+        </p:nvSpPr>
+        <p:spPr>
+          <a:xfrm>
+            <a:off x="7750816" y="4510944"/>
+            <a:ext cx="446316" cy="215444"/>
+          </a:xfrm>
+          <a:prstGeom prst="rect">
+            <a:avLst/>
+          </a:prstGeom>
+          <a:noFill/>
+        </p:spPr>
+        <p:txBody>
+          <a:bodyPr wrap="square" rtlCol="0">
+            <a:spAutoFit/>
+          </a:bodyPr>
+          <a:lstStyle/>
+          <a:p>
+            <a:pPr algn="r"/>
+            <a:r>
+              <a:rPr lang="en-US" altLang="zh-CN" sz="800" dirty="0"/>
+              <a:t>TX</a:t>
+            </a:r>
+            <a:endParaRPr lang="zh-CN" altLang="en-US" sz="800" dirty="0"/>
+          </a:p>
+        </p:txBody>
+      </p:sp>
+      <p:sp>
+        <p:nvSpPr>
+          <p:cNvPr id="239" name="文本框 238">
+            <a:extLst>
+              <a:ext uri="{FF2B5EF4-FFF2-40B4-BE49-F238E27FC236}">
+                <a16:creationId xmlns:a16="http://schemas.microsoft.com/office/drawing/2014/main" id="{517470BE-DD35-41E0-883A-F00244C0FAA7}"/>
+              </a:ext>
+            </a:extLst>
+          </p:cNvPr>
+          <p:cNvSpPr txBox="1"/>
+          <p:nvPr/>
+        </p:nvSpPr>
+        <p:spPr>
+          <a:xfrm>
+            <a:off x="10094506" y="4327494"/>
+            <a:ext cx="446340" cy="215444"/>
+          </a:xfrm>
+          <a:prstGeom prst="rect">
+            <a:avLst/>
+          </a:prstGeom>
+          <a:noFill/>
+        </p:spPr>
+        <p:txBody>
+          <a:bodyPr wrap="square" rtlCol="0">
+            <a:spAutoFit/>
+          </a:bodyPr>
+          <a:lstStyle/>
+          <a:p>
+            <a:r>
+              <a:rPr lang="en-US" altLang="zh-CN" sz="800" dirty="0"/>
+              <a:t>TX</a:t>
+            </a:r>
+            <a:endParaRPr lang="zh-CN" altLang="en-US" sz="800" dirty="0"/>
+          </a:p>
+        </p:txBody>
+      </p:sp>
+      <p:sp>
+        <p:nvSpPr>
+          <p:cNvPr id="242" name="文本框 241">
+            <a:extLst>
+              <a:ext uri="{FF2B5EF4-FFF2-40B4-BE49-F238E27FC236}">
+                <a16:creationId xmlns:a16="http://schemas.microsoft.com/office/drawing/2014/main" id="{668E56B6-44B2-43AA-A7EC-8386B3EAC2B3}"/>
+              </a:ext>
+            </a:extLst>
+          </p:cNvPr>
+          <p:cNvSpPr txBox="1"/>
+          <p:nvPr/>
+        </p:nvSpPr>
+        <p:spPr>
+          <a:xfrm>
+            <a:off x="10087153" y="4510944"/>
+            <a:ext cx="633694" cy="215444"/>
+          </a:xfrm>
+          <a:prstGeom prst="rect">
+            <a:avLst/>
+          </a:prstGeom>
+          <a:noFill/>
+        </p:spPr>
+        <p:txBody>
+          <a:bodyPr wrap="square" rtlCol="0">
+            <a:spAutoFit/>
+          </a:bodyPr>
+          <a:lstStyle/>
+          <a:p>
+            <a:r>
+              <a:rPr lang="en-US" altLang="zh-CN" sz="800" dirty="0"/>
+              <a:t>RX</a:t>
+            </a:r>
+            <a:endParaRPr lang="zh-CN" altLang="en-US" sz="800" dirty="0"/>
+          </a:p>
+        </p:txBody>
+      </p:sp>
+      <p:sp>
+        <p:nvSpPr>
+          <p:cNvPr id="243" name="文本框 242">
+            <a:extLst>
+              <a:ext uri="{FF2B5EF4-FFF2-40B4-BE49-F238E27FC236}">
+                <a16:creationId xmlns:a16="http://schemas.microsoft.com/office/drawing/2014/main" id="{D85846E9-DB32-4B02-9102-74609507D51E}"/>
+              </a:ext>
+            </a:extLst>
+          </p:cNvPr>
+          <p:cNvSpPr txBox="1"/>
+          <p:nvPr/>
+        </p:nvSpPr>
+        <p:spPr>
+          <a:xfrm>
+            <a:off x="10720848" y="3252863"/>
+            <a:ext cx="540006" cy="215444"/>
+          </a:xfrm>
+          <a:prstGeom prst="rect">
+            <a:avLst/>
+          </a:prstGeom>
+          <a:noFill/>
+        </p:spPr>
+        <p:txBody>
+          <a:bodyPr wrap="square" rtlCol="0">
+            <a:spAutoFit/>
+          </a:bodyPr>
+          <a:lstStyle/>
+          <a:p>
+            <a:pPr algn="ctr"/>
+            <a:r>
+              <a:rPr lang="en-US" altLang="zh-CN" sz="800" dirty="0"/>
+              <a:t>Type-C</a:t>
+            </a:r>
+            <a:endParaRPr lang="zh-CN" altLang="en-US" sz="800" dirty="0"/>
+          </a:p>
+        </p:txBody>
+      </p:sp>
+      <p:sp>
+        <p:nvSpPr>
+          <p:cNvPr id="244" name="文本框 243">
+            <a:extLst>
+              <a:ext uri="{FF2B5EF4-FFF2-40B4-BE49-F238E27FC236}">
+                <a16:creationId xmlns:a16="http://schemas.microsoft.com/office/drawing/2014/main" id="{04664CA3-7772-40F0-9CFA-3AC08E4EE40D}"/>
+              </a:ext>
+            </a:extLst>
+          </p:cNvPr>
+          <p:cNvSpPr txBox="1"/>
+          <p:nvPr/>
+        </p:nvSpPr>
+        <p:spPr>
+          <a:xfrm>
+            <a:off x="10719015" y="2520906"/>
+            <a:ext cx="540006" cy="215444"/>
+          </a:xfrm>
+          <a:prstGeom prst="rect">
+            <a:avLst/>
+          </a:prstGeom>
+          <a:noFill/>
+        </p:spPr>
+        <p:txBody>
+          <a:bodyPr wrap="square" rtlCol="0">
+            <a:spAutoFit/>
+          </a:bodyPr>
+          <a:lstStyle/>
+          <a:p>
+            <a:pPr algn="ctr"/>
+            <a:r>
+              <a:rPr lang="en-US" altLang="zh-CN" sz="800" dirty="0"/>
+              <a:t>Type-C</a:t>
+            </a:r>
+            <a:endParaRPr lang="zh-CN" altLang="en-US" sz="800" dirty="0"/>
+          </a:p>
+        </p:txBody>
+      </p:sp>
+      <p:cxnSp>
+        <p:nvCxnSpPr>
+          <p:cNvPr id="104" name="直接连接符 103">
+            <a:extLst>
+              <a:ext uri="{FF2B5EF4-FFF2-40B4-BE49-F238E27FC236}">
+                <a16:creationId xmlns:a16="http://schemas.microsoft.com/office/drawing/2014/main" id="{1995AE33-16D6-47AE-87CC-CED3FF211334}"/>
+              </a:ext>
+            </a:extLst>
+          </p:cNvPr>
+          <p:cNvCxnSpPr>
+            <a:cxnSpLocks/>
+          </p:cNvCxnSpPr>
+          <p:nvPr/>
+        </p:nvCxnSpPr>
+        <p:spPr>
+          <a:xfrm>
+            <a:off x="8197131" y="4440596"/>
+            <a:ext cx="1893710" cy="0"/>
+          </a:xfrm>
+          <a:prstGeom prst="line">
+            <a:avLst/>
+          </a:prstGeom>
+        </p:spPr>
+        <p:style>
+          <a:lnRef idx="1">
+            <a:schemeClr val="dk1"/>
+          </a:lnRef>
+          <a:fillRef idx="0">
+            <a:schemeClr val="dk1"/>
+          </a:fillRef>
+          <a:effectRef idx="0">
+            <a:schemeClr val="dk1"/>
+          </a:effectRef>
+          <a:fontRef idx="minor">
+            <a:schemeClr val="tx1"/>
+          </a:fontRef>
+        </p:style>
+      </p:cxnSp>
+      <p:cxnSp>
+        <p:nvCxnSpPr>
+          <p:cNvPr id="105" name="直接连接符 104">
+            <a:extLst>
+              <a:ext uri="{FF2B5EF4-FFF2-40B4-BE49-F238E27FC236}">
+                <a16:creationId xmlns:a16="http://schemas.microsoft.com/office/drawing/2014/main" id="{05A79691-7231-4500-AA7D-89DDD70E569D}"/>
+              </a:ext>
+            </a:extLst>
+          </p:cNvPr>
+          <p:cNvCxnSpPr>
+            <a:cxnSpLocks/>
+            <a:endCxn id="242" idx="1"/>
+          </p:cNvCxnSpPr>
+          <p:nvPr/>
+        </p:nvCxnSpPr>
+        <p:spPr>
+          <a:xfrm flipV="1">
+            <a:off x="8200820" y="4618666"/>
+            <a:ext cx="1886333" cy="1932"/>
+          </a:xfrm>
+          <a:prstGeom prst="line">
+            <a:avLst/>
+          </a:prstGeom>
+        </p:spPr>
+        <p:style>
+          <a:lnRef idx="1">
+            <a:schemeClr val="dk1"/>
+          </a:lnRef>
+          <a:fillRef idx="0">
+            <a:schemeClr val="dk1"/>
+          </a:fillRef>
+          <a:effectRef idx="0">
+            <a:schemeClr val="dk1"/>
+          </a:effectRef>
+          <a:fontRef idx="minor">
+            <a:schemeClr val="tx1"/>
+          </a:fontRef>
+        </p:style>
+      </p:cxnSp>
+      <p:sp>
+        <p:nvSpPr>
+          <p:cNvPr id="107" name="矩形 106">
+            <a:extLst>
+              <a:ext uri="{FF2B5EF4-FFF2-40B4-BE49-F238E27FC236}">
+                <a16:creationId xmlns:a16="http://schemas.microsoft.com/office/drawing/2014/main" id="{77E4FA6C-898E-444E-9D1C-68E043CD82F3}"/>
+              </a:ext>
+            </a:extLst>
+          </p:cNvPr>
+          <p:cNvSpPr/>
+          <p:nvPr/>
+        </p:nvSpPr>
+        <p:spPr>
+          <a:xfrm>
+            <a:off x="10094506" y="6240616"/>
+            <a:ext cx="1170013" cy="810009"/>
+          </a:xfrm>
+          <a:prstGeom prst="rect">
+            <a:avLst/>
+          </a:prstGeom>
+        </p:spPr>
+        <p:style>
+          <a:lnRef idx="2">
+            <a:schemeClr val="dk1"/>
+          </a:lnRef>
+          <a:fillRef idx="1">
+            <a:schemeClr val="lt1"/>
+          </a:fillRef>
+          <a:effectRef idx="0">
+            <a:schemeClr val="dk1"/>
+          </a:effectRef>
+          <a:fontRef idx="minor">
+            <a:schemeClr val="dk1"/>
+          </a:fontRef>
+        </p:style>
+        <p:txBody>
+          <a:bodyPr rtlCol="0" anchor="ctr"/>
+          <a:lstStyle/>
+          <a:p>
+            <a:pPr algn="ctr"/>
+            <a:r>
+              <a:rPr lang="zh-CN" altLang="en-US" sz="1200" dirty="0"/>
+              <a:t>加速度传感器</a:t>
+            </a:r>
+            <a:endParaRPr lang="en-US" altLang="zh-CN" sz="1200" dirty="0"/>
+          </a:p>
+          <a:p>
+            <a:pPr algn="ctr"/>
+            <a:r>
+              <a:rPr lang="en-US" altLang="zh-CN" sz="1200" dirty="0"/>
+              <a:t>JY901s</a:t>
+            </a:r>
+          </a:p>
+        </p:txBody>
+      </p:sp>
+      <p:sp>
+        <p:nvSpPr>
+          <p:cNvPr id="108" name="矩形 107">
+            <a:extLst>
+              <a:ext uri="{FF2B5EF4-FFF2-40B4-BE49-F238E27FC236}">
+                <a16:creationId xmlns:a16="http://schemas.microsoft.com/office/drawing/2014/main" id="{30C75B1C-FF68-49DA-95C0-D9C80B7B142E}"/>
+              </a:ext>
+            </a:extLst>
+          </p:cNvPr>
+          <p:cNvSpPr/>
+          <p:nvPr/>
+        </p:nvSpPr>
+        <p:spPr>
+          <a:xfrm>
+            <a:off x="8558755" y="1830570"/>
+            <a:ext cx="1170013" cy="810009"/>
+          </a:xfrm>
+          <a:prstGeom prst="rect">
+            <a:avLst/>
+          </a:prstGeom>
+        </p:spPr>
+        <p:style>
+          <a:lnRef idx="2">
+            <a:schemeClr val="dk1"/>
+          </a:lnRef>
+          <a:fillRef idx="1">
+            <a:schemeClr val="lt1"/>
+          </a:fillRef>
+          <a:effectRef idx="0">
+            <a:schemeClr val="dk1"/>
+          </a:effectRef>
+          <a:fontRef idx="minor">
+            <a:schemeClr val="dk1"/>
+          </a:fontRef>
+        </p:style>
+        <p:txBody>
+          <a:bodyPr rtlCol="0" anchor="ctr"/>
+          <a:lstStyle/>
+          <a:p>
+            <a:pPr algn="ctr"/>
+            <a:r>
+              <a:rPr lang="zh-CN" altLang="en-US" sz="1200" dirty="0"/>
+              <a:t>超声传感器</a:t>
+            </a:r>
+            <a:endParaRPr lang="en-US" altLang="zh-CN" sz="1200" dirty="0"/>
+          </a:p>
+          <a:p>
+            <a:pPr algn="ctr"/>
+            <a:r>
+              <a:rPr lang="en-US" altLang="zh-CN" sz="1200" dirty="0"/>
+              <a:t>HC-SR04</a:t>
+            </a:r>
+          </a:p>
+        </p:txBody>
+      </p:sp>
+      <p:cxnSp>
+        <p:nvCxnSpPr>
+          <p:cNvPr id="109" name="直接连接符 108">
+            <a:extLst>
+              <a:ext uri="{FF2B5EF4-FFF2-40B4-BE49-F238E27FC236}">
+                <a16:creationId xmlns:a16="http://schemas.microsoft.com/office/drawing/2014/main" id="{CFA31B67-3D55-494F-B676-5A658471EAB1}"/>
+              </a:ext>
+            </a:extLst>
+          </p:cNvPr>
+          <p:cNvCxnSpPr>
+            <a:cxnSpLocks/>
+          </p:cNvCxnSpPr>
+          <p:nvPr/>
+        </p:nvCxnSpPr>
+        <p:spPr>
+          <a:xfrm>
+            <a:off x="9820838" y="6600620"/>
+            <a:ext cx="270003" cy="0"/>
+          </a:xfrm>
+          <a:prstGeom prst="line">
+            <a:avLst/>
+          </a:prstGeom>
+        </p:spPr>
+        <p:style>
+          <a:lnRef idx="1">
+            <a:schemeClr val="dk1"/>
+          </a:lnRef>
+          <a:fillRef idx="0">
+            <a:schemeClr val="dk1"/>
+          </a:fillRef>
+          <a:effectRef idx="0">
+            <a:schemeClr val="dk1"/>
+          </a:effectRef>
+          <a:fontRef idx="minor">
+            <a:schemeClr val="tx1"/>
+          </a:fontRef>
+        </p:style>
+      </p:cxnSp>
+      <p:cxnSp>
+        <p:nvCxnSpPr>
+          <p:cNvPr id="114" name="直接连接符 113">
+            <a:extLst>
+              <a:ext uri="{FF2B5EF4-FFF2-40B4-BE49-F238E27FC236}">
+                <a16:creationId xmlns:a16="http://schemas.microsoft.com/office/drawing/2014/main" id="{F9F83033-34B8-4AA8-9618-021CD77FB0AA}"/>
+              </a:ext>
+            </a:extLst>
+          </p:cNvPr>
+          <p:cNvCxnSpPr>
+            <a:cxnSpLocks/>
+          </p:cNvCxnSpPr>
+          <p:nvPr/>
+        </p:nvCxnSpPr>
+        <p:spPr>
+          <a:xfrm>
+            <a:off x="9820838" y="4802546"/>
+            <a:ext cx="270003" cy="0"/>
+          </a:xfrm>
+          <a:prstGeom prst="line">
+            <a:avLst/>
+          </a:prstGeom>
+        </p:spPr>
+        <p:style>
+          <a:lnRef idx="1">
+            <a:schemeClr val="dk1"/>
+          </a:lnRef>
+          <a:fillRef idx="0">
+            <a:schemeClr val="dk1"/>
+          </a:fillRef>
+          <a:effectRef idx="0">
+            <a:schemeClr val="dk1"/>
+          </a:effectRef>
+          <a:fontRef idx="minor">
+            <a:schemeClr val="tx1"/>
+          </a:fontRef>
+        </p:style>
+      </p:cxnSp>
+      <p:cxnSp>
+        <p:nvCxnSpPr>
+          <p:cNvPr id="115" name="直接连接符 114">
+            <a:extLst>
+              <a:ext uri="{FF2B5EF4-FFF2-40B4-BE49-F238E27FC236}">
+                <a16:creationId xmlns:a16="http://schemas.microsoft.com/office/drawing/2014/main" id="{2D22A4E0-E2C3-4E9E-BC44-F4155CEF6964}"/>
+              </a:ext>
+            </a:extLst>
+          </p:cNvPr>
+          <p:cNvCxnSpPr>
+            <a:cxnSpLocks/>
+          </p:cNvCxnSpPr>
+          <p:nvPr/>
+        </p:nvCxnSpPr>
+        <p:spPr>
+          <a:xfrm>
+            <a:off x="9820838" y="4800600"/>
+            <a:ext cx="0" cy="1800020"/>
+          </a:xfrm>
+          <a:prstGeom prst="line">
+            <a:avLst/>
+          </a:prstGeom>
+        </p:spPr>
+        <p:style>
+          <a:lnRef idx="1">
+            <a:schemeClr val="dk1"/>
+          </a:lnRef>
+          <a:fillRef idx="0">
+            <a:schemeClr val="dk1"/>
+          </a:fillRef>
+          <a:effectRef idx="0">
+            <a:schemeClr val="dk1"/>
+          </a:effectRef>
+          <a:fontRef idx="minor">
+            <a:schemeClr val="tx1"/>
+          </a:fontRef>
+        </p:style>
+      </p:cxnSp>
+      <p:cxnSp>
+        <p:nvCxnSpPr>
+          <p:cNvPr id="123" name="直接连接符 122">
+            <a:extLst>
+              <a:ext uri="{FF2B5EF4-FFF2-40B4-BE49-F238E27FC236}">
+                <a16:creationId xmlns:a16="http://schemas.microsoft.com/office/drawing/2014/main" id="{3ADC27D6-6000-4120-95F3-E427DA05AD15}"/>
+              </a:ext>
+            </a:extLst>
+          </p:cNvPr>
+          <p:cNvCxnSpPr>
+            <a:cxnSpLocks/>
+          </p:cNvCxnSpPr>
+          <p:nvPr/>
+        </p:nvCxnSpPr>
+        <p:spPr>
+          <a:xfrm>
+            <a:off x="9820838" y="4800600"/>
+            <a:ext cx="0" cy="1791326"/>
+          </a:xfrm>
+          <a:prstGeom prst="line">
+            <a:avLst/>
+          </a:prstGeom>
+        </p:spPr>
+        <p:style>
+          <a:lnRef idx="1">
+            <a:schemeClr val="dk1"/>
+          </a:lnRef>
+          <a:fillRef idx="0">
+            <a:schemeClr val="dk1"/>
+          </a:fillRef>
+          <a:effectRef idx="0">
+            <a:schemeClr val="dk1"/>
+          </a:effectRef>
+          <a:fontRef idx="minor">
+            <a:schemeClr val="tx1"/>
+          </a:fontRef>
+        </p:style>
+      </p:cxnSp>
+      <p:cxnSp>
+        <p:nvCxnSpPr>
+          <p:cNvPr id="124" name="直接连接符 123">
+            <a:extLst>
+              <a:ext uri="{FF2B5EF4-FFF2-40B4-BE49-F238E27FC236}">
+                <a16:creationId xmlns:a16="http://schemas.microsoft.com/office/drawing/2014/main" id="{99988486-EFA3-4F18-AE9F-03FC6CE7900E}"/>
+              </a:ext>
+            </a:extLst>
+          </p:cNvPr>
+          <p:cNvCxnSpPr>
+            <a:cxnSpLocks/>
+          </p:cNvCxnSpPr>
+          <p:nvPr/>
+        </p:nvCxnSpPr>
+        <p:spPr>
+          <a:xfrm>
+            <a:off x="9910839" y="4890993"/>
+            <a:ext cx="183667" cy="0"/>
+          </a:xfrm>
+          <a:prstGeom prst="line">
+            <a:avLst/>
+          </a:prstGeom>
+        </p:spPr>
+        <p:style>
+          <a:lnRef idx="1">
+            <a:schemeClr val="dk1"/>
+          </a:lnRef>
+          <a:fillRef idx="0">
+            <a:schemeClr val="dk1"/>
+          </a:fillRef>
+          <a:effectRef idx="0">
+            <a:schemeClr val="dk1"/>
+          </a:effectRef>
+          <a:fontRef idx="minor">
+            <a:schemeClr val="tx1"/>
+          </a:fontRef>
+        </p:style>
+      </p:cxnSp>
+      <p:cxnSp>
+        <p:nvCxnSpPr>
+          <p:cNvPr id="128" name="直接连接符 127">
+            <a:extLst>
+              <a:ext uri="{FF2B5EF4-FFF2-40B4-BE49-F238E27FC236}">
+                <a16:creationId xmlns:a16="http://schemas.microsoft.com/office/drawing/2014/main" id="{1629AA9E-31C1-4DFB-BE32-0259B2C660CE}"/>
+              </a:ext>
+            </a:extLst>
+          </p:cNvPr>
+          <p:cNvCxnSpPr>
+            <a:cxnSpLocks/>
+          </p:cNvCxnSpPr>
+          <p:nvPr/>
+        </p:nvCxnSpPr>
+        <p:spPr>
+          <a:xfrm>
+            <a:off x="9910839" y="6690621"/>
+            <a:ext cx="180002" cy="0"/>
+          </a:xfrm>
+          <a:prstGeom prst="line">
+            <a:avLst/>
+          </a:prstGeom>
+        </p:spPr>
+        <p:style>
+          <a:lnRef idx="1">
+            <a:schemeClr val="dk1"/>
+          </a:lnRef>
+          <a:fillRef idx="0">
+            <a:schemeClr val="dk1"/>
+          </a:fillRef>
+          <a:effectRef idx="0">
+            <a:schemeClr val="dk1"/>
+          </a:effectRef>
+          <a:fontRef idx="minor">
+            <a:schemeClr val="tx1"/>
+          </a:fontRef>
+        </p:style>
+      </p:cxnSp>
+      <p:cxnSp>
+        <p:nvCxnSpPr>
+          <p:cNvPr id="129" name="直接连接符 128">
+            <a:extLst>
+              <a:ext uri="{FF2B5EF4-FFF2-40B4-BE49-F238E27FC236}">
+                <a16:creationId xmlns:a16="http://schemas.microsoft.com/office/drawing/2014/main" id="{1166E97A-55DE-494C-A218-FF13984A9D4E}"/>
+              </a:ext>
+            </a:extLst>
+          </p:cNvPr>
+          <p:cNvCxnSpPr>
+            <a:cxnSpLocks/>
+          </p:cNvCxnSpPr>
+          <p:nvPr/>
+        </p:nvCxnSpPr>
+        <p:spPr>
+          <a:xfrm>
+            <a:off x="9910839" y="4889047"/>
+            <a:ext cx="0" cy="1801574"/>
+          </a:xfrm>
+          <a:prstGeom prst="line">
+            <a:avLst/>
+          </a:prstGeom>
+        </p:spPr>
+        <p:style>
+          <a:lnRef idx="1">
+            <a:schemeClr val="dk1"/>
+          </a:lnRef>
+          <a:fillRef idx="0">
+            <a:schemeClr val="dk1"/>
+          </a:fillRef>
+          <a:effectRef idx="0">
+            <a:schemeClr val="dk1"/>
+          </a:effectRef>
+          <a:fontRef idx="minor">
+            <a:schemeClr val="tx1"/>
+          </a:fontRef>
+        </p:style>
+      </p:cxnSp>
+      <p:cxnSp>
+        <p:nvCxnSpPr>
+          <p:cNvPr id="140" name="直接连接符 139">
+            <a:extLst>
+              <a:ext uri="{FF2B5EF4-FFF2-40B4-BE49-F238E27FC236}">
+                <a16:creationId xmlns:a16="http://schemas.microsoft.com/office/drawing/2014/main" id="{B947315D-B2EB-424A-9880-8E4A5E161CA0}"/>
+              </a:ext>
+            </a:extLst>
+          </p:cNvPr>
+          <p:cNvCxnSpPr>
+            <a:cxnSpLocks/>
+          </p:cNvCxnSpPr>
+          <p:nvPr/>
+        </p:nvCxnSpPr>
+        <p:spPr>
+          <a:xfrm>
+            <a:off x="9010829" y="6510619"/>
+            <a:ext cx="1080012" cy="0"/>
+          </a:xfrm>
+          <a:prstGeom prst="line">
+            <a:avLst/>
+          </a:prstGeom>
+          <a:ln>
+            <a:solidFill>
+              <a:srgbClr val="FF0000"/>
+            </a:solidFill>
+          </a:ln>
+        </p:spPr>
+        <p:style>
+          <a:lnRef idx="1">
+            <a:schemeClr val="dk1"/>
+          </a:lnRef>
+          <a:fillRef idx="0">
+            <a:schemeClr val="dk1"/>
+          </a:fillRef>
+          <a:effectRef idx="0">
+            <a:schemeClr val="dk1"/>
+          </a:effectRef>
+          <a:fontRef idx="minor">
+            <a:schemeClr val="tx1"/>
+          </a:fontRef>
+        </p:style>
+      </p:cxnSp>
+      <p:cxnSp>
+        <p:nvCxnSpPr>
+          <p:cNvPr id="142" name="直接连接符 141">
+            <a:extLst>
+              <a:ext uri="{FF2B5EF4-FFF2-40B4-BE49-F238E27FC236}">
+                <a16:creationId xmlns:a16="http://schemas.microsoft.com/office/drawing/2014/main" id="{B7CB3E0E-7487-46D2-A5F8-D7965AAB6295}"/>
+              </a:ext>
+            </a:extLst>
+          </p:cNvPr>
+          <p:cNvCxnSpPr>
+            <a:cxnSpLocks/>
+          </p:cNvCxnSpPr>
+          <p:nvPr/>
+        </p:nvCxnSpPr>
+        <p:spPr>
+          <a:xfrm flipH="1">
+            <a:off x="9280597" y="6780611"/>
+            <a:ext cx="810245" cy="11"/>
+          </a:xfrm>
+          <a:prstGeom prst="line">
+            <a:avLst/>
+          </a:prstGeom>
+          <a:ln>
+            <a:solidFill>
+              <a:srgbClr val="FF0000"/>
+            </a:solidFill>
+          </a:ln>
+        </p:spPr>
+        <p:style>
+          <a:lnRef idx="1">
+            <a:schemeClr val="dk1"/>
+          </a:lnRef>
+          <a:fillRef idx="0">
+            <a:schemeClr val="dk1"/>
+          </a:fillRef>
+          <a:effectRef idx="0">
+            <a:schemeClr val="dk1"/>
+          </a:effectRef>
+          <a:fontRef idx="minor">
+            <a:schemeClr val="tx1"/>
+          </a:fontRef>
+        </p:style>
+      </p:cxnSp>
+      <p:cxnSp>
+        <p:nvCxnSpPr>
+          <p:cNvPr id="162" name="直接连接符 161">
+            <a:extLst>
+              <a:ext uri="{FF2B5EF4-FFF2-40B4-BE49-F238E27FC236}">
+                <a16:creationId xmlns:a16="http://schemas.microsoft.com/office/drawing/2014/main" id="{D9B30CBA-C2CF-42E1-A212-5249A424A9E3}"/>
+              </a:ext>
+            </a:extLst>
+          </p:cNvPr>
+          <p:cNvCxnSpPr>
+            <a:cxnSpLocks/>
+          </p:cNvCxnSpPr>
+          <p:nvPr/>
+        </p:nvCxnSpPr>
+        <p:spPr>
+          <a:xfrm flipV="1">
+            <a:off x="9010594" y="2640578"/>
+            <a:ext cx="0" cy="4590051"/>
+          </a:xfrm>
+          <a:prstGeom prst="line">
+            <a:avLst/>
+          </a:prstGeom>
+          <a:ln>
+            <a:solidFill>
+              <a:srgbClr val="FF0000"/>
+            </a:solidFill>
+          </a:ln>
+        </p:spPr>
+        <p:style>
+          <a:lnRef idx="1">
+            <a:schemeClr val="dk1"/>
+          </a:lnRef>
+          <a:fillRef idx="0">
+            <a:schemeClr val="dk1"/>
+          </a:fillRef>
+          <a:effectRef idx="0">
+            <a:schemeClr val="dk1"/>
+          </a:effectRef>
+          <a:fontRef idx="minor">
+            <a:schemeClr val="tx1"/>
+          </a:fontRef>
+        </p:style>
+      </p:cxnSp>
+      <p:cxnSp>
+        <p:nvCxnSpPr>
+          <p:cNvPr id="164" name="直接连接符 163">
+            <a:extLst>
+              <a:ext uri="{FF2B5EF4-FFF2-40B4-BE49-F238E27FC236}">
+                <a16:creationId xmlns:a16="http://schemas.microsoft.com/office/drawing/2014/main" id="{0BAD419B-4C0E-45B1-B68C-0630532FC7D4}"/>
+              </a:ext>
+            </a:extLst>
+          </p:cNvPr>
+          <p:cNvCxnSpPr>
+            <a:cxnSpLocks/>
+          </p:cNvCxnSpPr>
+          <p:nvPr/>
+        </p:nvCxnSpPr>
+        <p:spPr>
+          <a:xfrm flipH="1" flipV="1">
+            <a:off x="9280597" y="2640578"/>
+            <a:ext cx="1" cy="4680048"/>
+          </a:xfrm>
+          <a:prstGeom prst="line">
+            <a:avLst/>
+          </a:prstGeom>
+          <a:ln>
+            <a:solidFill>
+              <a:srgbClr val="FF0000"/>
+            </a:solidFill>
+          </a:ln>
+        </p:spPr>
+        <p:style>
+          <a:lnRef idx="1">
+            <a:schemeClr val="dk1"/>
+          </a:lnRef>
+          <a:fillRef idx="0">
+            <a:schemeClr val="dk1"/>
+          </a:fillRef>
+          <a:effectRef idx="0">
+            <a:schemeClr val="dk1"/>
+          </a:effectRef>
+          <a:fontRef idx="minor">
+            <a:schemeClr val="tx1"/>
+          </a:fontRef>
+        </p:style>
+      </p:cxnSp>
+      <p:cxnSp>
+        <p:nvCxnSpPr>
+          <p:cNvPr id="174" name="直接连接符 173">
+            <a:extLst>
+              <a:ext uri="{FF2B5EF4-FFF2-40B4-BE49-F238E27FC236}">
+                <a16:creationId xmlns:a16="http://schemas.microsoft.com/office/drawing/2014/main" id="{5C0493AE-43FE-418E-85EC-2723B754F244}"/>
+              </a:ext>
+            </a:extLst>
+          </p:cNvPr>
+          <p:cNvCxnSpPr>
+            <a:cxnSpLocks/>
+          </p:cNvCxnSpPr>
+          <p:nvPr/>
+        </p:nvCxnSpPr>
+        <p:spPr>
+          <a:xfrm>
+            <a:off x="9100595" y="2640578"/>
+            <a:ext cx="0" cy="1619998"/>
+          </a:xfrm>
+          <a:prstGeom prst="line">
+            <a:avLst/>
+          </a:prstGeom>
+        </p:spPr>
+        <p:style>
+          <a:lnRef idx="1">
+            <a:schemeClr val="dk1"/>
+          </a:lnRef>
+          <a:fillRef idx="0">
+            <a:schemeClr val="dk1"/>
+          </a:fillRef>
+          <a:effectRef idx="0">
+            <a:schemeClr val="dk1"/>
+          </a:effectRef>
+          <a:fontRef idx="minor">
+            <a:schemeClr val="tx1"/>
+          </a:fontRef>
+        </p:style>
+      </p:cxnSp>
+      <p:cxnSp>
+        <p:nvCxnSpPr>
+          <p:cNvPr id="177" name="直接连接符 176">
+            <a:extLst>
+              <a:ext uri="{FF2B5EF4-FFF2-40B4-BE49-F238E27FC236}">
+                <a16:creationId xmlns:a16="http://schemas.microsoft.com/office/drawing/2014/main" id="{919F2785-8B24-4516-B097-B845E1586A87}"/>
+              </a:ext>
+            </a:extLst>
+          </p:cNvPr>
+          <p:cNvCxnSpPr>
+            <a:cxnSpLocks/>
+          </p:cNvCxnSpPr>
+          <p:nvPr/>
+        </p:nvCxnSpPr>
+        <p:spPr>
+          <a:xfrm>
+            <a:off x="9190596" y="2640578"/>
+            <a:ext cx="0" cy="1529217"/>
+          </a:xfrm>
+          <a:prstGeom prst="line">
+            <a:avLst/>
+          </a:prstGeom>
+        </p:spPr>
+        <p:style>
+          <a:lnRef idx="1">
+            <a:schemeClr val="dk1"/>
+          </a:lnRef>
+          <a:fillRef idx="0">
+            <a:schemeClr val="dk1"/>
+          </a:fillRef>
+          <a:effectRef idx="0">
+            <a:schemeClr val="dk1"/>
+          </a:effectRef>
+          <a:fontRef idx="minor">
+            <a:schemeClr val="tx1"/>
+          </a:fontRef>
+        </p:style>
+      </p:cxnSp>
+      <p:cxnSp>
+        <p:nvCxnSpPr>
+          <p:cNvPr id="117" name="直接连接符 116">
+            <a:extLst>
+              <a:ext uri="{FF2B5EF4-FFF2-40B4-BE49-F238E27FC236}">
+                <a16:creationId xmlns:a16="http://schemas.microsoft.com/office/drawing/2014/main" id="{0530B027-EC03-4F2B-858E-D5981E359818}"/>
+              </a:ext>
+            </a:extLst>
+          </p:cNvPr>
+          <p:cNvCxnSpPr>
+            <a:cxnSpLocks/>
+          </p:cNvCxnSpPr>
+          <p:nvPr/>
+        </p:nvCxnSpPr>
+        <p:spPr>
+          <a:xfrm>
+            <a:off x="9190596" y="4169793"/>
+            <a:ext cx="900245" cy="0"/>
+          </a:xfrm>
+          <a:prstGeom prst="line">
+            <a:avLst/>
+          </a:prstGeom>
+        </p:spPr>
+        <p:style>
+          <a:lnRef idx="1">
+            <a:schemeClr val="dk1"/>
+          </a:lnRef>
+          <a:fillRef idx="0">
+            <a:schemeClr val="dk1"/>
+          </a:fillRef>
+          <a:effectRef idx="0">
+            <a:schemeClr val="dk1"/>
+          </a:effectRef>
+          <a:fontRef idx="minor">
+            <a:schemeClr val="tx1"/>
+          </a:fontRef>
+        </p:style>
+      </p:cxnSp>
+      <p:cxnSp>
+        <p:nvCxnSpPr>
+          <p:cNvPr id="122" name="直接连接符 121">
+            <a:extLst>
+              <a:ext uri="{FF2B5EF4-FFF2-40B4-BE49-F238E27FC236}">
+                <a16:creationId xmlns:a16="http://schemas.microsoft.com/office/drawing/2014/main" id="{3736B878-E3CC-4367-8C07-61258527E0F3}"/>
+              </a:ext>
+            </a:extLst>
+          </p:cNvPr>
+          <p:cNvCxnSpPr>
+            <a:cxnSpLocks/>
+          </p:cNvCxnSpPr>
+          <p:nvPr/>
+        </p:nvCxnSpPr>
+        <p:spPr>
+          <a:xfrm>
+            <a:off x="9100595" y="4260594"/>
+            <a:ext cx="986558" cy="0"/>
+          </a:xfrm>
+          <a:prstGeom prst="line">
+            <a:avLst/>
+          </a:prstGeom>
+        </p:spPr>
+        <p:style>
+          <a:lnRef idx="1">
+            <a:schemeClr val="dk1"/>
+          </a:lnRef>
+          <a:fillRef idx="0">
+            <a:schemeClr val="dk1"/>
+          </a:fillRef>
+          <a:effectRef idx="0">
+            <a:schemeClr val="dk1"/>
+          </a:effectRef>
+          <a:fontRef idx="minor">
+            <a:schemeClr val="tx1"/>
+          </a:fontRef>
+        </p:style>
+      </p:cxnSp>
+      <p:sp>
+        <p:nvSpPr>
+          <p:cNvPr id="130" name="文本框 129">
+            <a:extLst>
+              <a:ext uri="{FF2B5EF4-FFF2-40B4-BE49-F238E27FC236}">
+                <a16:creationId xmlns:a16="http://schemas.microsoft.com/office/drawing/2014/main" id="{2BA235B4-450D-4490-AC56-ECD6F1D1E90C}"/>
+              </a:ext>
+            </a:extLst>
+          </p:cNvPr>
+          <p:cNvSpPr txBox="1"/>
+          <p:nvPr/>
+        </p:nvSpPr>
+        <p:spPr>
+          <a:xfrm rot="16200000">
+            <a:off x="6264683" y="7572126"/>
+            <a:ext cx="450009" cy="215444"/>
+          </a:xfrm>
+          <a:prstGeom prst="rect">
+            <a:avLst/>
+          </a:prstGeom>
+          <a:noFill/>
+        </p:spPr>
+        <p:txBody>
+          <a:bodyPr wrap="square" rtlCol="0">
+            <a:spAutoFit/>
+          </a:bodyPr>
+          <a:lstStyle/>
+          <a:p>
+            <a:pPr algn="r"/>
+            <a:r>
+              <a:rPr lang="en-US" altLang="zh-CN" sz="800" dirty="0">
+                <a:solidFill>
+                  <a:srgbClr val="FF0000"/>
+                </a:solidFill>
+              </a:rPr>
+              <a:t>3V3</a:t>
+            </a:r>
+            <a:endParaRPr lang="zh-CN" altLang="en-US" sz="800" dirty="0">
+              <a:solidFill>
+                <a:srgbClr val="FF0000"/>
+              </a:solidFill>
+            </a:endParaRPr>
+          </a:p>
+        </p:txBody>
+      </p:sp>
+      <p:sp>
+        <p:nvSpPr>
+          <p:cNvPr id="131" name="文本框 130">
+            <a:extLst>
+              <a:ext uri="{FF2B5EF4-FFF2-40B4-BE49-F238E27FC236}">
+                <a16:creationId xmlns:a16="http://schemas.microsoft.com/office/drawing/2014/main" id="{2D3971B5-D504-40F1-ADB4-5D63B6C263C8}"/>
+              </a:ext>
+            </a:extLst>
+          </p:cNvPr>
+          <p:cNvSpPr txBox="1"/>
+          <p:nvPr/>
+        </p:nvSpPr>
+        <p:spPr>
+          <a:xfrm rot="16200000">
+            <a:off x="6067812" y="7586705"/>
+            <a:ext cx="481198" cy="215444"/>
+          </a:xfrm>
+          <a:prstGeom prst="rect">
+            <a:avLst/>
+          </a:prstGeom>
+          <a:noFill/>
+        </p:spPr>
+        <p:txBody>
+          <a:bodyPr wrap="square" rtlCol="0">
+            <a:spAutoFit/>
+          </a:bodyPr>
+          <a:lstStyle/>
+          <a:p>
+            <a:pPr algn="r"/>
+            <a:r>
+              <a:rPr lang="en-US" altLang="zh-CN" sz="800" dirty="0">
+                <a:solidFill>
+                  <a:srgbClr val="FF0000"/>
+                </a:solidFill>
+              </a:rPr>
+              <a:t>GND</a:t>
+            </a:r>
+            <a:endParaRPr lang="zh-CN" altLang="en-US" sz="800" dirty="0">
+              <a:solidFill>
+                <a:srgbClr val="FF0000"/>
+              </a:solidFill>
+            </a:endParaRPr>
+          </a:p>
+        </p:txBody>
+      </p:sp>
+      <p:sp>
+        <p:nvSpPr>
+          <p:cNvPr id="132" name="文本框 131">
+            <a:extLst>
+              <a:ext uri="{FF2B5EF4-FFF2-40B4-BE49-F238E27FC236}">
+                <a16:creationId xmlns:a16="http://schemas.microsoft.com/office/drawing/2014/main" id="{617EFAF5-914A-4C63-8A32-EB0754DB5BF4}"/>
+              </a:ext>
+            </a:extLst>
+          </p:cNvPr>
+          <p:cNvSpPr txBox="1"/>
+          <p:nvPr/>
+        </p:nvSpPr>
+        <p:spPr>
+          <a:xfrm rot="16200000">
+            <a:off x="5437805" y="7586821"/>
+            <a:ext cx="481198" cy="215444"/>
+          </a:xfrm>
+          <a:prstGeom prst="rect">
+            <a:avLst/>
+          </a:prstGeom>
+          <a:noFill/>
+        </p:spPr>
+        <p:txBody>
+          <a:bodyPr wrap="square" rtlCol="0">
+            <a:spAutoFit/>
+          </a:bodyPr>
+          <a:lstStyle/>
+          <a:p>
+            <a:pPr algn="r"/>
+            <a:r>
+              <a:rPr lang="en-US" altLang="zh-CN" sz="800" dirty="0">
+                <a:solidFill>
+                  <a:srgbClr val="FF0000"/>
+                </a:solidFill>
+              </a:rPr>
+              <a:t>GND</a:t>
+            </a:r>
+            <a:endParaRPr lang="zh-CN" altLang="en-US" sz="800" dirty="0">
+              <a:solidFill>
+                <a:srgbClr val="FF0000"/>
+              </a:solidFill>
+            </a:endParaRPr>
+          </a:p>
+        </p:txBody>
+      </p:sp>
+      <p:sp>
+        <p:nvSpPr>
+          <p:cNvPr id="134" name="文本框 133">
+            <a:extLst>
+              <a:ext uri="{FF2B5EF4-FFF2-40B4-BE49-F238E27FC236}">
+                <a16:creationId xmlns:a16="http://schemas.microsoft.com/office/drawing/2014/main" id="{1B892E13-75E0-4093-B086-EA01E1301D9E}"/>
+              </a:ext>
+            </a:extLst>
+          </p:cNvPr>
+          <p:cNvSpPr txBox="1"/>
+          <p:nvPr/>
+        </p:nvSpPr>
+        <p:spPr>
+          <a:xfrm rot="16200000">
+            <a:off x="5632287" y="7572126"/>
+            <a:ext cx="450009" cy="215444"/>
+          </a:xfrm>
+          <a:prstGeom prst="rect">
+            <a:avLst/>
+          </a:prstGeom>
+          <a:noFill/>
+        </p:spPr>
+        <p:txBody>
+          <a:bodyPr wrap="square" rtlCol="0">
+            <a:spAutoFit/>
+          </a:bodyPr>
+          <a:lstStyle/>
+          <a:p>
+            <a:pPr algn="r"/>
+            <a:r>
+              <a:rPr lang="en-US" altLang="zh-CN" sz="800" dirty="0">
+                <a:solidFill>
+                  <a:srgbClr val="FF0000"/>
+                </a:solidFill>
+              </a:rPr>
+              <a:t>5V</a:t>
+            </a:r>
+            <a:endParaRPr lang="zh-CN" altLang="en-US" sz="800" dirty="0">
+              <a:solidFill>
+                <a:srgbClr val="FF0000"/>
+              </a:solidFill>
+            </a:endParaRPr>
+          </a:p>
+        </p:txBody>
+      </p:sp>
+      <p:sp>
+        <p:nvSpPr>
+          <p:cNvPr id="135" name="文本框 134">
+            <a:extLst>
+              <a:ext uri="{FF2B5EF4-FFF2-40B4-BE49-F238E27FC236}">
+                <a16:creationId xmlns:a16="http://schemas.microsoft.com/office/drawing/2014/main" id="{E73C4828-9AF1-4334-81E1-A1B08E5A8A2F}"/>
+              </a:ext>
+            </a:extLst>
+          </p:cNvPr>
+          <p:cNvSpPr txBox="1"/>
+          <p:nvPr/>
+        </p:nvSpPr>
+        <p:spPr>
+          <a:xfrm rot="16200000">
+            <a:off x="5710150" y="8754373"/>
+            <a:ext cx="481198" cy="215444"/>
+          </a:xfrm>
+          <a:prstGeom prst="rect">
+            <a:avLst/>
+          </a:prstGeom>
+          <a:noFill/>
+        </p:spPr>
+        <p:txBody>
+          <a:bodyPr wrap="square" rtlCol="0">
+            <a:spAutoFit/>
+          </a:bodyPr>
+          <a:lstStyle/>
+          <a:p>
+            <a:pPr algn="r"/>
+            <a:r>
+              <a:rPr lang="zh-CN" altLang="en-US" sz="800" dirty="0">
+                <a:solidFill>
+                  <a:srgbClr val="FF0000"/>
+                </a:solidFill>
+              </a:rPr>
+              <a:t>－</a:t>
+            </a:r>
+          </a:p>
+        </p:txBody>
+      </p:sp>
+      <p:sp>
+        <p:nvSpPr>
+          <p:cNvPr id="137" name="文本框 136">
+            <a:extLst>
+              <a:ext uri="{FF2B5EF4-FFF2-40B4-BE49-F238E27FC236}">
+                <a16:creationId xmlns:a16="http://schemas.microsoft.com/office/drawing/2014/main" id="{24CE6F36-1E8C-42BE-8512-ECF99BE6152A}"/>
+              </a:ext>
+            </a:extLst>
+          </p:cNvPr>
+          <p:cNvSpPr txBox="1"/>
+          <p:nvPr/>
+        </p:nvSpPr>
+        <p:spPr>
+          <a:xfrm rot="16200000">
+            <a:off x="5890127" y="8754373"/>
+            <a:ext cx="481198" cy="215444"/>
+          </a:xfrm>
+          <a:prstGeom prst="rect">
+            <a:avLst/>
+          </a:prstGeom>
+          <a:noFill/>
+        </p:spPr>
+        <p:txBody>
+          <a:bodyPr wrap="square" rtlCol="0">
+            <a:spAutoFit/>
+          </a:bodyPr>
+          <a:lstStyle/>
+          <a:p>
+            <a:pPr algn="r"/>
+            <a:r>
+              <a:rPr lang="zh-CN" altLang="en-US" sz="800" dirty="0">
+                <a:solidFill>
+                  <a:srgbClr val="FF0000"/>
+                </a:solidFill>
+              </a:rPr>
+              <a:t>＋</a:t>
             </a:r>
           </a:p>
         </p:txBody>

--- a/doc/ElectricalSchematic.pptx
+++ b/doc/ElectricalSchematic.pptx
@@ -3533,6 +3533,49 @@
           <a:prstGeom prst="line">
             <a:avLst/>
           </a:prstGeom>
+          <a:ln w="12700">
+            <a:solidFill>
+              <a:srgbClr val="FF0000"/>
+            </a:solidFill>
+          </a:ln>
+        </p:spPr>
+        <p:style>
+          <a:lnRef idx="1">
+            <a:schemeClr val="dk1"/>
+          </a:lnRef>
+          <a:fillRef idx="0">
+            <a:schemeClr val="dk1"/>
+          </a:fillRef>
+          <a:effectRef idx="0">
+            <a:schemeClr val="dk1"/>
+          </a:effectRef>
+          <a:fontRef idx="minor">
+            <a:schemeClr val="tx1"/>
+          </a:fontRef>
+        </p:style>
+      </p:cxnSp>
+      <p:cxnSp>
+        <p:nvCxnSpPr>
+          <p:cNvPr id="49" name="直接连接符 48">
+            <a:extLst>
+              <a:ext uri="{FF2B5EF4-FFF2-40B4-BE49-F238E27FC236}">
+                <a16:creationId xmlns:a16="http://schemas.microsoft.com/office/drawing/2014/main" id="{38043B96-FD6B-42F4-91A0-D37C0248245F}"/>
+              </a:ext>
+            </a:extLst>
+          </p:cNvPr>
+          <p:cNvCxnSpPr>
+            <a:cxnSpLocks/>
+          </p:cNvCxnSpPr>
+          <p:nvPr/>
+        </p:nvCxnSpPr>
+        <p:spPr>
+          <a:xfrm flipH="1">
+            <a:off x="4510779" y="8489077"/>
+            <a:ext cx="1439970" cy="1564"/>
+          </a:xfrm>
+          <a:prstGeom prst="line">
+            <a:avLst/>
+          </a:prstGeom>
           <a:ln>
             <a:solidFill>
               <a:srgbClr val="FF0000"/>
@@ -3556,10 +3599,10 @@
       </p:cxnSp>
       <p:cxnSp>
         <p:nvCxnSpPr>
-          <p:cNvPr id="49" name="直接连接符 48">
-            <a:extLst>
-              <a:ext uri="{FF2B5EF4-FFF2-40B4-BE49-F238E27FC236}">
-                <a16:creationId xmlns:a16="http://schemas.microsoft.com/office/drawing/2014/main" id="{38043B96-FD6B-42F4-91A0-D37C0248245F}"/>
+          <p:cNvPr id="50" name="直接连接符 49">
+            <a:extLst>
+              <a:ext uri="{FF2B5EF4-FFF2-40B4-BE49-F238E27FC236}">
+                <a16:creationId xmlns:a16="http://schemas.microsoft.com/office/drawing/2014/main" id="{94587ED4-8026-4403-B94F-C6CF0E06939C}"/>
               </a:ext>
             </a:extLst>
           </p:cNvPr>
@@ -3570,8 +3613,51 @@
         </p:nvCxnSpPr>
         <p:spPr>
           <a:xfrm flipH="1">
-            <a:off x="4510779" y="8489077"/>
-            <a:ext cx="1439970" cy="1564"/>
+            <a:off x="4690781" y="8398585"/>
+            <a:ext cx="1439945" cy="3860"/>
+          </a:xfrm>
+          <a:prstGeom prst="line">
+            <a:avLst/>
+          </a:prstGeom>
+          <a:ln w="12700">
+            <a:solidFill>
+              <a:srgbClr val="FF0000"/>
+            </a:solidFill>
+          </a:ln>
+        </p:spPr>
+        <p:style>
+          <a:lnRef idx="1">
+            <a:schemeClr val="dk1"/>
+          </a:lnRef>
+          <a:fillRef idx="0">
+            <a:schemeClr val="dk1"/>
+          </a:fillRef>
+          <a:effectRef idx="0">
+            <a:schemeClr val="dk1"/>
+          </a:effectRef>
+          <a:fontRef idx="minor">
+            <a:schemeClr val="tx1"/>
+          </a:fontRef>
+        </p:style>
+      </p:cxnSp>
+      <p:cxnSp>
+        <p:nvCxnSpPr>
+          <p:cNvPr id="63" name="直接连接符 62">
+            <a:extLst>
+              <a:ext uri="{FF2B5EF4-FFF2-40B4-BE49-F238E27FC236}">
+                <a16:creationId xmlns:a16="http://schemas.microsoft.com/office/drawing/2014/main" id="{0CD6F874-1CA8-4D04-9E74-4DE924C958BD}"/>
+              </a:ext>
+            </a:extLst>
+          </p:cNvPr>
+          <p:cNvCxnSpPr>
+            <a:cxnSpLocks/>
+          </p:cNvCxnSpPr>
+          <p:nvPr/>
+        </p:nvCxnSpPr>
+        <p:spPr>
+          <a:xfrm flipV="1">
+            <a:off x="4508389" y="3902144"/>
+            <a:ext cx="3667" cy="4586933"/>
           </a:xfrm>
           <a:prstGeom prst="line">
             <a:avLst/>
@@ -3599,22 +3685,22 @@
       </p:cxnSp>
       <p:cxnSp>
         <p:nvCxnSpPr>
-          <p:cNvPr id="50" name="直接连接符 49">
-            <a:extLst>
-              <a:ext uri="{FF2B5EF4-FFF2-40B4-BE49-F238E27FC236}">
-                <a16:creationId xmlns:a16="http://schemas.microsoft.com/office/drawing/2014/main" id="{94587ED4-8026-4403-B94F-C6CF0E06939C}"/>
-              </a:ext>
-            </a:extLst>
-          </p:cNvPr>
-          <p:cNvCxnSpPr>
-            <a:cxnSpLocks/>
-          </p:cNvCxnSpPr>
-          <p:nvPr/>
-        </p:nvCxnSpPr>
-        <p:spPr>
-          <a:xfrm flipH="1">
-            <a:off x="4690781" y="8398585"/>
-            <a:ext cx="1439945" cy="3860"/>
+          <p:cNvPr id="67" name="直接连接符 66">
+            <a:extLst>
+              <a:ext uri="{FF2B5EF4-FFF2-40B4-BE49-F238E27FC236}">
+                <a16:creationId xmlns:a16="http://schemas.microsoft.com/office/drawing/2014/main" id="{781FEF83-091B-4A81-830B-33509ECFA2A8}"/>
+              </a:ext>
+            </a:extLst>
+          </p:cNvPr>
+          <p:cNvCxnSpPr>
+            <a:cxnSpLocks/>
+          </p:cNvCxnSpPr>
+          <p:nvPr/>
+        </p:nvCxnSpPr>
+        <p:spPr>
+          <a:xfrm>
+            <a:off x="4060774" y="3900590"/>
+            <a:ext cx="451279" cy="0"/>
           </a:xfrm>
           <a:prstGeom prst="line">
             <a:avLst/>
@@ -3642,22 +3728,22 @@
       </p:cxnSp>
       <p:cxnSp>
         <p:nvCxnSpPr>
-          <p:cNvPr id="63" name="直接连接符 62">
-            <a:extLst>
-              <a:ext uri="{FF2B5EF4-FFF2-40B4-BE49-F238E27FC236}">
-                <a16:creationId xmlns:a16="http://schemas.microsoft.com/office/drawing/2014/main" id="{0CD6F874-1CA8-4D04-9E74-4DE924C958BD}"/>
-              </a:ext>
-            </a:extLst>
-          </p:cNvPr>
-          <p:cNvCxnSpPr>
-            <a:cxnSpLocks/>
-          </p:cNvCxnSpPr>
-          <p:nvPr/>
-        </p:nvCxnSpPr>
-        <p:spPr>
-          <a:xfrm flipV="1">
-            <a:off x="4508389" y="3902144"/>
-            <a:ext cx="3667" cy="4586933"/>
+          <p:cNvPr id="77" name="直接连接符 76">
+            <a:extLst>
+              <a:ext uri="{FF2B5EF4-FFF2-40B4-BE49-F238E27FC236}">
+                <a16:creationId xmlns:a16="http://schemas.microsoft.com/office/drawing/2014/main" id="{8D311C3C-8143-4C0E-BB32-02078CB6F8AD}"/>
+              </a:ext>
+            </a:extLst>
+          </p:cNvPr>
+          <p:cNvCxnSpPr>
+            <a:cxnSpLocks/>
+          </p:cNvCxnSpPr>
+          <p:nvPr/>
+        </p:nvCxnSpPr>
+        <p:spPr>
+          <a:xfrm>
+            <a:off x="4060774" y="5610609"/>
+            <a:ext cx="451279" cy="0"/>
           </a:xfrm>
           <a:prstGeom prst="line">
             <a:avLst/>
@@ -3685,22 +3771,108 @@
       </p:cxnSp>
       <p:cxnSp>
         <p:nvCxnSpPr>
-          <p:cNvPr id="67" name="直接连接符 66">
-            <a:extLst>
-              <a:ext uri="{FF2B5EF4-FFF2-40B4-BE49-F238E27FC236}">
-                <a16:creationId xmlns:a16="http://schemas.microsoft.com/office/drawing/2014/main" id="{781FEF83-091B-4A81-830B-33509ECFA2A8}"/>
-              </a:ext>
-            </a:extLst>
-          </p:cNvPr>
-          <p:cNvCxnSpPr>
-            <a:cxnSpLocks/>
-          </p:cNvCxnSpPr>
-          <p:nvPr/>
-        </p:nvCxnSpPr>
-        <p:spPr>
-          <a:xfrm>
-            <a:off x="4060774" y="3900590"/>
-            <a:ext cx="451279" cy="0"/>
+          <p:cNvPr id="78" name="直接连接符 77">
+            <a:extLst>
+              <a:ext uri="{FF2B5EF4-FFF2-40B4-BE49-F238E27FC236}">
+                <a16:creationId xmlns:a16="http://schemas.microsoft.com/office/drawing/2014/main" id="{B1A32146-C002-43A4-AC8C-31DDDA520671}"/>
+              </a:ext>
+            </a:extLst>
+          </p:cNvPr>
+          <p:cNvCxnSpPr>
+            <a:cxnSpLocks/>
+          </p:cNvCxnSpPr>
+          <p:nvPr/>
+        </p:nvCxnSpPr>
+        <p:spPr>
+          <a:xfrm flipV="1">
+            <a:off x="4692103" y="3990593"/>
+            <a:ext cx="0" cy="4407992"/>
+          </a:xfrm>
+          <a:prstGeom prst="line">
+            <a:avLst/>
+          </a:prstGeom>
+          <a:ln w="12700">
+            <a:solidFill>
+              <a:srgbClr val="FF0000"/>
+            </a:solidFill>
+          </a:ln>
+        </p:spPr>
+        <p:style>
+          <a:lnRef idx="1">
+            <a:schemeClr val="dk1"/>
+          </a:lnRef>
+          <a:fillRef idx="0">
+            <a:schemeClr val="dk1"/>
+          </a:fillRef>
+          <a:effectRef idx="0">
+            <a:schemeClr val="dk1"/>
+          </a:effectRef>
+          <a:fontRef idx="minor">
+            <a:schemeClr val="tx1"/>
+          </a:fontRef>
+        </p:style>
+      </p:cxnSp>
+      <p:cxnSp>
+        <p:nvCxnSpPr>
+          <p:cNvPr id="80" name="直接连接符 79">
+            <a:extLst>
+              <a:ext uri="{FF2B5EF4-FFF2-40B4-BE49-F238E27FC236}">
+                <a16:creationId xmlns:a16="http://schemas.microsoft.com/office/drawing/2014/main" id="{729FC5A8-1099-4079-9760-14D7581331A4}"/>
+              </a:ext>
+            </a:extLst>
+          </p:cNvPr>
+          <p:cNvCxnSpPr>
+            <a:cxnSpLocks/>
+          </p:cNvCxnSpPr>
+          <p:nvPr/>
+        </p:nvCxnSpPr>
+        <p:spPr>
+          <a:xfrm>
+            <a:off x="4060774" y="3990591"/>
+            <a:ext cx="631329" cy="0"/>
+          </a:xfrm>
+          <a:prstGeom prst="line">
+            <a:avLst/>
+          </a:prstGeom>
+          <a:ln w="12700">
+            <a:solidFill>
+              <a:srgbClr val="FF0000"/>
+            </a:solidFill>
+          </a:ln>
+        </p:spPr>
+        <p:style>
+          <a:lnRef idx="1">
+            <a:schemeClr val="dk1"/>
+          </a:lnRef>
+          <a:fillRef idx="0">
+            <a:schemeClr val="dk1"/>
+          </a:fillRef>
+          <a:effectRef idx="0">
+            <a:schemeClr val="dk1"/>
+          </a:effectRef>
+          <a:fontRef idx="minor">
+            <a:schemeClr val="tx1"/>
+          </a:fontRef>
+        </p:style>
+      </p:cxnSp>
+      <p:cxnSp>
+        <p:nvCxnSpPr>
+          <p:cNvPr id="83" name="直接连接符 82">
+            <a:extLst>
+              <a:ext uri="{FF2B5EF4-FFF2-40B4-BE49-F238E27FC236}">
+                <a16:creationId xmlns:a16="http://schemas.microsoft.com/office/drawing/2014/main" id="{18723104-2FD1-48A1-9AF7-FE49CE8F0EC8}"/>
+              </a:ext>
+            </a:extLst>
+          </p:cNvPr>
+          <p:cNvCxnSpPr>
+            <a:cxnSpLocks/>
+          </p:cNvCxnSpPr>
+          <p:nvPr/>
+        </p:nvCxnSpPr>
+        <p:spPr>
+          <a:xfrm flipV="1">
+            <a:off x="4060774" y="5700609"/>
+            <a:ext cx="631329" cy="1"/>
           </a:xfrm>
           <a:prstGeom prst="line">
             <a:avLst/>
@@ -3728,22 +3900,610 @@
       </p:cxnSp>
       <p:cxnSp>
         <p:nvCxnSpPr>
-          <p:cNvPr id="77" name="直接连接符 76">
-            <a:extLst>
-              <a:ext uri="{FF2B5EF4-FFF2-40B4-BE49-F238E27FC236}">
-                <a16:creationId xmlns:a16="http://schemas.microsoft.com/office/drawing/2014/main" id="{8D311C3C-8143-4C0E-BB32-02078CB6F8AD}"/>
-              </a:ext>
-            </a:extLst>
-          </p:cNvPr>
-          <p:cNvCxnSpPr>
-            <a:cxnSpLocks/>
-          </p:cNvCxnSpPr>
-          <p:nvPr/>
-        </p:nvCxnSpPr>
-        <p:spPr>
-          <a:xfrm>
-            <a:off x="4060774" y="5610609"/>
-            <a:ext cx="451279" cy="0"/>
+          <p:cNvPr id="90" name="直接连接符 89">
+            <a:extLst>
+              <a:ext uri="{FF2B5EF4-FFF2-40B4-BE49-F238E27FC236}">
+                <a16:creationId xmlns:a16="http://schemas.microsoft.com/office/drawing/2014/main" id="{ABC0FDF0-BB1A-41A4-8F32-0048688E0CB2}"/>
+              </a:ext>
+            </a:extLst>
+          </p:cNvPr>
+          <p:cNvCxnSpPr>
+            <a:cxnSpLocks/>
+          </p:cNvCxnSpPr>
+          <p:nvPr/>
+        </p:nvCxnSpPr>
+        <p:spPr>
+          <a:xfrm>
+            <a:off x="4060774" y="3360600"/>
+            <a:ext cx="2340026" cy="0"/>
+          </a:xfrm>
+          <a:prstGeom prst="line">
+            <a:avLst/>
+          </a:prstGeom>
+        </p:spPr>
+        <p:style>
+          <a:lnRef idx="1">
+            <a:schemeClr val="dk1"/>
+          </a:lnRef>
+          <a:fillRef idx="0">
+            <a:schemeClr val="dk1"/>
+          </a:fillRef>
+          <a:effectRef idx="0">
+            <a:schemeClr val="dk1"/>
+          </a:effectRef>
+          <a:fontRef idx="minor">
+            <a:schemeClr val="tx1"/>
+          </a:fontRef>
+        </p:style>
+      </p:cxnSp>
+      <p:cxnSp>
+        <p:nvCxnSpPr>
+          <p:cNvPr id="91" name="直接连接符 90">
+            <a:extLst>
+              <a:ext uri="{FF2B5EF4-FFF2-40B4-BE49-F238E27FC236}">
+                <a16:creationId xmlns:a16="http://schemas.microsoft.com/office/drawing/2014/main" id="{C9BF5F5C-6AB3-4EB9-900D-C608E95BBC41}"/>
+              </a:ext>
+            </a:extLst>
+          </p:cNvPr>
+          <p:cNvCxnSpPr>
+            <a:cxnSpLocks/>
+          </p:cNvCxnSpPr>
+          <p:nvPr/>
+        </p:nvCxnSpPr>
+        <p:spPr>
+          <a:xfrm>
+            <a:off x="4060774" y="3450585"/>
+            <a:ext cx="2340026" cy="0"/>
+          </a:xfrm>
+          <a:prstGeom prst="line">
+            <a:avLst/>
+          </a:prstGeom>
+        </p:spPr>
+        <p:style>
+          <a:lnRef idx="1">
+            <a:schemeClr val="dk1"/>
+          </a:lnRef>
+          <a:fillRef idx="0">
+            <a:schemeClr val="dk1"/>
+          </a:fillRef>
+          <a:effectRef idx="0">
+            <a:schemeClr val="dk1"/>
+          </a:effectRef>
+          <a:fontRef idx="minor">
+            <a:schemeClr val="tx1"/>
+          </a:fontRef>
+        </p:style>
+      </p:cxnSp>
+      <p:cxnSp>
+        <p:nvCxnSpPr>
+          <p:cNvPr id="92" name="直接连接符 91">
+            <a:extLst>
+              <a:ext uri="{FF2B5EF4-FFF2-40B4-BE49-F238E27FC236}">
+                <a16:creationId xmlns:a16="http://schemas.microsoft.com/office/drawing/2014/main" id="{1E2E619E-9050-4C3B-96E7-A34F3D5DD98C}"/>
+              </a:ext>
+            </a:extLst>
+          </p:cNvPr>
+          <p:cNvCxnSpPr>
+            <a:cxnSpLocks/>
+          </p:cNvCxnSpPr>
+          <p:nvPr/>
+        </p:nvCxnSpPr>
+        <p:spPr>
+          <a:xfrm>
+            <a:off x="4060774" y="3540586"/>
+            <a:ext cx="2340026" cy="0"/>
+          </a:xfrm>
+          <a:prstGeom prst="line">
+            <a:avLst/>
+          </a:prstGeom>
+        </p:spPr>
+        <p:style>
+          <a:lnRef idx="1">
+            <a:schemeClr val="dk1"/>
+          </a:lnRef>
+          <a:fillRef idx="0">
+            <a:schemeClr val="dk1"/>
+          </a:fillRef>
+          <a:effectRef idx="0">
+            <a:schemeClr val="dk1"/>
+          </a:effectRef>
+          <a:fontRef idx="minor">
+            <a:schemeClr val="tx1"/>
+          </a:fontRef>
+        </p:style>
+      </p:cxnSp>
+      <p:cxnSp>
+        <p:nvCxnSpPr>
+          <p:cNvPr id="93" name="直接连接符 92">
+            <a:extLst>
+              <a:ext uri="{FF2B5EF4-FFF2-40B4-BE49-F238E27FC236}">
+                <a16:creationId xmlns:a16="http://schemas.microsoft.com/office/drawing/2014/main" id="{81957109-DC49-44A7-A628-04D02CC3C090}"/>
+              </a:ext>
+            </a:extLst>
+          </p:cNvPr>
+          <p:cNvCxnSpPr>
+            <a:cxnSpLocks/>
+          </p:cNvCxnSpPr>
+          <p:nvPr/>
+        </p:nvCxnSpPr>
+        <p:spPr>
+          <a:xfrm>
+            <a:off x="4060774" y="3630587"/>
+            <a:ext cx="2340026" cy="0"/>
+          </a:xfrm>
+          <a:prstGeom prst="line">
+            <a:avLst/>
+          </a:prstGeom>
+        </p:spPr>
+        <p:style>
+          <a:lnRef idx="1">
+            <a:schemeClr val="dk1"/>
+          </a:lnRef>
+          <a:fillRef idx="0">
+            <a:schemeClr val="dk1"/>
+          </a:fillRef>
+          <a:effectRef idx="0">
+            <a:schemeClr val="dk1"/>
+          </a:effectRef>
+          <a:fontRef idx="minor">
+            <a:schemeClr val="tx1"/>
+          </a:fontRef>
+        </p:style>
+      </p:cxnSp>
+      <p:cxnSp>
+        <p:nvCxnSpPr>
+          <p:cNvPr id="94" name="直接连接符 93">
+            <a:extLst>
+              <a:ext uri="{FF2B5EF4-FFF2-40B4-BE49-F238E27FC236}">
+                <a16:creationId xmlns:a16="http://schemas.microsoft.com/office/drawing/2014/main" id="{6B96FC07-BE26-4117-9301-06A0FB65460F}"/>
+              </a:ext>
+            </a:extLst>
+          </p:cNvPr>
+          <p:cNvCxnSpPr>
+            <a:cxnSpLocks/>
+          </p:cNvCxnSpPr>
+          <p:nvPr/>
+        </p:nvCxnSpPr>
+        <p:spPr>
+          <a:xfrm>
+            <a:off x="4060774" y="3722142"/>
+            <a:ext cx="2340026" cy="0"/>
+          </a:xfrm>
+          <a:prstGeom prst="line">
+            <a:avLst/>
+          </a:prstGeom>
+        </p:spPr>
+        <p:style>
+          <a:lnRef idx="1">
+            <a:schemeClr val="dk1"/>
+          </a:lnRef>
+          <a:fillRef idx="0">
+            <a:schemeClr val="dk1"/>
+          </a:fillRef>
+          <a:effectRef idx="0">
+            <a:schemeClr val="dk1"/>
+          </a:effectRef>
+          <a:fontRef idx="minor">
+            <a:schemeClr val="tx1"/>
+          </a:fontRef>
+        </p:style>
+      </p:cxnSp>
+      <p:cxnSp>
+        <p:nvCxnSpPr>
+          <p:cNvPr id="95" name="直接连接符 94">
+            <a:extLst>
+              <a:ext uri="{FF2B5EF4-FFF2-40B4-BE49-F238E27FC236}">
+                <a16:creationId xmlns:a16="http://schemas.microsoft.com/office/drawing/2014/main" id="{E2FB6F35-99A2-4828-803A-D01FDA34F8BB}"/>
+              </a:ext>
+            </a:extLst>
+          </p:cNvPr>
+          <p:cNvCxnSpPr>
+            <a:cxnSpLocks/>
+          </p:cNvCxnSpPr>
+          <p:nvPr/>
+        </p:nvCxnSpPr>
+        <p:spPr>
+          <a:xfrm>
+            <a:off x="4060774" y="3810589"/>
+            <a:ext cx="2340026" cy="0"/>
+          </a:xfrm>
+          <a:prstGeom prst="line">
+            <a:avLst/>
+          </a:prstGeom>
+        </p:spPr>
+        <p:style>
+          <a:lnRef idx="1">
+            <a:schemeClr val="dk1"/>
+          </a:lnRef>
+          <a:fillRef idx="0">
+            <a:schemeClr val="dk1"/>
+          </a:fillRef>
+          <a:effectRef idx="0">
+            <a:schemeClr val="dk1"/>
+          </a:effectRef>
+          <a:fontRef idx="minor">
+            <a:schemeClr val="tx1"/>
+          </a:fontRef>
+        </p:style>
+      </p:cxnSp>
+      <p:cxnSp>
+        <p:nvCxnSpPr>
+          <p:cNvPr id="220" name="直接连接符 219">
+            <a:extLst>
+              <a:ext uri="{FF2B5EF4-FFF2-40B4-BE49-F238E27FC236}">
+                <a16:creationId xmlns:a16="http://schemas.microsoft.com/office/drawing/2014/main" id="{317D37E4-7C48-4B9F-B04A-CC03D4269444}"/>
+              </a:ext>
+            </a:extLst>
+          </p:cNvPr>
+          <p:cNvCxnSpPr>
+            <a:cxnSpLocks/>
+          </p:cNvCxnSpPr>
+          <p:nvPr/>
+        </p:nvCxnSpPr>
+        <p:spPr>
+          <a:xfrm>
+            <a:off x="2075878" y="2732131"/>
+            <a:ext cx="904884" cy="0"/>
+          </a:xfrm>
+          <a:prstGeom prst="line">
+            <a:avLst/>
+          </a:prstGeom>
+        </p:spPr>
+        <p:style>
+          <a:lnRef idx="1">
+            <a:schemeClr val="dk1"/>
+          </a:lnRef>
+          <a:fillRef idx="0">
+            <a:schemeClr val="dk1"/>
+          </a:fillRef>
+          <a:effectRef idx="0">
+            <a:schemeClr val="dk1"/>
+          </a:effectRef>
+          <a:fontRef idx="minor">
+            <a:schemeClr val="tx1"/>
+          </a:fontRef>
+        </p:style>
+      </p:cxnSp>
+      <p:cxnSp>
+        <p:nvCxnSpPr>
+          <p:cNvPr id="223" name="直接连接符 222">
+            <a:extLst>
+              <a:ext uri="{FF2B5EF4-FFF2-40B4-BE49-F238E27FC236}">
+                <a16:creationId xmlns:a16="http://schemas.microsoft.com/office/drawing/2014/main" id="{C8D867A9-E310-4234-8B86-404BE1E83473}"/>
+              </a:ext>
+            </a:extLst>
+          </p:cNvPr>
+          <p:cNvCxnSpPr>
+            <a:cxnSpLocks/>
+          </p:cNvCxnSpPr>
+          <p:nvPr/>
+        </p:nvCxnSpPr>
+        <p:spPr>
+          <a:xfrm flipH="1" flipV="1">
+            <a:off x="2980762" y="2733435"/>
+            <a:ext cx="1" cy="540007"/>
+          </a:xfrm>
+          <a:prstGeom prst="line">
+            <a:avLst/>
+          </a:prstGeom>
+        </p:spPr>
+        <p:style>
+          <a:lnRef idx="1">
+            <a:schemeClr val="dk1"/>
+          </a:lnRef>
+          <a:fillRef idx="0">
+            <a:schemeClr val="dk1"/>
+          </a:fillRef>
+          <a:effectRef idx="0">
+            <a:schemeClr val="dk1"/>
+          </a:effectRef>
+          <a:fontRef idx="minor">
+            <a:schemeClr val="tx1"/>
+          </a:fontRef>
+        </p:style>
+      </p:cxnSp>
+      <p:cxnSp>
+        <p:nvCxnSpPr>
+          <p:cNvPr id="229" name="直接连接符 228">
+            <a:extLst>
+              <a:ext uri="{FF2B5EF4-FFF2-40B4-BE49-F238E27FC236}">
+                <a16:creationId xmlns:a16="http://schemas.microsoft.com/office/drawing/2014/main" id="{C95BBB5D-6604-4AC2-A903-47394A9E9E80}"/>
+              </a:ext>
+            </a:extLst>
+          </p:cNvPr>
+          <p:cNvCxnSpPr>
+            <a:cxnSpLocks/>
+          </p:cNvCxnSpPr>
+          <p:nvPr/>
+        </p:nvCxnSpPr>
+        <p:spPr>
+          <a:xfrm>
+            <a:off x="2080752" y="3182133"/>
+            <a:ext cx="1080012" cy="0"/>
+          </a:xfrm>
+          <a:prstGeom prst="line">
+            <a:avLst/>
+          </a:prstGeom>
+        </p:spPr>
+        <p:style>
+          <a:lnRef idx="1">
+            <a:schemeClr val="dk1"/>
+          </a:lnRef>
+          <a:fillRef idx="0">
+            <a:schemeClr val="dk1"/>
+          </a:fillRef>
+          <a:effectRef idx="0">
+            <a:schemeClr val="dk1"/>
+          </a:effectRef>
+          <a:fontRef idx="minor">
+            <a:schemeClr val="tx1"/>
+          </a:fontRef>
+        </p:style>
+      </p:cxnSp>
+      <p:cxnSp>
+        <p:nvCxnSpPr>
+          <p:cNvPr id="232" name="直接连接符 231">
+            <a:extLst>
+              <a:ext uri="{FF2B5EF4-FFF2-40B4-BE49-F238E27FC236}">
+                <a16:creationId xmlns:a16="http://schemas.microsoft.com/office/drawing/2014/main" id="{F505CB72-4BC6-4B78-857E-670121E09CDE}"/>
+              </a:ext>
+            </a:extLst>
+          </p:cNvPr>
+          <p:cNvCxnSpPr>
+            <a:cxnSpLocks/>
+          </p:cNvCxnSpPr>
+          <p:nvPr/>
+        </p:nvCxnSpPr>
+        <p:spPr>
+          <a:xfrm flipV="1">
+            <a:off x="3160764" y="3182134"/>
+            <a:ext cx="0" cy="90000"/>
+          </a:xfrm>
+          <a:prstGeom prst="line">
+            <a:avLst/>
+          </a:prstGeom>
+        </p:spPr>
+        <p:style>
+          <a:lnRef idx="1">
+            <a:schemeClr val="dk1"/>
+          </a:lnRef>
+          <a:fillRef idx="0">
+            <a:schemeClr val="dk1"/>
+          </a:fillRef>
+          <a:effectRef idx="0">
+            <a:schemeClr val="dk1"/>
+          </a:effectRef>
+          <a:fontRef idx="minor">
+            <a:schemeClr val="tx1"/>
+          </a:fontRef>
+        </p:style>
+      </p:cxnSp>
+      <p:cxnSp>
+        <p:nvCxnSpPr>
+          <p:cNvPr id="236" name="直接连接符 235">
+            <a:extLst>
+              <a:ext uri="{FF2B5EF4-FFF2-40B4-BE49-F238E27FC236}">
+                <a16:creationId xmlns:a16="http://schemas.microsoft.com/office/drawing/2014/main" id="{843157DB-9C8E-487C-91B6-A41931CF8116}"/>
+              </a:ext>
+            </a:extLst>
+          </p:cNvPr>
+          <p:cNvCxnSpPr>
+            <a:cxnSpLocks/>
+          </p:cNvCxnSpPr>
+          <p:nvPr/>
+        </p:nvCxnSpPr>
+        <p:spPr>
+          <a:xfrm>
+            <a:off x="2080752" y="4620599"/>
+            <a:ext cx="900010" cy="0"/>
+          </a:xfrm>
+          <a:prstGeom prst="line">
+            <a:avLst/>
+          </a:prstGeom>
+        </p:spPr>
+        <p:style>
+          <a:lnRef idx="1">
+            <a:schemeClr val="dk1"/>
+          </a:lnRef>
+          <a:fillRef idx="0">
+            <a:schemeClr val="dk1"/>
+          </a:fillRef>
+          <a:effectRef idx="0">
+            <a:schemeClr val="dk1"/>
+          </a:effectRef>
+          <a:fontRef idx="minor">
+            <a:schemeClr val="tx1"/>
+          </a:fontRef>
+        </p:style>
+      </p:cxnSp>
+      <p:cxnSp>
+        <p:nvCxnSpPr>
+          <p:cNvPr id="241" name="直接连接符 240">
+            <a:extLst>
+              <a:ext uri="{FF2B5EF4-FFF2-40B4-BE49-F238E27FC236}">
+                <a16:creationId xmlns:a16="http://schemas.microsoft.com/office/drawing/2014/main" id="{FEBB9113-8BFC-4280-93BC-C61373CC9009}"/>
+              </a:ext>
+            </a:extLst>
+          </p:cNvPr>
+          <p:cNvCxnSpPr>
+            <a:cxnSpLocks/>
+          </p:cNvCxnSpPr>
+          <p:nvPr/>
+        </p:nvCxnSpPr>
+        <p:spPr>
+          <a:xfrm>
+            <a:off x="2075878" y="4170593"/>
+            <a:ext cx="1084886" cy="0"/>
+          </a:xfrm>
+          <a:prstGeom prst="line">
+            <a:avLst/>
+          </a:prstGeom>
+        </p:spPr>
+        <p:style>
+          <a:lnRef idx="1">
+            <a:schemeClr val="dk1"/>
+          </a:lnRef>
+          <a:fillRef idx="0">
+            <a:schemeClr val="dk1"/>
+          </a:fillRef>
+          <a:effectRef idx="0">
+            <a:schemeClr val="dk1"/>
+          </a:effectRef>
+          <a:fontRef idx="minor">
+            <a:schemeClr val="tx1"/>
+          </a:fontRef>
+        </p:style>
+      </p:cxnSp>
+      <p:cxnSp>
+        <p:nvCxnSpPr>
+          <p:cNvPr id="246" name="直接连接符 245">
+            <a:extLst>
+              <a:ext uri="{FF2B5EF4-FFF2-40B4-BE49-F238E27FC236}">
+                <a16:creationId xmlns:a16="http://schemas.microsoft.com/office/drawing/2014/main" id="{95EBCDF5-D2D1-422D-B004-A7CC51291474}"/>
+              </a:ext>
+            </a:extLst>
+          </p:cNvPr>
+          <p:cNvCxnSpPr>
+            <a:cxnSpLocks/>
+          </p:cNvCxnSpPr>
+          <p:nvPr/>
+        </p:nvCxnSpPr>
+        <p:spPr>
+          <a:xfrm flipV="1">
+            <a:off x="2980762" y="4080593"/>
+            <a:ext cx="0" cy="540006"/>
+          </a:xfrm>
+          <a:prstGeom prst="line">
+            <a:avLst/>
+          </a:prstGeom>
+        </p:spPr>
+        <p:style>
+          <a:lnRef idx="1">
+            <a:schemeClr val="dk1"/>
+          </a:lnRef>
+          <a:fillRef idx="0">
+            <a:schemeClr val="dk1"/>
+          </a:fillRef>
+          <a:effectRef idx="0">
+            <a:schemeClr val="dk1"/>
+          </a:effectRef>
+          <a:fontRef idx="minor">
+            <a:schemeClr val="tx1"/>
+          </a:fontRef>
+        </p:style>
+      </p:cxnSp>
+      <p:cxnSp>
+        <p:nvCxnSpPr>
+          <p:cNvPr id="250" name="直接连接符 249">
+            <a:extLst>
+              <a:ext uri="{FF2B5EF4-FFF2-40B4-BE49-F238E27FC236}">
+                <a16:creationId xmlns:a16="http://schemas.microsoft.com/office/drawing/2014/main" id="{8EE1105B-4B65-4970-879B-3FCC371B3952}"/>
+              </a:ext>
+            </a:extLst>
+          </p:cNvPr>
+          <p:cNvCxnSpPr>
+            <a:cxnSpLocks/>
+          </p:cNvCxnSpPr>
+          <p:nvPr/>
+        </p:nvCxnSpPr>
+        <p:spPr>
+          <a:xfrm flipV="1">
+            <a:off x="3160764" y="4080593"/>
+            <a:ext cx="0" cy="90000"/>
+          </a:xfrm>
+          <a:prstGeom prst="line">
+            <a:avLst/>
+          </a:prstGeom>
+        </p:spPr>
+        <p:style>
+          <a:lnRef idx="1">
+            <a:schemeClr val="dk1"/>
+          </a:lnRef>
+          <a:fillRef idx="0">
+            <a:schemeClr val="dk1"/>
+          </a:fillRef>
+          <a:effectRef idx="0">
+            <a:schemeClr val="dk1"/>
+          </a:effectRef>
+          <a:fontRef idx="minor">
+            <a:schemeClr val="tx1"/>
+          </a:fontRef>
+        </p:style>
+      </p:cxnSp>
+      <p:sp>
+        <p:nvSpPr>
+          <p:cNvPr id="257" name="矩形 256">
+            <a:extLst>
+              <a:ext uri="{FF2B5EF4-FFF2-40B4-BE49-F238E27FC236}">
+                <a16:creationId xmlns:a16="http://schemas.microsoft.com/office/drawing/2014/main" id="{2F50F704-5E9B-4A57-AD11-ADB1A494B0AA}"/>
+              </a:ext>
+            </a:extLst>
+          </p:cNvPr>
+          <p:cNvSpPr/>
+          <p:nvPr/>
+        </p:nvSpPr>
+        <p:spPr>
+          <a:xfrm>
+            <a:off x="910738" y="5430605"/>
+            <a:ext cx="1170013" cy="810010"/>
+          </a:xfrm>
+          <a:prstGeom prst="rect">
+            <a:avLst/>
+          </a:prstGeom>
+        </p:spPr>
+        <p:style>
+          <a:lnRef idx="2">
+            <a:schemeClr val="dk1"/>
+          </a:lnRef>
+          <a:fillRef idx="1">
+            <a:schemeClr val="lt1"/>
+          </a:fillRef>
+          <a:effectRef idx="0">
+            <a:schemeClr val="dk1"/>
+          </a:effectRef>
+          <a:fontRef idx="minor">
+            <a:schemeClr val="dk1"/>
+          </a:fontRef>
+        </p:style>
+        <p:txBody>
+          <a:bodyPr rtlCol="0" anchor="ctr"/>
+          <a:lstStyle/>
+          <a:p>
+            <a:pPr algn="ctr"/>
+            <a:r>
+              <a:rPr lang="zh-CN" altLang="en-US" sz="1200" dirty="0"/>
+              <a:t>电机</a:t>
+            </a:r>
+            <a:r>
+              <a:rPr lang="en-US" altLang="zh-CN" sz="1200" dirty="0"/>
+              <a:t>-</a:t>
+            </a:r>
+            <a:r>
+              <a:rPr lang="zh-CN" altLang="en-US" sz="1200" dirty="0"/>
+              <a:t>旋转刷</a:t>
+            </a:r>
+            <a:endParaRPr lang="en-US" altLang="zh-CN" sz="1200" dirty="0"/>
+          </a:p>
+        </p:txBody>
+      </p:sp>
+      <p:cxnSp>
+        <p:nvCxnSpPr>
+          <p:cNvPr id="258" name="直接连接符 257">
+            <a:extLst>
+              <a:ext uri="{FF2B5EF4-FFF2-40B4-BE49-F238E27FC236}">
+                <a16:creationId xmlns:a16="http://schemas.microsoft.com/office/drawing/2014/main" id="{E2A956C9-7565-4B8D-AFEF-E350FD0F2F35}"/>
+              </a:ext>
+            </a:extLst>
+          </p:cNvPr>
+          <p:cNvCxnSpPr>
+            <a:cxnSpLocks/>
+          </p:cNvCxnSpPr>
+          <p:nvPr/>
+        </p:nvCxnSpPr>
+        <p:spPr>
+          <a:xfrm flipV="1">
+            <a:off x="6310799" y="6870621"/>
+            <a:ext cx="0" cy="630005"/>
           </a:xfrm>
           <a:prstGeom prst="line">
             <a:avLst/>
@@ -3771,10 +4531,10 @@
       </p:cxnSp>
       <p:cxnSp>
         <p:nvCxnSpPr>
-          <p:cNvPr id="78" name="直接连接符 77">
-            <a:extLst>
-              <a:ext uri="{FF2B5EF4-FFF2-40B4-BE49-F238E27FC236}">
-                <a16:creationId xmlns:a16="http://schemas.microsoft.com/office/drawing/2014/main" id="{B1A32146-C002-43A4-AC8C-31DDDA520671}"/>
+          <p:cNvPr id="264" name="直接连接符 263">
+            <a:extLst>
+              <a:ext uri="{FF2B5EF4-FFF2-40B4-BE49-F238E27FC236}">
+                <a16:creationId xmlns:a16="http://schemas.microsoft.com/office/drawing/2014/main" id="{012D7C47-A1F2-467D-9976-79C676748AB2}"/>
               </a:ext>
             </a:extLst>
           </p:cNvPr>
@@ -3785,8 +4545,8 @@
         </p:nvCxnSpPr>
         <p:spPr>
           <a:xfrm flipV="1">
-            <a:off x="4692103" y="3990593"/>
-            <a:ext cx="0" cy="4407992"/>
+            <a:off x="6490801" y="6780622"/>
+            <a:ext cx="1" cy="720008"/>
           </a:xfrm>
           <a:prstGeom prst="line">
             <a:avLst/>
@@ -3814,22 +4574,22 @@
       </p:cxnSp>
       <p:cxnSp>
         <p:nvCxnSpPr>
-          <p:cNvPr id="80" name="直接连接符 79">
-            <a:extLst>
-              <a:ext uri="{FF2B5EF4-FFF2-40B4-BE49-F238E27FC236}">
-                <a16:creationId xmlns:a16="http://schemas.microsoft.com/office/drawing/2014/main" id="{729FC5A8-1099-4079-9760-14D7581331A4}"/>
-              </a:ext>
-            </a:extLst>
-          </p:cNvPr>
-          <p:cNvCxnSpPr>
-            <a:cxnSpLocks/>
-          </p:cNvCxnSpPr>
-          <p:nvPr/>
-        </p:nvCxnSpPr>
-        <p:spPr>
-          <a:xfrm>
-            <a:off x="4060774" y="3990591"/>
-            <a:ext cx="631329" cy="0"/>
+          <p:cNvPr id="267" name="直接连接符 266">
+            <a:extLst>
+              <a:ext uri="{FF2B5EF4-FFF2-40B4-BE49-F238E27FC236}">
+                <a16:creationId xmlns:a16="http://schemas.microsoft.com/office/drawing/2014/main" id="{BFECFD8B-E54C-4A25-9863-101160E94F7E}"/>
+              </a:ext>
+            </a:extLst>
+          </p:cNvPr>
+          <p:cNvCxnSpPr>
+            <a:cxnSpLocks/>
+          </p:cNvCxnSpPr>
+          <p:nvPr/>
+        </p:nvCxnSpPr>
+        <p:spPr>
+          <a:xfrm flipV="1">
+            <a:off x="5680792" y="7320628"/>
+            <a:ext cx="0" cy="179999"/>
           </a:xfrm>
           <a:prstGeom prst="line">
             <a:avLst/>
@@ -3857,10 +4617,10 @@
       </p:cxnSp>
       <p:cxnSp>
         <p:nvCxnSpPr>
-          <p:cNvPr id="83" name="直接连接符 82">
-            <a:extLst>
-              <a:ext uri="{FF2B5EF4-FFF2-40B4-BE49-F238E27FC236}">
-                <a16:creationId xmlns:a16="http://schemas.microsoft.com/office/drawing/2014/main" id="{18723104-2FD1-48A1-9AF7-FE49CE8F0EC8}"/>
+          <p:cNvPr id="268" name="直接连接符 267">
+            <a:extLst>
+              <a:ext uri="{FF2B5EF4-FFF2-40B4-BE49-F238E27FC236}">
+                <a16:creationId xmlns:a16="http://schemas.microsoft.com/office/drawing/2014/main" id="{B52A451B-FDBA-4CEA-B9B3-F84A8F3854DE}"/>
               </a:ext>
             </a:extLst>
           </p:cNvPr>
@@ -3871,8 +4631,8 @@
         </p:nvCxnSpPr>
         <p:spPr>
           <a:xfrm flipV="1">
-            <a:off x="4060774" y="5700609"/>
-            <a:ext cx="631329" cy="1"/>
+            <a:off x="5860794" y="7230627"/>
+            <a:ext cx="0" cy="269999"/>
           </a:xfrm>
           <a:prstGeom prst="line">
             <a:avLst/>
@@ -3900,610 +4660,22 @@
       </p:cxnSp>
       <p:cxnSp>
         <p:nvCxnSpPr>
-          <p:cNvPr id="90" name="直接连接符 89">
-            <a:extLst>
-              <a:ext uri="{FF2B5EF4-FFF2-40B4-BE49-F238E27FC236}">
-                <a16:creationId xmlns:a16="http://schemas.microsoft.com/office/drawing/2014/main" id="{ABC0FDF0-BB1A-41A4-8F32-0048688E0CB2}"/>
-              </a:ext>
-            </a:extLst>
-          </p:cNvPr>
-          <p:cNvCxnSpPr>
-            <a:cxnSpLocks/>
-          </p:cNvCxnSpPr>
-          <p:nvPr/>
-        </p:nvCxnSpPr>
-        <p:spPr>
-          <a:xfrm>
-            <a:off x="4060774" y="3360600"/>
-            <a:ext cx="2340026" cy="0"/>
-          </a:xfrm>
-          <a:prstGeom prst="line">
-            <a:avLst/>
-          </a:prstGeom>
-        </p:spPr>
-        <p:style>
-          <a:lnRef idx="1">
-            <a:schemeClr val="dk1"/>
-          </a:lnRef>
-          <a:fillRef idx="0">
-            <a:schemeClr val="dk1"/>
-          </a:fillRef>
-          <a:effectRef idx="0">
-            <a:schemeClr val="dk1"/>
-          </a:effectRef>
-          <a:fontRef idx="minor">
-            <a:schemeClr val="tx1"/>
-          </a:fontRef>
-        </p:style>
-      </p:cxnSp>
-      <p:cxnSp>
-        <p:nvCxnSpPr>
-          <p:cNvPr id="91" name="直接连接符 90">
-            <a:extLst>
-              <a:ext uri="{FF2B5EF4-FFF2-40B4-BE49-F238E27FC236}">
-                <a16:creationId xmlns:a16="http://schemas.microsoft.com/office/drawing/2014/main" id="{C9BF5F5C-6AB3-4EB9-900D-C608E95BBC41}"/>
-              </a:ext>
-            </a:extLst>
-          </p:cNvPr>
-          <p:cNvCxnSpPr>
-            <a:cxnSpLocks/>
-          </p:cNvCxnSpPr>
-          <p:nvPr/>
-        </p:nvCxnSpPr>
-        <p:spPr>
-          <a:xfrm>
-            <a:off x="4060774" y="3450585"/>
-            <a:ext cx="2340026" cy="0"/>
-          </a:xfrm>
-          <a:prstGeom prst="line">
-            <a:avLst/>
-          </a:prstGeom>
-        </p:spPr>
-        <p:style>
-          <a:lnRef idx="1">
-            <a:schemeClr val="dk1"/>
-          </a:lnRef>
-          <a:fillRef idx="0">
-            <a:schemeClr val="dk1"/>
-          </a:fillRef>
-          <a:effectRef idx="0">
-            <a:schemeClr val="dk1"/>
-          </a:effectRef>
-          <a:fontRef idx="minor">
-            <a:schemeClr val="tx1"/>
-          </a:fontRef>
-        </p:style>
-      </p:cxnSp>
-      <p:cxnSp>
-        <p:nvCxnSpPr>
-          <p:cNvPr id="92" name="直接连接符 91">
-            <a:extLst>
-              <a:ext uri="{FF2B5EF4-FFF2-40B4-BE49-F238E27FC236}">
-                <a16:creationId xmlns:a16="http://schemas.microsoft.com/office/drawing/2014/main" id="{1E2E619E-9050-4C3B-96E7-A34F3D5DD98C}"/>
-              </a:ext>
-            </a:extLst>
-          </p:cNvPr>
-          <p:cNvCxnSpPr>
-            <a:cxnSpLocks/>
-          </p:cNvCxnSpPr>
-          <p:nvPr/>
-        </p:nvCxnSpPr>
-        <p:spPr>
-          <a:xfrm>
-            <a:off x="4060774" y="3540586"/>
-            <a:ext cx="2340026" cy="0"/>
-          </a:xfrm>
-          <a:prstGeom prst="line">
-            <a:avLst/>
-          </a:prstGeom>
-        </p:spPr>
-        <p:style>
-          <a:lnRef idx="1">
-            <a:schemeClr val="dk1"/>
-          </a:lnRef>
-          <a:fillRef idx="0">
-            <a:schemeClr val="dk1"/>
-          </a:fillRef>
-          <a:effectRef idx="0">
-            <a:schemeClr val="dk1"/>
-          </a:effectRef>
-          <a:fontRef idx="minor">
-            <a:schemeClr val="tx1"/>
-          </a:fontRef>
-        </p:style>
-      </p:cxnSp>
-      <p:cxnSp>
-        <p:nvCxnSpPr>
-          <p:cNvPr id="93" name="直接连接符 92">
-            <a:extLst>
-              <a:ext uri="{FF2B5EF4-FFF2-40B4-BE49-F238E27FC236}">
-                <a16:creationId xmlns:a16="http://schemas.microsoft.com/office/drawing/2014/main" id="{81957109-DC49-44A7-A628-04D02CC3C090}"/>
-              </a:ext>
-            </a:extLst>
-          </p:cNvPr>
-          <p:cNvCxnSpPr>
-            <a:cxnSpLocks/>
-          </p:cNvCxnSpPr>
-          <p:nvPr/>
-        </p:nvCxnSpPr>
-        <p:spPr>
-          <a:xfrm>
-            <a:off x="4060774" y="3630587"/>
-            <a:ext cx="2340026" cy="0"/>
-          </a:xfrm>
-          <a:prstGeom prst="line">
-            <a:avLst/>
-          </a:prstGeom>
-        </p:spPr>
-        <p:style>
-          <a:lnRef idx="1">
-            <a:schemeClr val="dk1"/>
-          </a:lnRef>
-          <a:fillRef idx="0">
-            <a:schemeClr val="dk1"/>
-          </a:fillRef>
-          <a:effectRef idx="0">
-            <a:schemeClr val="dk1"/>
-          </a:effectRef>
-          <a:fontRef idx="minor">
-            <a:schemeClr val="tx1"/>
-          </a:fontRef>
-        </p:style>
-      </p:cxnSp>
-      <p:cxnSp>
-        <p:nvCxnSpPr>
-          <p:cNvPr id="94" name="直接连接符 93">
-            <a:extLst>
-              <a:ext uri="{FF2B5EF4-FFF2-40B4-BE49-F238E27FC236}">
-                <a16:creationId xmlns:a16="http://schemas.microsoft.com/office/drawing/2014/main" id="{6B96FC07-BE26-4117-9301-06A0FB65460F}"/>
-              </a:ext>
-            </a:extLst>
-          </p:cNvPr>
-          <p:cNvCxnSpPr>
-            <a:cxnSpLocks/>
-          </p:cNvCxnSpPr>
-          <p:nvPr/>
-        </p:nvCxnSpPr>
-        <p:spPr>
-          <a:xfrm>
-            <a:off x="4060774" y="3722142"/>
-            <a:ext cx="2340026" cy="0"/>
-          </a:xfrm>
-          <a:prstGeom prst="line">
-            <a:avLst/>
-          </a:prstGeom>
-        </p:spPr>
-        <p:style>
-          <a:lnRef idx="1">
-            <a:schemeClr val="dk1"/>
-          </a:lnRef>
-          <a:fillRef idx="0">
-            <a:schemeClr val="dk1"/>
-          </a:fillRef>
-          <a:effectRef idx="0">
-            <a:schemeClr val="dk1"/>
-          </a:effectRef>
-          <a:fontRef idx="minor">
-            <a:schemeClr val="tx1"/>
-          </a:fontRef>
-        </p:style>
-      </p:cxnSp>
-      <p:cxnSp>
-        <p:nvCxnSpPr>
-          <p:cNvPr id="95" name="直接连接符 94">
-            <a:extLst>
-              <a:ext uri="{FF2B5EF4-FFF2-40B4-BE49-F238E27FC236}">
-                <a16:creationId xmlns:a16="http://schemas.microsoft.com/office/drawing/2014/main" id="{E2FB6F35-99A2-4828-803A-D01FDA34F8BB}"/>
-              </a:ext>
-            </a:extLst>
-          </p:cNvPr>
-          <p:cNvCxnSpPr>
-            <a:cxnSpLocks/>
-          </p:cNvCxnSpPr>
-          <p:nvPr/>
-        </p:nvCxnSpPr>
-        <p:spPr>
-          <a:xfrm>
-            <a:off x="4060774" y="3810589"/>
-            <a:ext cx="2340026" cy="0"/>
-          </a:xfrm>
-          <a:prstGeom prst="line">
-            <a:avLst/>
-          </a:prstGeom>
-        </p:spPr>
-        <p:style>
-          <a:lnRef idx="1">
-            <a:schemeClr val="dk1"/>
-          </a:lnRef>
-          <a:fillRef idx="0">
-            <a:schemeClr val="dk1"/>
-          </a:fillRef>
-          <a:effectRef idx="0">
-            <a:schemeClr val="dk1"/>
-          </a:effectRef>
-          <a:fontRef idx="minor">
-            <a:schemeClr val="tx1"/>
-          </a:fontRef>
-        </p:style>
-      </p:cxnSp>
-      <p:cxnSp>
-        <p:nvCxnSpPr>
-          <p:cNvPr id="220" name="直接连接符 219">
-            <a:extLst>
-              <a:ext uri="{FF2B5EF4-FFF2-40B4-BE49-F238E27FC236}">
-                <a16:creationId xmlns:a16="http://schemas.microsoft.com/office/drawing/2014/main" id="{317D37E4-7C48-4B9F-B04A-CC03D4269444}"/>
-              </a:ext>
-            </a:extLst>
-          </p:cNvPr>
-          <p:cNvCxnSpPr>
-            <a:cxnSpLocks/>
-          </p:cNvCxnSpPr>
-          <p:nvPr/>
-        </p:nvCxnSpPr>
-        <p:spPr>
-          <a:xfrm>
-            <a:off x="2075878" y="2732131"/>
-            <a:ext cx="904884" cy="0"/>
-          </a:xfrm>
-          <a:prstGeom prst="line">
-            <a:avLst/>
-          </a:prstGeom>
-        </p:spPr>
-        <p:style>
-          <a:lnRef idx="1">
-            <a:schemeClr val="dk1"/>
-          </a:lnRef>
-          <a:fillRef idx="0">
-            <a:schemeClr val="dk1"/>
-          </a:fillRef>
-          <a:effectRef idx="0">
-            <a:schemeClr val="dk1"/>
-          </a:effectRef>
-          <a:fontRef idx="minor">
-            <a:schemeClr val="tx1"/>
-          </a:fontRef>
-        </p:style>
-      </p:cxnSp>
-      <p:cxnSp>
-        <p:nvCxnSpPr>
-          <p:cNvPr id="223" name="直接连接符 222">
-            <a:extLst>
-              <a:ext uri="{FF2B5EF4-FFF2-40B4-BE49-F238E27FC236}">
-                <a16:creationId xmlns:a16="http://schemas.microsoft.com/office/drawing/2014/main" id="{C8D867A9-E310-4234-8B86-404BE1E83473}"/>
-              </a:ext>
-            </a:extLst>
-          </p:cNvPr>
-          <p:cNvCxnSpPr>
-            <a:cxnSpLocks/>
-          </p:cNvCxnSpPr>
-          <p:nvPr/>
-        </p:nvCxnSpPr>
-        <p:spPr>
-          <a:xfrm flipH="1" flipV="1">
-            <a:off x="2980762" y="2733435"/>
-            <a:ext cx="1" cy="540007"/>
-          </a:xfrm>
-          <a:prstGeom prst="line">
-            <a:avLst/>
-          </a:prstGeom>
-        </p:spPr>
-        <p:style>
-          <a:lnRef idx="1">
-            <a:schemeClr val="dk1"/>
-          </a:lnRef>
-          <a:fillRef idx="0">
-            <a:schemeClr val="dk1"/>
-          </a:fillRef>
-          <a:effectRef idx="0">
-            <a:schemeClr val="dk1"/>
-          </a:effectRef>
-          <a:fontRef idx="minor">
-            <a:schemeClr val="tx1"/>
-          </a:fontRef>
-        </p:style>
-      </p:cxnSp>
-      <p:cxnSp>
-        <p:nvCxnSpPr>
-          <p:cNvPr id="229" name="直接连接符 228">
-            <a:extLst>
-              <a:ext uri="{FF2B5EF4-FFF2-40B4-BE49-F238E27FC236}">
-                <a16:creationId xmlns:a16="http://schemas.microsoft.com/office/drawing/2014/main" id="{C95BBB5D-6604-4AC2-A903-47394A9E9E80}"/>
-              </a:ext>
-            </a:extLst>
-          </p:cNvPr>
-          <p:cNvCxnSpPr>
-            <a:cxnSpLocks/>
-          </p:cNvCxnSpPr>
-          <p:nvPr/>
-        </p:nvCxnSpPr>
-        <p:spPr>
-          <a:xfrm>
-            <a:off x="2080752" y="3182133"/>
-            <a:ext cx="1080012" cy="0"/>
-          </a:xfrm>
-          <a:prstGeom prst="line">
-            <a:avLst/>
-          </a:prstGeom>
-        </p:spPr>
-        <p:style>
-          <a:lnRef idx="1">
-            <a:schemeClr val="dk1"/>
-          </a:lnRef>
-          <a:fillRef idx="0">
-            <a:schemeClr val="dk1"/>
-          </a:fillRef>
-          <a:effectRef idx="0">
-            <a:schemeClr val="dk1"/>
-          </a:effectRef>
-          <a:fontRef idx="minor">
-            <a:schemeClr val="tx1"/>
-          </a:fontRef>
-        </p:style>
-      </p:cxnSp>
-      <p:cxnSp>
-        <p:nvCxnSpPr>
-          <p:cNvPr id="232" name="直接连接符 231">
-            <a:extLst>
-              <a:ext uri="{FF2B5EF4-FFF2-40B4-BE49-F238E27FC236}">
-                <a16:creationId xmlns:a16="http://schemas.microsoft.com/office/drawing/2014/main" id="{F505CB72-4BC6-4B78-857E-670121E09CDE}"/>
-              </a:ext>
-            </a:extLst>
-          </p:cNvPr>
-          <p:cNvCxnSpPr>
-            <a:cxnSpLocks/>
-          </p:cNvCxnSpPr>
-          <p:nvPr/>
-        </p:nvCxnSpPr>
-        <p:spPr>
-          <a:xfrm flipV="1">
-            <a:off x="3160764" y="3182134"/>
-            <a:ext cx="0" cy="90000"/>
-          </a:xfrm>
-          <a:prstGeom prst="line">
-            <a:avLst/>
-          </a:prstGeom>
-        </p:spPr>
-        <p:style>
-          <a:lnRef idx="1">
-            <a:schemeClr val="dk1"/>
-          </a:lnRef>
-          <a:fillRef idx="0">
-            <a:schemeClr val="dk1"/>
-          </a:fillRef>
-          <a:effectRef idx="0">
-            <a:schemeClr val="dk1"/>
-          </a:effectRef>
-          <a:fontRef idx="minor">
-            <a:schemeClr val="tx1"/>
-          </a:fontRef>
-        </p:style>
-      </p:cxnSp>
-      <p:cxnSp>
-        <p:nvCxnSpPr>
-          <p:cNvPr id="236" name="直接连接符 235">
-            <a:extLst>
-              <a:ext uri="{FF2B5EF4-FFF2-40B4-BE49-F238E27FC236}">
-                <a16:creationId xmlns:a16="http://schemas.microsoft.com/office/drawing/2014/main" id="{843157DB-9C8E-487C-91B6-A41931CF8116}"/>
-              </a:ext>
-            </a:extLst>
-          </p:cNvPr>
-          <p:cNvCxnSpPr>
-            <a:cxnSpLocks/>
-          </p:cNvCxnSpPr>
-          <p:nvPr/>
-        </p:nvCxnSpPr>
-        <p:spPr>
-          <a:xfrm>
-            <a:off x="2080752" y="4620599"/>
-            <a:ext cx="900010" cy="0"/>
-          </a:xfrm>
-          <a:prstGeom prst="line">
-            <a:avLst/>
-          </a:prstGeom>
-        </p:spPr>
-        <p:style>
-          <a:lnRef idx="1">
-            <a:schemeClr val="dk1"/>
-          </a:lnRef>
-          <a:fillRef idx="0">
-            <a:schemeClr val="dk1"/>
-          </a:fillRef>
-          <a:effectRef idx="0">
-            <a:schemeClr val="dk1"/>
-          </a:effectRef>
-          <a:fontRef idx="minor">
-            <a:schemeClr val="tx1"/>
-          </a:fontRef>
-        </p:style>
-      </p:cxnSp>
-      <p:cxnSp>
-        <p:nvCxnSpPr>
-          <p:cNvPr id="241" name="直接连接符 240">
-            <a:extLst>
-              <a:ext uri="{FF2B5EF4-FFF2-40B4-BE49-F238E27FC236}">
-                <a16:creationId xmlns:a16="http://schemas.microsoft.com/office/drawing/2014/main" id="{FEBB9113-8BFC-4280-93BC-C61373CC9009}"/>
-              </a:ext>
-            </a:extLst>
-          </p:cNvPr>
-          <p:cNvCxnSpPr>
-            <a:cxnSpLocks/>
-          </p:cNvCxnSpPr>
-          <p:nvPr/>
-        </p:nvCxnSpPr>
-        <p:spPr>
-          <a:xfrm>
-            <a:off x="2075878" y="4170593"/>
-            <a:ext cx="1084886" cy="0"/>
-          </a:xfrm>
-          <a:prstGeom prst="line">
-            <a:avLst/>
-          </a:prstGeom>
-        </p:spPr>
-        <p:style>
-          <a:lnRef idx="1">
-            <a:schemeClr val="dk1"/>
-          </a:lnRef>
-          <a:fillRef idx="0">
-            <a:schemeClr val="dk1"/>
-          </a:fillRef>
-          <a:effectRef idx="0">
-            <a:schemeClr val="dk1"/>
-          </a:effectRef>
-          <a:fontRef idx="minor">
-            <a:schemeClr val="tx1"/>
-          </a:fontRef>
-        </p:style>
-      </p:cxnSp>
-      <p:cxnSp>
-        <p:nvCxnSpPr>
-          <p:cNvPr id="246" name="直接连接符 245">
-            <a:extLst>
-              <a:ext uri="{FF2B5EF4-FFF2-40B4-BE49-F238E27FC236}">
-                <a16:creationId xmlns:a16="http://schemas.microsoft.com/office/drawing/2014/main" id="{95EBCDF5-D2D1-422D-B004-A7CC51291474}"/>
-              </a:ext>
-            </a:extLst>
-          </p:cNvPr>
-          <p:cNvCxnSpPr>
-            <a:cxnSpLocks/>
-          </p:cNvCxnSpPr>
-          <p:nvPr/>
-        </p:nvCxnSpPr>
-        <p:spPr>
-          <a:xfrm flipV="1">
-            <a:off x="2980762" y="4080593"/>
-            <a:ext cx="0" cy="540006"/>
-          </a:xfrm>
-          <a:prstGeom prst="line">
-            <a:avLst/>
-          </a:prstGeom>
-        </p:spPr>
-        <p:style>
-          <a:lnRef idx="1">
-            <a:schemeClr val="dk1"/>
-          </a:lnRef>
-          <a:fillRef idx="0">
-            <a:schemeClr val="dk1"/>
-          </a:fillRef>
-          <a:effectRef idx="0">
-            <a:schemeClr val="dk1"/>
-          </a:effectRef>
-          <a:fontRef idx="minor">
-            <a:schemeClr val="tx1"/>
-          </a:fontRef>
-        </p:style>
-      </p:cxnSp>
-      <p:cxnSp>
-        <p:nvCxnSpPr>
-          <p:cNvPr id="250" name="直接连接符 249">
-            <a:extLst>
-              <a:ext uri="{FF2B5EF4-FFF2-40B4-BE49-F238E27FC236}">
-                <a16:creationId xmlns:a16="http://schemas.microsoft.com/office/drawing/2014/main" id="{8EE1105B-4B65-4970-879B-3FCC371B3952}"/>
-              </a:ext>
-            </a:extLst>
-          </p:cNvPr>
-          <p:cNvCxnSpPr>
-            <a:cxnSpLocks/>
-          </p:cNvCxnSpPr>
-          <p:nvPr/>
-        </p:nvCxnSpPr>
-        <p:spPr>
-          <a:xfrm flipV="1">
-            <a:off x="3160764" y="4080593"/>
-            <a:ext cx="0" cy="90000"/>
-          </a:xfrm>
-          <a:prstGeom prst="line">
-            <a:avLst/>
-          </a:prstGeom>
-        </p:spPr>
-        <p:style>
-          <a:lnRef idx="1">
-            <a:schemeClr val="dk1"/>
-          </a:lnRef>
-          <a:fillRef idx="0">
-            <a:schemeClr val="dk1"/>
-          </a:fillRef>
-          <a:effectRef idx="0">
-            <a:schemeClr val="dk1"/>
-          </a:effectRef>
-          <a:fontRef idx="minor">
-            <a:schemeClr val="tx1"/>
-          </a:fontRef>
-        </p:style>
-      </p:cxnSp>
-      <p:sp>
-        <p:nvSpPr>
-          <p:cNvPr id="257" name="矩形 256">
-            <a:extLst>
-              <a:ext uri="{FF2B5EF4-FFF2-40B4-BE49-F238E27FC236}">
-                <a16:creationId xmlns:a16="http://schemas.microsoft.com/office/drawing/2014/main" id="{2F50F704-5E9B-4A57-AD11-ADB1A494B0AA}"/>
-              </a:ext>
-            </a:extLst>
-          </p:cNvPr>
-          <p:cNvSpPr/>
-          <p:nvPr/>
-        </p:nvSpPr>
-        <p:spPr>
-          <a:xfrm>
-            <a:off x="910738" y="5430605"/>
-            <a:ext cx="1170013" cy="810010"/>
-          </a:xfrm>
-          <a:prstGeom prst="rect">
-            <a:avLst/>
-          </a:prstGeom>
-        </p:spPr>
-        <p:style>
-          <a:lnRef idx="2">
-            <a:schemeClr val="dk1"/>
-          </a:lnRef>
-          <a:fillRef idx="1">
-            <a:schemeClr val="lt1"/>
-          </a:fillRef>
-          <a:effectRef idx="0">
-            <a:schemeClr val="dk1"/>
-          </a:effectRef>
-          <a:fontRef idx="minor">
-            <a:schemeClr val="dk1"/>
-          </a:fontRef>
-        </p:style>
-        <p:txBody>
-          <a:bodyPr rtlCol="0" anchor="ctr"/>
-          <a:lstStyle/>
-          <a:p>
-            <a:pPr algn="ctr"/>
-            <a:r>
-              <a:rPr lang="zh-CN" altLang="en-US" sz="1200" dirty="0"/>
-              <a:t>电机</a:t>
-            </a:r>
-            <a:r>
-              <a:rPr lang="en-US" altLang="zh-CN" sz="1200" dirty="0"/>
-              <a:t>-</a:t>
-            </a:r>
-            <a:r>
-              <a:rPr lang="zh-CN" altLang="en-US" sz="1200" dirty="0"/>
-              <a:t>旋转刷</a:t>
-            </a:r>
-            <a:endParaRPr lang="en-US" altLang="zh-CN" sz="1200" dirty="0"/>
-          </a:p>
-        </p:txBody>
-      </p:sp>
-      <p:cxnSp>
-        <p:nvCxnSpPr>
-          <p:cNvPr id="258" name="直接连接符 257">
-            <a:extLst>
-              <a:ext uri="{FF2B5EF4-FFF2-40B4-BE49-F238E27FC236}">
-                <a16:creationId xmlns:a16="http://schemas.microsoft.com/office/drawing/2014/main" id="{E2A956C9-7565-4B8D-AFEF-E350FD0F2F35}"/>
-              </a:ext>
-            </a:extLst>
-          </p:cNvPr>
-          <p:cNvCxnSpPr>
-            <a:cxnSpLocks/>
-          </p:cNvCxnSpPr>
-          <p:nvPr/>
-        </p:nvCxnSpPr>
-        <p:spPr>
-          <a:xfrm flipV="1">
-            <a:off x="6310799" y="6870621"/>
-            <a:ext cx="0" cy="630005"/>
+          <p:cNvPr id="271" name="直接连接符 270">
+            <a:extLst>
+              <a:ext uri="{FF2B5EF4-FFF2-40B4-BE49-F238E27FC236}">
+                <a16:creationId xmlns:a16="http://schemas.microsoft.com/office/drawing/2014/main" id="{FCE86562-2A64-4E97-A7B1-E1B233C92B56}"/>
+              </a:ext>
+            </a:extLst>
+          </p:cNvPr>
+          <p:cNvCxnSpPr>
+            <a:cxnSpLocks/>
+          </p:cNvCxnSpPr>
+          <p:nvPr/>
+        </p:nvCxnSpPr>
+        <p:spPr>
+          <a:xfrm flipH="1">
+            <a:off x="2530757" y="6870623"/>
+            <a:ext cx="4680052" cy="2"/>
           </a:xfrm>
           <a:prstGeom prst="line">
             <a:avLst/>
@@ -4531,22 +4703,22 @@
       </p:cxnSp>
       <p:cxnSp>
         <p:nvCxnSpPr>
-          <p:cNvPr id="264" name="直接连接符 263">
-            <a:extLst>
-              <a:ext uri="{FF2B5EF4-FFF2-40B4-BE49-F238E27FC236}">
-                <a16:creationId xmlns:a16="http://schemas.microsoft.com/office/drawing/2014/main" id="{012D7C47-A1F2-467D-9976-79C676748AB2}"/>
-              </a:ext>
-            </a:extLst>
-          </p:cNvPr>
-          <p:cNvCxnSpPr>
-            <a:cxnSpLocks/>
-          </p:cNvCxnSpPr>
-          <p:nvPr/>
-        </p:nvCxnSpPr>
-        <p:spPr>
-          <a:xfrm flipV="1">
-            <a:off x="6490801" y="6780622"/>
-            <a:ext cx="1" cy="720008"/>
+          <p:cNvPr id="274" name="直接连接符 273">
+            <a:extLst>
+              <a:ext uri="{FF2B5EF4-FFF2-40B4-BE49-F238E27FC236}">
+                <a16:creationId xmlns:a16="http://schemas.microsoft.com/office/drawing/2014/main" id="{DCCEF35E-3EF8-472F-A888-E24DD27F5AEB}"/>
+              </a:ext>
+            </a:extLst>
+          </p:cNvPr>
+          <p:cNvCxnSpPr>
+            <a:cxnSpLocks/>
+          </p:cNvCxnSpPr>
+          <p:nvPr/>
+        </p:nvCxnSpPr>
+        <p:spPr>
+          <a:xfrm flipH="1">
+            <a:off x="2710761" y="6780622"/>
+            <a:ext cx="4680050" cy="0"/>
           </a:xfrm>
           <a:prstGeom prst="line">
             <a:avLst/>
@@ -4574,22 +4746,22 @@
       </p:cxnSp>
       <p:cxnSp>
         <p:nvCxnSpPr>
-          <p:cNvPr id="267" name="直接连接符 266">
-            <a:extLst>
-              <a:ext uri="{FF2B5EF4-FFF2-40B4-BE49-F238E27FC236}">
-                <a16:creationId xmlns:a16="http://schemas.microsoft.com/office/drawing/2014/main" id="{BFECFD8B-E54C-4A25-9863-101160E94F7E}"/>
-              </a:ext>
-            </a:extLst>
-          </p:cNvPr>
-          <p:cNvCxnSpPr>
-            <a:cxnSpLocks/>
-          </p:cNvCxnSpPr>
-          <p:nvPr/>
-        </p:nvCxnSpPr>
-        <p:spPr>
-          <a:xfrm flipV="1">
-            <a:off x="5680792" y="7320628"/>
-            <a:ext cx="0" cy="179999"/>
+          <p:cNvPr id="275" name="直接连接符 274">
+            <a:extLst>
+              <a:ext uri="{FF2B5EF4-FFF2-40B4-BE49-F238E27FC236}">
+                <a16:creationId xmlns:a16="http://schemas.microsoft.com/office/drawing/2014/main" id="{01872A44-1A58-4127-8703-AE60837EE790}"/>
+              </a:ext>
+            </a:extLst>
+          </p:cNvPr>
+          <p:cNvCxnSpPr>
+            <a:cxnSpLocks/>
+          </p:cNvCxnSpPr>
+          <p:nvPr/>
+        </p:nvCxnSpPr>
+        <p:spPr>
+          <a:xfrm flipH="1">
+            <a:off x="2528320" y="2819739"/>
+            <a:ext cx="2438" cy="4050881"/>
           </a:xfrm>
           <a:prstGeom prst="line">
             <a:avLst/>
@@ -4617,22 +4789,22 @@
       </p:cxnSp>
       <p:cxnSp>
         <p:nvCxnSpPr>
-          <p:cNvPr id="268" name="直接连接符 267">
-            <a:extLst>
-              <a:ext uri="{FF2B5EF4-FFF2-40B4-BE49-F238E27FC236}">
-                <a16:creationId xmlns:a16="http://schemas.microsoft.com/office/drawing/2014/main" id="{B52A451B-FDBA-4CEA-B9B3-F84A8F3854DE}"/>
-              </a:ext>
-            </a:extLst>
-          </p:cNvPr>
-          <p:cNvCxnSpPr>
-            <a:cxnSpLocks/>
-          </p:cNvCxnSpPr>
-          <p:nvPr/>
-        </p:nvCxnSpPr>
-        <p:spPr>
-          <a:xfrm flipV="1">
-            <a:off x="5860794" y="7230627"/>
-            <a:ext cx="0" cy="269999"/>
+          <p:cNvPr id="279" name="直接连接符 278">
+            <a:extLst>
+              <a:ext uri="{FF2B5EF4-FFF2-40B4-BE49-F238E27FC236}">
+                <a16:creationId xmlns:a16="http://schemas.microsoft.com/office/drawing/2014/main" id="{DF1E9574-B031-4221-A8DD-F8A4336BC4B0}"/>
+              </a:ext>
+            </a:extLst>
+          </p:cNvPr>
+          <p:cNvCxnSpPr>
+            <a:cxnSpLocks/>
+          </p:cNvCxnSpPr>
+          <p:nvPr/>
+        </p:nvCxnSpPr>
+        <p:spPr>
+          <a:xfrm>
+            <a:off x="2080752" y="2818901"/>
+            <a:ext cx="450005" cy="1677"/>
           </a:xfrm>
           <a:prstGeom prst="line">
             <a:avLst/>
@@ -4660,22 +4832,22 @@
       </p:cxnSp>
       <p:cxnSp>
         <p:nvCxnSpPr>
-          <p:cNvPr id="271" name="直接连接符 270">
-            <a:extLst>
-              <a:ext uri="{FF2B5EF4-FFF2-40B4-BE49-F238E27FC236}">
-                <a16:creationId xmlns:a16="http://schemas.microsoft.com/office/drawing/2014/main" id="{FCE86562-2A64-4E97-A7B1-E1B233C92B56}"/>
-              </a:ext>
-            </a:extLst>
-          </p:cNvPr>
-          <p:cNvCxnSpPr>
-            <a:cxnSpLocks/>
-          </p:cNvCxnSpPr>
-          <p:nvPr/>
-        </p:nvCxnSpPr>
-        <p:spPr>
-          <a:xfrm flipH="1">
-            <a:off x="2530757" y="6870623"/>
-            <a:ext cx="4680052" cy="2"/>
+          <p:cNvPr id="51" name="直接连接符 50">
+            <a:extLst>
+              <a:ext uri="{FF2B5EF4-FFF2-40B4-BE49-F238E27FC236}">
+                <a16:creationId xmlns:a16="http://schemas.microsoft.com/office/drawing/2014/main" id="{D5680B84-5F85-4914-A41F-CB4C598B0B0D}"/>
+              </a:ext>
+            </a:extLst>
+          </p:cNvPr>
+          <p:cNvCxnSpPr>
+            <a:cxnSpLocks/>
+          </p:cNvCxnSpPr>
+          <p:nvPr/>
+        </p:nvCxnSpPr>
+        <p:spPr>
+          <a:xfrm flipV="1">
+            <a:off x="2080752" y="3090581"/>
+            <a:ext cx="630007" cy="2"/>
           </a:xfrm>
           <a:prstGeom prst="line">
             <a:avLst/>
@@ -4703,10 +4875,10 @@
       </p:cxnSp>
       <p:cxnSp>
         <p:nvCxnSpPr>
-          <p:cNvPr id="274" name="直接连接符 273">
-            <a:extLst>
-              <a:ext uri="{FF2B5EF4-FFF2-40B4-BE49-F238E27FC236}">
-                <a16:creationId xmlns:a16="http://schemas.microsoft.com/office/drawing/2014/main" id="{DCCEF35E-3EF8-472F-A888-E24DD27F5AEB}"/>
+          <p:cNvPr id="52" name="直接连接符 51">
+            <a:extLst>
+              <a:ext uri="{FF2B5EF4-FFF2-40B4-BE49-F238E27FC236}">
+                <a16:creationId xmlns:a16="http://schemas.microsoft.com/office/drawing/2014/main" id="{654BFA88-73AE-4CC2-A917-29C4D9D24CF3}"/>
               </a:ext>
             </a:extLst>
           </p:cNvPr>
@@ -4717,8 +4889,8 @@
         </p:nvCxnSpPr>
         <p:spPr>
           <a:xfrm flipH="1">
-            <a:off x="2710761" y="6780622"/>
-            <a:ext cx="4680050" cy="0"/>
+            <a:off x="2710760" y="3090581"/>
+            <a:ext cx="1274" cy="3690030"/>
           </a:xfrm>
           <a:prstGeom prst="line">
             <a:avLst/>
@@ -4746,22 +4918,22 @@
       </p:cxnSp>
       <p:cxnSp>
         <p:nvCxnSpPr>
-          <p:cNvPr id="275" name="直接连接符 274">
-            <a:extLst>
-              <a:ext uri="{FF2B5EF4-FFF2-40B4-BE49-F238E27FC236}">
-                <a16:creationId xmlns:a16="http://schemas.microsoft.com/office/drawing/2014/main" id="{01872A44-1A58-4127-8703-AE60837EE790}"/>
-              </a:ext>
-            </a:extLst>
-          </p:cNvPr>
-          <p:cNvCxnSpPr>
-            <a:cxnSpLocks/>
-          </p:cNvCxnSpPr>
-          <p:nvPr/>
-        </p:nvCxnSpPr>
-        <p:spPr>
-          <a:xfrm flipH="1">
-            <a:off x="2528320" y="2819739"/>
-            <a:ext cx="2438" cy="4050881"/>
+          <p:cNvPr id="62" name="直接连接符 61">
+            <a:extLst>
+              <a:ext uri="{FF2B5EF4-FFF2-40B4-BE49-F238E27FC236}">
+                <a16:creationId xmlns:a16="http://schemas.microsoft.com/office/drawing/2014/main" id="{79E3C38F-4565-411C-A357-2750339B9BBA}"/>
+              </a:ext>
+            </a:extLst>
+          </p:cNvPr>
+          <p:cNvCxnSpPr>
+            <a:cxnSpLocks/>
+          </p:cNvCxnSpPr>
+          <p:nvPr/>
+        </p:nvCxnSpPr>
+        <p:spPr>
+          <a:xfrm flipV="1">
+            <a:off x="2082736" y="4529043"/>
+            <a:ext cx="630007" cy="2"/>
           </a:xfrm>
           <a:prstGeom prst="line">
             <a:avLst/>
@@ -4789,21 +4961,21 @@
       </p:cxnSp>
       <p:cxnSp>
         <p:nvCxnSpPr>
-          <p:cNvPr id="279" name="直接连接符 278">
-            <a:extLst>
-              <a:ext uri="{FF2B5EF4-FFF2-40B4-BE49-F238E27FC236}">
-                <a16:creationId xmlns:a16="http://schemas.microsoft.com/office/drawing/2014/main" id="{DF1E9574-B031-4221-A8DD-F8A4336BC4B0}"/>
-              </a:ext>
-            </a:extLst>
-          </p:cNvPr>
-          <p:cNvCxnSpPr>
-            <a:cxnSpLocks/>
-          </p:cNvCxnSpPr>
-          <p:nvPr/>
-        </p:nvCxnSpPr>
-        <p:spPr>
-          <a:xfrm>
-            <a:off x="2080752" y="2818901"/>
+          <p:cNvPr id="64" name="直接连接符 63">
+            <a:extLst>
+              <a:ext uri="{FF2B5EF4-FFF2-40B4-BE49-F238E27FC236}">
+                <a16:creationId xmlns:a16="http://schemas.microsoft.com/office/drawing/2014/main" id="{F38F01A5-9C9A-4CD5-B542-B12DD7C4112A}"/>
+              </a:ext>
+            </a:extLst>
+          </p:cNvPr>
+          <p:cNvCxnSpPr>
+            <a:cxnSpLocks/>
+          </p:cNvCxnSpPr>
+          <p:nvPr/>
+        </p:nvCxnSpPr>
+        <p:spPr>
+          <a:xfrm>
+            <a:off x="2080751" y="4260594"/>
             <a:ext cx="450005" cy="1677"/>
           </a:xfrm>
           <a:prstGeom prst="line">
@@ -4832,22 +5004,22 @@
       </p:cxnSp>
       <p:cxnSp>
         <p:nvCxnSpPr>
-          <p:cNvPr id="51" name="直接连接符 50">
-            <a:extLst>
-              <a:ext uri="{FF2B5EF4-FFF2-40B4-BE49-F238E27FC236}">
-                <a16:creationId xmlns:a16="http://schemas.microsoft.com/office/drawing/2014/main" id="{D5680B84-5F85-4914-A41F-CB4C598B0B0D}"/>
-              </a:ext>
-            </a:extLst>
-          </p:cNvPr>
-          <p:cNvCxnSpPr>
-            <a:cxnSpLocks/>
-          </p:cNvCxnSpPr>
-          <p:nvPr/>
-        </p:nvCxnSpPr>
-        <p:spPr>
-          <a:xfrm flipV="1">
-            <a:off x="2080752" y="3090581"/>
-            <a:ext cx="630007" cy="2"/>
+          <p:cNvPr id="65" name="直接连接符 64">
+            <a:extLst>
+              <a:ext uri="{FF2B5EF4-FFF2-40B4-BE49-F238E27FC236}">
+                <a16:creationId xmlns:a16="http://schemas.microsoft.com/office/drawing/2014/main" id="{86698273-076C-4578-B45B-54D6C92026A1}"/>
+              </a:ext>
+            </a:extLst>
+          </p:cNvPr>
+          <p:cNvCxnSpPr>
+            <a:cxnSpLocks/>
+          </p:cNvCxnSpPr>
+          <p:nvPr/>
+        </p:nvCxnSpPr>
+        <p:spPr>
+          <a:xfrm>
+            <a:off x="2082736" y="5700609"/>
+            <a:ext cx="445584" cy="1"/>
           </a:xfrm>
           <a:prstGeom prst="line">
             <a:avLst/>
@@ -4875,22 +5047,22 @@
       </p:cxnSp>
       <p:cxnSp>
         <p:nvCxnSpPr>
-          <p:cNvPr id="52" name="直接连接符 51">
-            <a:extLst>
-              <a:ext uri="{FF2B5EF4-FFF2-40B4-BE49-F238E27FC236}">
-                <a16:creationId xmlns:a16="http://schemas.microsoft.com/office/drawing/2014/main" id="{654BFA88-73AE-4CC2-A917-29C4D9D24CF3}"/>
-              </a:ext>
-            </a:extLst>
-          </p:cNvPr>
-          <p:cNvCxnSpPr>
-            <a:cxnSpLocks/>
-          </p:cNvCxnSpPr>
-          <p:nvPr/>
-        </p:nvCxnSpPr>
-        <p:spPr>
-          <a:xfrm flipH="1">
-            <a:off x="2710760" y="3090581"/>
-            <a:ext cx="1274" cy="3690030"/>
+          <p:cNvPr id="68" name="直接连接符 67">
+            <a:extLst>
+              <a:ext uri="{FF2B5EF4-FFF2-40B4-BE49-F238E27FC236}">
+                <a16:creationId xmlns:a16="http://schemas.microsoft.com/office/drawing/2014/main" id="{7AEE6ED1-05A0-46C3-90DA-56529285D2D5}"/>
+              </a:ext>
+            </a:extLst>
+          </p:cNvPr>
+          <p:cNvCxnSpPr>
+            <a:cxnSpLocks/>
+          </p:cNvCxnSpPr>
+          <p:nvPr/>
+        </p:nvCxnSpPr>
+        <p:spPr>
+          <a:xfrm>
+            <a:off x="2082736" y="5970612"/>
+            <a:ext cx="628023" cy="0"/>
           </a:xfrm>
           <a:prstGeom prst="line">
             <a:avLst/>
@@ -4918,10 +5090,48 @@
       </p:cxnSp>
       <p:cxnSp>
         <p:nvCxnSpPr>
-          <p:cNvPr id="62" name="直接连接符 61">
-            <a:extLst>
-              <a:ext uri="{FF2B5EF4-FFF2-40B4-BE49-F238E27FC236}">
-                <a16:creationId xmlns:a16="http://schemas.microsoft.com/office/drawing/2014/main" id="{79E3C38F-4565-411C-A357-2750339B9BBA}"/>
+          <p:cNvPr id="71" name="直接连接符 70">
+            <a:extLst>
+              <a:ext uri="{FF2B5EF4-FFF2-40B4-BE49-F238E27FC236}">
+                <a16:creationId xmlns:a16="http://schemas.microsoft.com/office/drawing/2014/main" id="{41B4B3A4-5E90-4545-A846-69437CE2D2C9}"/>
+              </a:ext>
+            </a:extLst>
+          </p:cNvPr>
+          <p:cNvCxnSpPr>
+            <a:cxnSpLocks/>
+          </p:cNvCxnSpPr>
+          <p:nvPr/>
+        </p:nvCxnSpPr>
+        <p:spPr>
+          <a:xfrm>
+            <a:off x="2082736" y="6060614"/>
+            <a:ext cx="898026" cy="0"/>
+          </a:xfrm>
+          <a:prstGeom prst="line">
+            <a:avLst/>
+          </a:prstGeom>
+        </p:spPr>
+        <p:style>
+          <a:lnRef idx="1">
+            <a:schemeClr val="dk1"/>
+          </a:lnRef>
+          <a:fillRef idx="0">
+            <a:schemeClr val="dk1"/>
+          </a:fillRef>
+          <a:effectRef idx="0">
+            <a:schemeClr val="dk1"/>
+          </a:effectRef>
+          <a:fontRef idx="minor">
+            <a:schemeClr val="tx1"/>
+          </a:fontRef>
+        </p:style>
+      </p:cxnSp>
+      <p:cxnSp>
+        <p:nvCxnSpPr>
+          <p:cNvPr id="76" name="直接连接符 75">
+            <a:extLst>
+              <a:ext uri="{FF2B5EF4-FFF2-40B4-BE49-F238E27FC236}">
+                <a16:creationId xmlns:a16="http://schemas.microsoft.com/office/drawing/2014/main" id="{87E38622-0F32-4314-9030-AE93659AA807}"/>
               </a:ext>
             </a:extLst>
           </p:cNvPr>
@@ -4932,8 +5142,1428 @@
         </p:nvCxnSpPr>
         <p:spPr>
           <a:xfrm flipV="1">
-            <a:off x="2082736" y="4529043"/>
-            <a:ext cx="630007" cy="2"/>
+            <a:off x="2980762" y="5790611"/>
+            <a:ext cx="0" cy="270004"/>
+          </a:xfrm>
+          <a:prstGeom prst="line">
+            <a:avLst/>
+          </a:prstGeom>
+        </p:spPr>
+        <p:style>
+          <a:lnRef idx="1">
+            <a:schemeClr val="dk1"/>
+          </a:lnRef>
+          <a:fillRef idx="0">
+            <a:schemeClr val="dk1"/>
+          </a:fillRef>
+          <a:effectRef idx="0">
+            <a:schemeClr val="dk1"/>
+          </a:effectRef>
+          <a:fontRef idx="minor">
+            <a:schemeClr val="tx1"/>
+          </a:fontRef>
+        </p:style>
+      </p:cxnSp>
+      <p:cxnSp>
+        <p:nvCxnSpPr>
+          <p:cNvPr id="81" name="直接连接符 80">
+            <a:extLst>
+              <a:ext uri="{FF2B5EF4-FFF2-40B4-BE49-F238E27FC236}">
+                <a16:creationId xmlns:a16="http://schemas.microsoft.com/office/drawing/2014/main" id="{E45809FE-F452-47DF-9292-B34F0B1C27CC}"/>
+              </a:ext>
+            </a:extLst>
+          </p:cNvPr>
+          <p:cNvCxnSpPr>
+            <a:cxnSpLocks/>
+          </p:cNvCxnSpPr>
+          <p:nvPr/>
+        </p:nvCxnSpPr>
+        <p:spPr>
+          <a:xfrm>
+            <a:off x="2082736" y="5610609"/>
+            <a:ext cx="718024" cy="1"/>
+          </a:xfrm>
+          <a:prstGeom prst="line">
+            <a:avLst/>
+          </a:prstGeom>
+        </p:spPr>
+        <p:style>
+          <a:lnRef idx="1">
+            <a:schemeClr val="dk1"/>
+          </a:lnRef>
+          <a:fillRef idx="0">
+            <a:schemeClr val="dk1"/>
+          </a:fillRef>
+          <a:effectRef idx="0">
+            <a:schemeClr val="dk1"/>
+          </a:effectRef>
+          <a:fontRef idx="minor">
+            <a:schemeClr val="tx1"/>
+          </a:fontRef>
+        </p:style>
+      </p:cxnSp>
+      <p:cxnSp>
+        <p:nvCxnSpPr>
+          <p:cNvPr id="84" name="直接连接符 83">
+            <a:extLst>
+              <a:ext uri="{FF2B5EF4-FFF2-40B4-BE49-F238E27FC236}">
+                <a16:creationId xmlns:a16="http://schemas.microsoft.com/office/drawing/2014/main" id="{C27F16C7-E53C-479D-AA58-A6FE5BFBED69}"/>
+              </a:ext>
+            </a:extLst>
+          </p:cNvPr>
+          <p:cNvCxnSpPr>
+            <a:cxnSpLocks/>
+          </p:cNvCxnSpPr>
+          <p:nvPr/>
+        </p:nvCxnSpPr>
+        <p:spPr>
+          <a:xfrm flipV="1">
+            <a:off x="2800760" y="5610609"/>
+            <a:ext cx="0" cy="270004"/>
+          </a:xfrm>
+          <a:prstGeom prst="line">
+            <a:avLst/>
+          </a:prstGeom>
+        </p:spPr>
+        <p:style>
+          <a:lnRef idx="1">
+            <a:schemeClr val="dk1"/>
+          </a:lnRef>
+          <a:fillRef idx="0">
+            <a:schemeClr val="dk1"/>
+          </a:fillRef>
+          <a:effectRef idx="0">
+            <a:schemeClr val="dk1"/>
+          </a:effectRef>
+          <a:fontRef idx="minor">
+            <a:schemeClr val="tx1"/>
+          </a:fontRef>
+        </p:style>
+      </p:cxnSp>
+      <p:cxnSp>
+        <p:nvCxnSpPr>
+          <p:cNvPr id="86" name="直接连接符 85">
+            <a:extLst>
+              <a:ext uri="{FF2B5EF4-FFF2-40B4-BE49-F238E27FC236}">
+                <a16:creationId xmlns:a16="http://schemas.microsoft.com/office/drawing/2014/main" id="{219D5441-F0EE-48C9-93E4-F4B95D0DD60F}"/>
+              </a:ext>
+            </a:extLst>
+          </p:cNvPr>
+          <p:cNvCxnSpPr>
+            <a:cxnSpLocks/>
+          </p:cNvCxnSpPr>
+          <p:nvPr/>
+        </p:nvCxnSpPr>
+        <p:spPr>
+          <a:xfrm>
+            <a:off x="2800760" y="5880613"/>
+            <a:ext cx="360004" cy="0"/>
+          </a:xfrm>
+          <a:prstGeom prst="line">
+            <a:avLst/>
+          </a:prstGeom>
+        </p:spPr>
+        <p:style>
+          <a:lnRef idx="1">
+            <a:schemeClr val="dk1"/>
+          </a:lnRef>
+          <a:fillRef idx="0">
+            <a:schemeClr val="dk1"/>
+          </a:fillRef>
+          <a:effectRef idx="0">
+            <a:schemeClr val="dk1"/>
+          </a:effectRef>
+          <a:fontRef idx="minor">
+            <a:schemeClr val="tx1"/>
+          </a:fontRef>
+        </p:style>
+      </p:cxnSp>
+      <p:cxnSp>
+        <p:nvCxnSpPr>
+          <p:cNvPr id="89" name="直接连接符 88">
+            <a:extLst>
+              <a:ext uri="{FF2B5EF4-FFF2-40B4-BE49-F238E27FC236}">
+                <a16:creationId xmlns:a16="http://schemas.microsoft.com/office/drawing/2014/main" id="{94D416E3-A8E0-4851-9460-0885854EC76F}"/>
+              </a:ext>
+            </a:extLst>
+          </p:cNvPr>
+          <p:cNvCxnSpPr>
+            <a:cxnSpLocks/>
+          </p:cNvCxnSpPr>
+          <p:nvPr/>
+        </p:nvCxnSpPr>
+        <p:spPr>
+          <a:xfrm flipH="1" flipV="1">
+            <a:off x="3158805" y="5790605"/>
+            <a:ext cx="1959" cy="90007"/>
+          </a:xfrm>
+          <a:prstGeom prst="line">
+            <a:avLst/>
+          </a:prstGeom>
+        </p:spPr>
+        <p:style>
+          <a:lnRef idx="1">
+            <a:schemeClr val="dk1"/>
+          </a:lnRef>
+          <a:fillRef idx="0">
+            <a:schemeClr val="dk1"/>
+          </a:fillRef>
+          <a:effectRef idx="0">
+            <a:schemeClr val="dk1"/>
+          </a:effectRef>
+          <a:fontRef idx="minor">
+            <a:schemeClr val="tx1"/>
+          </a:fontRef>
+        </p:style>
+      </p:cxnSp>
+      <p:cxnSp>
+        <p:nvCxnSpPr>
+          <p:cNvPr id="66" name="直接连接符 65">
+            <a:extLst>
+              <a:ext uri="{FF2B5EF4-FFF2-40B4-BE49-F238E27FC236}">
+                <a16:creationId xmlns:a16="http://schemas.microsoft.com/office/drawing/2014/main" id="{A213476E-E01A-499D-9B29-DED82285F2E1}"/>
+              </a:ext>
+            </a:extLst>
+          </p:cNvPr>
+          <p:cNvCxnSpPr>
+            <a:cxnSpLocks/>
+          </p:cNvCxnSpPr>
+          <p:nvPr/>
+        </p:nvCxnSpPr>
+        <p:spPr>
+          <a:xfrm>
+            <a:off x="2080752" y="2910579"/>
+            <a:ext cx="4139998" cy="0"/>
+          </a:xfrm>
+          <a:prstGeom prst="line">
+            <a:avLst/>
+          </a:prstGeom>
+          <a:ln>
+            <a:solidFill>
+              <a:srgbClr val="00B0F0"/>
+            </a:solidFill>
+          </a:ln>
+        </p:spPr>
+        <p:style>
+          <a:lnRef idx="1">
+            <a:schemeClr val="dk1"/>
+          </a:lnRef>
+          <a:fillRef idx="0">
+            <a:schemeClr val="dk1"/>
+          </a:fillRef>
+          <a:effectRef idx="0">
+            <a:schemeClr val="dk1"/>
+          </a:effectRef>
+          <a:fontRef idx="minor">
+            <a:schemeClr val="tx1"/>
+          </a:fontRef>
+        </p:style>
+      </p:cxnSp>
+      <p:cxnSp>
+        <p:nvCxnSpPr>
+          <p:cNvPr id="69" name="直接连接符 68">
+            <a:extLst>
+              <a:ext uri="{FF2B5EF4-FFF2-40B4-BE49-F238E27FC236}">
+                <a16:creationId xmlns:a16="http://schemas.microsoft.com/office/drawing/2014/main" id="{238624B8-7457-4448-9CB0-628450C97524}"/>
+              </a:ext>
+            </a:extLst>
+          </p:cNvPr>
+          <p:cNvCxnSpPr>
+            <a:cxnSpLocks/>
+          </p:cNvCxnSpPr>
+          <p:nvPr/>
+        </p:nvCxnSpPr>
+        <p:spPr>
+          <a:xfrm flipV="1">
+            <a:off x="6220750" y="2910567"/>
+            <a:ext cx="0" cy="1259226"/>
+          </a:xfrm>
+          <a:prstGeom prst="line">
+            <a:avLst/>
+          </a:prstGeom>
+          <a:ln>
+            <a:solidFill>
+              <a:srgbClr val="00B0F0"/>
+            </a:solidFill>
+          </a:ln>
+        </p:spPr>
+        <p:style>
+          <a:lnRef idx="1">
+            <a:schemeClr val="dk1"/>
+          </a:lnRef>
+          <a:fillRef idx="0">
+            <a:schemeClr val="dk1"/>
+          </a:fillRef>
+          <a:effectRef idx="0">
+            <a:schemeClr val="dk1"/>
+          </a:effectRef>
+          <a:fontRef idx="minor">
+            <a:schemeClr val="tx1"/>
+          </a:fontRef>
+        </p:style>
+      </p:cxnSp>
+      <p:cxnSp>
+        <p:nvCxnSpPr>
+          <p:cNvPr id="70" name="直接连接符 69">
+            <a:extLst>
+              <a:ext uri="{FF2B5EF4-FFF2-40B4-BE49-F238E27FC236}">
+                <a16:creationId xmlns:a16="http://schemas.microsoft.com/office/drawing/2014/main" id="{18DC636F-3913-4719-AD59-287C7AC6BB57}"/>
+              </a:ext>
+            </a:extLst>
+          </p:cNvPr>
+          <p:cNvCxnSpPr>
+            <a:cxnSpLocks/>
+          </p:cNvCxnSpPr>
+          <p:nvPr/>
+        </p:nvCxnSpPr>
+        <p:spPr>
+          <a:xfrm flipH="1" flipV="1">
+            <a:off x="6220750" y="4169793"/>
+            <a:ext cx="180003" cy="1553"/>
+          </a:xfrm>
+          <a:prstGeom prst="line">
+            <a:avLst/>
+          </a:prstGeom>
+          <a:ln>
+            <a:solidFill>
+              <a:srgbClr val="00B0F0"/>
+            </a:solidFill>
+          </a:ln>
+        </p:spPr>
+        <p:style>
+          <a:lnRef idx="1">
+            <a:schemeClr val="dk1"/>
+          </a:lnRef>
+          <a:fillRef idx="0">
+            <a:schemeClr val="dk1"/>
+          </a:fillRef>
+          <a:effectRef idx="0">
+            <a:schemeClr val="dk1"/>
+          </a:effectRef>
+          <a:fontRef idx="minor">
+            <a:schemeClr val="tx1"/>
+          </a:fontRef>
+        </p:style>
+      </p:cxnSp>
+      <p:cxnSp>
+        <p:nvCxnSpPr>
+          <p:cNvPr id="79" name="直接连接符 78">
+            <a:extLst>
+              <a:ext uri="{FF2B5EF4-FFF2-40B4-BE49-F238E27FC236}">
+                <a16:creationId xmlns:a16="http://schemas.microsoft.com/office/drawing/2014/main" id="{6E1A3097-776E-448F-8EE8-FA280B89DB61}"/>
+              </a:ext>
+            </a:extLst>
+          </p:cNvPr>
+          <p:cNvCxnSpPr>
+            <a:cxnSpLocks/>
+          </p:cNvCxnSpPr>
+          <p:nvPr/>
+        </p:nvCxnSpPr>
+        <p:spPr>
+          <a:xfrm>
+            <a:off x="2082736" y="3000580"/>
+            <a:ext cx="4048061" cy="0"/>
+          </a:xfrm>
+          <a:prstGeom prst="line">
+            <a:avLst/>
+          </a:prstGeom>
+          <a:ln>
+            <a:solidFill>
+              <a:srgbClr val="00B0F0"/>
+            </a:solidFill>
+          </a:ln>
+        </p:spPr>
+        <p:style>
+          <a:lnRef idx="1">
+            <a:schemeClr val="dk1"/>
+          </a:lnRef>
+          <a:fillRef idx="0">
+            <a:schemeClr val="dk1"/>
+          </a:fillRef>
+          <a:effectRef idx="0">
+            <a:schemeClr val="dk1"/>
+          </a:effectRef>
+          <a:fontRef idx="minor">
+            <a:schemeClr val="tx1"/>
+          </a:fontRef>
+        </p:style>
+      </p:cxnSp>
+      <p:cxnSp>
+        <p:nvCxnSpPr>
+          <p:cNvPr id="85" name="直接连接符 84">
+            <a:extLst>
+              <a:ext uri="{FF2B5EF4-FFF2-40B4-BE49-F238E27FC236}">
+                <a16:creationId xmlns:a16="http://schemas.microsoft.com/office/drawing/2014/main" id="{9C6A8B5A-6E1F-4B6C-A116-8C794AF8D8BA}"/>
+              </a:ext>
+            </a:extLst>
+          </p:cNvPr>
+          <p:cNvCxnSpPr>
+            <a:cxnSpLocks/>
+          </p:cNvCxnSpPr>
+          <p:nvPr/>
+        </p:nvCxnSpPr>
+        <p:spPr>
+          <a:xfrm flipV="1">
+            <a:off x="6130798" y="3000581"/>
+            <a:ext cx="0" cy="1259993"/>
+          </a:xfrm>
+          <a:prstGeom prst="line">
+            <a:avLst/>
+          </a:prstGeom>
+          <a:ln>
+            <a:solidFill>
+              <a:srgbClr val="00B0F0"/>
+            </a:solidFill>
+          </a:ln>
+        </p:spPr>
+        <p:style>
+          <a:lnRef idx="1">
+            <a:schemeClr val="dk1"/>
+          </a:lnRef>
+          <a:fillRef idx="0">
+            <a:schemeClr val="dk1"/>
+          </a:fillRef>
+          <a:effectRef idx="0">
+            <a:schemeClr val="dk1"/>
+          </a:effectRef>
+          <a:fontRef idx="minor">
+            <a:schemeClr val="tx1"/>
+          </a:fontRef>
+        </p:style>
+      </p:cxnSp>
+      <p:cxnSp>
+        <p:nvCxnSpPr>
+          <p:cNvPr id="87" name="直接连接符 86">
+            <a:extLst>
+              <a:ext uri="{FF2B5EF4-FFF2-40B4-BE49-F238E27FC236}">
+                <a16:creationId xmlns:a16="http://schemas.microsoft.com/office/drawing/2014/main" id="{B41BDDBE-2610-451E-9D13-B9D3E700AA8E}"/>
+              </a:ext>
+            </a:extLst>
+          </p:cNvPr>
+          <p:cNvCxnSpPr>
+            <a:cxnSpLocks/>
+          </p:cNvCxnSpPr>
+          <p:nvPr/>
+        </p:nvCxnSpPr>
+        <p:spPr>
+          <a:xfrm flipH="1">
+            <a:off x="6130726" y="4260578"/>
+            <a:ext cx="270073" cy="1"/>
+          </a:xfrm>
+          <a:prstGeom prst="line">
+            <a:avLst/>
+          </a:prstGeom>
+          <a:ln>
+            <a:solidFill>
+              <a:srgbClr val="00B0F0"/>
+            </a:solidFill>
+          </a:ln>
+        </p:spPr>
+        <p:style>
+          <a:lnRef idx="1">
+            <a:schemeClr val="dk1"/>
+          </a:lnRef>
+          <a:fillRef idx="0">
+            <a:schemeClr val="dk1"/>
+          </a:fillRef>
+          <a:effectRef idx="0">
+            <a:schemeClr val="dk1"/>
+          </a:effectRef>
+          <a:fontRef idx="minor">
+            <a:schemeClr val="tx1"/>
+          </a:fontRef>
+        </p:style>
+      </p:cxnSp>
+      <p:cxnSp>
+        <p:nvCxnSpPr>
+          <p:cNvPr id="96" name="直接连接符 95">
+            <a:extLst>
+              <a:ext uri="{FF2B5EF4-FFF2-40B4-BE49-F238E27FC236}">
+                <a16:creationId xmlns:a16="http://schemas.microsoft.com/office/drawing/2014/main" id="{9B7F50DE-B376-48D2-A21E-933396C404C6}"/>
+              </a:ext>
+            </a:extLst>
+          </p:cNvPr>
+          <p:cNvCxnSpPr>
+            <a:cxnSpLocks/>
+          </p:cNvCxnSpPr>
+          <p:nvPr/>
+        </p:nvCxnSpPr>
+        <p:spPr>
+          <a:xfrm>
+            <a:off x="2080752" y="4350595"/>
+            <a:ext cx="4320047" cy="0"/>
+          </a:xfrm>
+          <a:prstGeom prst="line">
+            <a:avLst/>
+          </a:prstGeom>
+          <a:ln>
+            <a:solidFill>
+              <a:srgbClr val="00B0F0"/>
+            </a:solidFill>
+          </a:ln>
+        </p:spPr>
+        <p:style>
+          <a:lnRef idx="1">
+            <a:schemeClr val="dk1"/>
+          </a:lnRef>
+          <a:fillRef idx="0">
+            <a:schemeClr val="dk1"/>
+          </a:fillRef>
+          <a:effectRef idx="0">
+            <a:schemeClr val="dk1"/>
+          </a:effectRef>
+          <a:fontRef idx="minor">
+            <a:schemeClr val="tx1"/>
+          </a:fontRef>
+        </p:style>
+      </p:cxnSp>
+      <p:cxnSp>
+        <p:nvCxnSpPr>
+          <p:cNvPr id="98" name="直接连接符 97">
+            <a:extLst>
+              <a:ext uri="{FF2B5EF4-FFF2-40B4-BE49-F238E27FC236}">
+                <a16:creationId xmlns:a16="http://schemas.microsoft.com/office/drawing/2014/main" id="{C4D9F690-7B2F-45E2-9E03-0324944AA552}"/>
+              </a:ext>
+            </a:extLst>
+          </p:cNvPr>
+          <p:cNvCxnSpPr>
+            <a:cxnSpLocks/>
+          </p:cNvCxnSpPr>
+          <p:nvPr/>
+        </p:nvCxnSpPr>
+        <p:spPr>
+          <a:xfrm>
+            <a:off x="2082736" y="4440596"/>
+            <a:ext cx="4318064" cy="0"/>
+          </a:xfrm>
+          <a:prstGeom prst="line">
+            <a:avLst/>
+          </a:prstGeom>
+          <a:ln>
+            <a:solidFill>
+              <a:srgbClr val="00B0F0"/>
+            </a:solidFill>
+          </a:ln>
+        </p:spPr>
+        <p:style>
+          <a:lnRef idx="1">
+            <a:schemeClr val="dk1"/>
+          </a:lnRef>
+          <a:fillRef idx="0">
+            <a:schemeClr val="dk1"/>
+          </a:fillRef>
+          <a:effectRef idx="0">
+            <a:schemeClr val="dk1"/>
+          </a:effectRef>
+          <a:fontRef idx="minor">
+            <a:schemeClr val="tx1"/>
+          </a:fontRef>
+        </p:style>
+      </p:cxnSp>
+      <p:cxnSp>
+        <p:nvCxnSpPr>
+          <p:cNvPr id="100" name="直接连接符 99">
+            <a:extLst>
+              <a:ext uri="{FF2B5EF4-FFF2-40B4-BE49-F238E27FC236}">
+                <a16:creationId xmlns:a16="http://schemas.microsoft.com/office/drawing/2014/main" id="{7CC014E1-B006-433B-8DD2-66C96E26A654}"/>
+              </a:ext>
+            </a:extLst>
+          </p:cNvPr>
+          <p:cNvCxnSpPr>
+            <a:cxnSpLocks/>
+          </p:cNvCxnSpPr>
+          <p:nvPr/>
+        </p:nvCxnSpPr>
+        <p:spPr>
+          <a:xfrm>
+            <a:off x="4060774" y="5340606"/>
+            <a:ext cx="1080012" cy="0"/>
+          </a:xfrm>
+          <a:prstGeom prst="line">
+            <a:avLst/>
+          </a:prstGeom>
+        </p:spPr>
+        <p:style>
+          <a:lnRef idx="1">
+            <a:schemeClr val="dk1"/>
+          </a:lnRef>
+          <a:fillRef idx="0">
+            <a:schemeClr val="dk1"/>
+          </a:fillRef>
+          <a:effectRef idx="0">
+            <a:schemeClr val="dk1"/>
+          </a:effectRef>
+          <a:fontRef idx="minor">
+            <a:schemeClr val="tx1"/>
+          </a:fontRef>
+        </p:style>
+      </p:cxnSp>
+      <p:cxnSp>
+        <p:nvCxnSpPr>
+          <p:cNvPr id="101" name="直接连接符 100">
+            <a:extLst>
+              <a:ext uri="{FF2B5EF4-FFF2-40B4-BE49-F238E27FC236}">
+                <a16:creationId xmlns:a16="http://schemas.microsoft.com/office/drawing/2014/main" id="{8D3C86AC-B8B2-4356-A929-747AC45E6148}"/>
+              </a:ext>
+            </a:extLst>
+          </p:cNvPr>
+          <p:cNvCxnSpPr>
+            <a:cxnSpLocks/>
+          </p:cNvCxnSpPr>
+          <p:nvPr/>
+        </p:nvCxnSpPr>
+        <p:spPr>
+          <a:xfrm>
+            <a:off x="4060774" y="5430607"/>
+            <a:ext cx="1170013" cy="0"/>
+          </a:xfrm>
+          <a:prstGeom prst="line">
+            <a:avLst/>
+          </a:prstGeom>
+        </p:spPr>
+        <p:style>
+          <a:lnRef idx="1">
+            <a:schemeClr val="dk1"/>
+          </a:lnRef>
+          <a:fillRef idx="0">
+            <a:schemeClr val="dk1"/>
+          </a:fillRef>
+          <a:effectRef idx="0">
+            <a:schemeClr val="dk1"/>
+          </a:effectRef>
+          <a:fontRef idx="minor">
+            <a:schemeClr val="tx1"/>
+          </a:fontRef>
+        </p:style>
+      </p:cxnSp>
+      <p:cxnSp>
+        <p:nvCxnSpPr>
+          <p:cNvPr id="102" name="直接连接符 101">
+            <a:extLst>
+              <a:ext uri="{FF2B5EF4-FFF2-40B4-BE49-F238E27FC236}">
+                <a16:creationId xmlns:a16="http://schemas.microsoft.com/office/drawing/2014/main" id="{8CCB5B7D-124D-4FC8-A3A4-C478F2ADA548}"/>
+              </a:ext>
+            </a:extLst>
+          </p:cNvPr>
+          <p:cNvCxnSpPr>
+            <a:cxnSpLocks/>
+          </p:cNvCxnSpPr>
+          <p:nvPr/>
+        </p:nvCxnSpPr>
+        <p:spPr>
+          <a:xfrm>
+            <a:off x="4060727" y="5520608"/>
+            <a:ext cx="1260061" cy="0"/>
+          </a:xfrm>
+          <a:prstGeom prst="line">
+            <a:avLst/>
+          </a:prstGeom>
+        </p:spPr>
+        <p:style>
+          <a:lnRef idx="1">
+            <a:schemeClr val="dk1"/>
+          </a:lnRef>
+          <a:fillRef idx="0">
+            <a:schemeClr val="dk1"/>
+          </a:fillRef>
+          <a:effectRef idx="0">
+            <a:schemeClr val="dk1"/>
+          </a:effectRef>
+          <a:fontRef idx="minor">
+            <a:schemeClr val="tx1"/>
+          </a:fontRef>
+        </p:style>
+      </p:cxnSp>
+      <p:cxnSp>
+        <p:nvCxnSpPr>
+          <p:cNvPr id="106" name="直接连接符 105">
+            <a:extLst>
+              <a:ext uri="{FF2B5EF4-FFF2-40B4-BE49-F238E27FC236}">
+                <a16:creationId xmlns:a16="http://schemas.microsoft.com/office/drawing/2014/main" id="{F7209044-D884-4360-B043-013DD7C7F327}"/>
+              </a:ext>
+            </a:extLst>
+          </p:cNvPr>
+          <p:cNvCxnSpPr>
+            <a:cxnSpLocks/>
+          </p:cNvCxnSpPr>
+          <p:nvPr/>
+        </p:nvCxnSpPr>
+        <p:spPr>
+          <a:xfrm>
+            <a:off x="5320788" y="4080592"/>
+            <a:ext cx="1075525" cy="0"/>
+          </a:xfrm>
+          <a:prstGeom prst="line">
+            <a:avLst/>
+          </a:prstGeom>
+        </p:spPr>
+        <p:style>
+          <a:lnRef idx="1">
+            <a:schemeClr val="dk1"/>
+          </a:lnRef>
+          <a:fillRef idx="0">
+            <a:schemeClr val="dk1"/>
+          </a:fillRef>
+          <a:effectRef idx="0">
+            <a:schemeClr val="dk1"/>
+          </a:effectRef>
+          <a:fontRef idx="minor">
+            <a:schemeClr val="tx1"/>
+          </a:fontRef>
+        </p:style>
+      </p:cxnSp>
+      <p:cxnSp>
+        <p:nvCxnSpPr>
+          <p:cNvPr id="119" name="直接连接符 118">
+            <a:extLst>
+              <a:ext uri="{FF2B5EF4-FFF2-40B4-BE49-F238E27FC236}">
+                <a16:creationId xmlns:a16="http://schemas.microsoft.com/office/drawing/2014/main" id="{489B54FB-342D-43AE-B924-9D30F11DA25B}"/>
+              </a:ext>
+            </a:extLst>
+          </p:cNvPr>
+          <p:cNvCxnSpPr>
+            <a:cxnSpLocks/>
+          </p:cNvCxnSpPr>
+          <p:nvPr/>
+        </p:nvCxnSpPr>
+        <p:spPr>
+          <a:xfrm>
+            <a:off x="5231157" y="3990591"/>
+            <a:ext cx="1170013" cy="0"/>
+          </a:xfrm>
+          <a:prstGeom prst="line">
+            <a:avLst/>
+          </a:prstGeom>
+        </p:spPr>
+        <p:style>
+          <a:lnRef idx="1">
+            <a:schemeClr val="dk1"/>
+          </a:lnRef>
+          <a:fillRef idx="0">
+            <a:schemeClr val="dk1"/>
+          </a:fillRef>
+          <a:effectRef idx="0">
+            <a:schemeClr val="dk1"/>
+          </a:effectRef>
+          <a:fontRef idx="minor">
+            <a:schemeClr val="tx1"/>
+          </a:fontRef>
+        </p:style>
+      </p:cxnSp>
+      <p:cxnSp>
+        <p:nvCxnSpPr>
+          <p:cNvPr id="120" name="直接连接符 119">
+            <a:extLst>
+              <a:ext uri="{FF2B5EF4-FFF2-40B4-BE49-F238E27FC236}">
+                <a16:creationId xmlns:a16="http://schemas.microsoft.com/office/drawing/2014/main" id="{ED7EA00A-84FF-46AD-9828-DD9A6158DB8A}"/>
+              </a:ext>
+            </a:extLst>
+          </p:cNvPr>
+          <p:cNvCxnSpPr>
+            <a:cxnSpLocks/>
+          </p:cNvCxnSpPr>
+          <p:nvPr/>
+        </p:nvCxnSpPr>
+        <p:spPr>
+          <a:xfrm>
+            <a:off x="5140786" y="3900590"/>
+            <a:ext cx="1260061" cy="0"/>
+          </a:xfrm>
+          <a:prstGeom prst="line">
+            <a:avLst/>
+          </a:prstGeom>
+        </p:spPr>
+        <p:style>
+          <a:lnRef idx="1">
+            <a:schemeClr val="dk1"/>
+          </a:lnRef>
+          <a:fillRef idx="0">
+            <a:schemeClr val="dk1"/>
+          </a:fillRef>
+          <a:effectRef idx="0">
+            <a:schemeClr val="dk1"/>
+          </a:effectRef>
+          <a:fontRef idx="minor">
+            <a:schemeClr val="tx1"/>
+          </a:fontRef>
+        </p:style>
+      </p:cxnSp>
+      <p:cxnSp>
+        <p:nvCxnSpPr>
+          <p:cNvPr id="121" name="直接连接符 120">
+            <a:extLst>
+              <a:ext uri="{FF2B5EF4-FFF2-40B4-BE49-F238E27FC236}">
+                <a16:creationId xmlns:a16="http://schemas.microsoft.com/office/drawing/2014/main" id="{8470257A-99D4-4F7B-9676-6A307EFB1D4F}"/>
+              </a:ext>
+            </a:extLst>
+          </p:cNvPr>
+          <p:cNvCxnSpPr>
+            <a:cxnSpLocks/>
+          </p:cNvCxnSpPr>
+          <p:nvPr/>
+        </p:nvCxnSpPr>
+        <p:spPr>
+          <a:xfrm>
+            <a:off x="5320788" y="4080592"/>
+            <a:ext cx="0" cy="1440016"/>
+          </a:xfrm>
+          <a:prstGeom prst="line">
+            <a:avLst/>
+          </a:prstGeom>
+        </p:spPr>
+        <p:style>
+          <a:lnRef idx="1">
+            <a:schemeClr val="dk1"/>
+          </a:lnRef>
+          <a:fillRef idx="0">
+            <a:schemeClr val="dk1"/>
+          </a:fillRef>
+          <a:effectRef idx="0">
+            <a:schemeClr val="dk1"/>
+          </a:effectRef>
+          <a:fontRef idx="minor">
+            <a:schemeClr val="tx1"/>
+          </a:fontRef>
+        </p:style>
+      </p:cxnSp>
+      <p:cxnSp>
+        <p:nvCxnSpPr>
+          <p:cNvPr id="125" name="直接连接符 124">
+            <a:extLst>
+              <a:ext uri="{FF2B5EF4-FFF2-40B4-BE49-F238E27FC236}">
+                <a16:creationId xmlns:a16="http://schemas.microsoft.com/office/drawing/2014/main" id="{143C3DFB-C5AB-4855-8EF6-35C91FA08FE6}"/>
+              </a:ext>
+            </a:extLst>
+          </p:cNvPr>
+          <p:cNvCxnSpPr>
+            <a:cxnSpLocks/>
+          </p:cNvCxnSpPr>
+          <p:nvPr/>
+        </p:nvCxnSpPr>
+        <p:spPr>
+          <a:xfrm>
+            <a:off x="5230787" y="3990591"/>
+            <a:ext cx="0" cy="1440016"/>
+          </a:xfrm>
+          <a:prstGeom prst="line">
+            <a:avLst/>
+          </a:prstGeom>
+        </p:spPr>
+        <p:style>
+          <a:lnRef idx="1">
+            <a:schemeClr val="dk1"/>
+          </a:lnRef>
+          <a:fillRef idx="0">
+            <a:schemeClr val="dk1"/>
+          </a:fillRef>
+          <a:effectRef idx="0">
+            <a:schemeClr val="dk1"/>
+          </a:effectRef>
+          <a:fontRef idx="minor">
+            <a:schemeClr val="tx1"/>
+          </a:fontRef>
+        </p:style>
+      </p:cxnSp>
+      <p:cxnSp>
+        <p:nvCxnSpPr>
+          <p:cNvPr id="126" name="直接连接符 125">
+            <a:extLst>
+              <a:ext uri="{FF2B5EF4-FFF2-40B4-BE49-F238E27FC236}">
+                <a16:creationId xmlns:a16="http://schemas.microsoft.com/office/drawing/2014/main" id="{9400B7B4-E9A2-470D-9645-CA6F87870D13}"/>
+              </a:ext>
+            </a:extLst>
+          </p:cNvPr>
+          <p:cNvCxnSpPr>
+            <a:cxnSpLocks/>
+          </p:cNvCxnSpPr>
+          <p:nvPr/>
+        </p:nvCxnSpPr>
+        <p:spPr>
+          <a:xfrm>
+            <a:off x="5140786" y="3900590"/>
+            <a:ext cx="0" cy="1440016"/>
+          </a:xfrm>
+          <a:prstGeom prst="line">
+            <a:avLst/>
+          </a:prstGeom>
+        </p:spPr>
+        <p:style>
+          <a:lnRef idx="1">
+            <a:schemeClr val="dk1"/>
+          </a:lnRef>
+          <a:fillRef idx="0">
+            <a:schemeClr val="dk1"/>
+          </a:fillRef>
+          <a:effectRef idx="0">
+            <a:schemeClr val="dk1"/>
+          </a:effectRef>
+          <a:fontRef idx="minor">
+            <a:schemeClr val="tx1"/>
+          </a:fontRef>
+        </p:style>
+      </p:cxnSp>
+      <p:cxnSp>
+        <p:nvCxnSpPr>
+          <p:cNvPr id="127" name="直接连接符 126">
+            <a:extLst>
+              <a:ext uri="{FF2B5EF4-FFF2-40B4-BE49-F238E27FC236}">
+                <a16:creationId xmlns:a16="http://schemas.microsoft.com/office/drawing/2014/main" id="{8E8E9A3B-7C77-4B15-81B9-5E88E11D8577}"/>
+              </a:ext>
+            </a:extLst>
+          </p:cNvPr>
+          <p:cNvCxnSpPr>
+            <a:cxnSpLocks/>
+          </p:cNvCxnSpPr>
+          <p:nvPr/>
+        </p:nvCxnSpPr>
+        <p:spPr>
+          <a:xfrm>
+            <a:off x="2080752" y="5790605"/>
+            <a:ext cx="267521" cy="0"/>
+          </a:xfrm>
+          <a:prstGeom prst="line">
+            <a:avLst/>
+          </a:prstGeom>
+          <a:ln>
+            <a:solidFill>
+              <a:srgbClr val="00B0F0"/>
+            </a:solidFill>
+          </a:ln>
+        </p:spPr>
+        <p:style>
+          <a:lnRef idx="1">
+            <a:schemeClr val="dk1"/>
+          </a:lnRef>
+          <a:fillRef idx="0">
+            <a:schemeClr val="dk1"/>
+          </a:fillRef>
+          <a:effectRef idx="0">
+            <a:schemeClr val="dk1"/>
+          </a:effectRef>
+          <a:fontRef idx="minor">
+            <a:schemeClr val="tx1"/>
+          </a:fontRef>
+        </p:style>
+      </p:cxnSp>
+      <p:cxnSp>
+        <p:nvCxnSpPr>
+          <p:cNvPr id="133" name="直接连接符 132">
+            <a:extLst>
+              <a:ext uri="{FF2B5EF4-FFF2-40B4-BE49-F238E27FC236}">
+                <a16:creationId xmlns:a16="http://schemas.microsoft.com/office/drawing/2014/main" id="{2A6FC7CE-B409-4B44-B700-B0C1C5B7BA74}"/>
+              </a:ext>
+            </a:extLst>
+          </p:cNvPr>
+          <p:cNvCxnSpPr>
+            <a:cxnSpLocks/>
+          </p:cNvCxnSpPr>
+          <p:nvPr/>
+        </p:nvCxnSpPr>
+        <p:spPr>
+          <a:xfrm>
+            <a:off x="2080752" y="5880601"/>
+            <a:ext cx="360004" cy="12"/>
+          </a:xfrm>
+          <a:prstGeom prst="line">
+            <a:avLst/>
+          </a:prstGeom>
+          <a:ln>
+            <a:solidFill>
+              <a:srgbClr val="00B0F0"/>
+            </a:solidFill>
+          </a:ln>
+        </p:spPr>
+        <p:style>
+          <a:lnRef idx="1">
+            <a:schemeClr val="dk1"/>
+          </a:lnRef>
+          <a:fillRef idx="0">
+            <a:schemeClr val="dk1"/>
+          </a:fillRef>
+          <a:effectRef idx="0">
+            <a:schemeClr val="dk1"/>
+          </a:effectRef>
+          <a:fontRef idx="minor">
+            <a:schemeClr val="tx1"/>
+          </a:fontRef>
+        </p:style>
+      </p:cxnSp>
+      <p:cxnSp>
+        <p:nvCxnSpPr>
+          <p:cNvPr id="136" name="直接连接符 135">
+            <a:extLst>
+              <a:ext uri="{FF2B5EF4-FFF2-40B4-BE49-F238E27FC236}">
+                <a16:creationId xmlns:a16="http://schemas.microsoft.com/office/drawing/2014/main" id="{3639AF3B-95BC-4F53-8A1C-CAEF0EB6842E}"/>
+              </a:ext>
+            </a:extLst>
+          </p:cNvPr>
+          <p:cNvCxnSpPr>
+            <a:cxnSpLocks/>
+          </p:cNvCxnSpPr>
+          <p:nvPr/>
+        </p:nvCxnSpPr>
+        <p:spPr>
+          <a:xfrm flipV="1">
+            <a:off x="2348273" y="4799047"/>
+            <a:ext cx="0" cy="991558"/>
+          </a:xfrm>
+          <a:prstGeom prst="line">
+            <a:avLst/>
+          </a:prstGeom>
+          <a:ln>
+            <a:solidFill>
+              <a:srgbClr val="00B0F0"/>
+            </a:solidFill>
+          </a:ln>
+        </p:spPr>
+        <p:style>
+          <a:lnRef idx="1">
+            <a:schemeClr val="dk1"/>
+          </a:lnRef>
+          <a:fillRef idx="0">
+            <a:schemeClr val="dk1"/>
+          </a:fillRef>
+          <a:effectRef idx="0">
+            <a:schemeClr val="dk1"/>
+          </a:effectRef>
+          <a:fontRef idx="minor">
+            <a:schemeClr val="tx1"/>
+          </a:fontRef>
+        </p:style>
+      </p:cxnSp>
+      <p:cxnSp>
+        <p:nvCxnSpPr>
+          <p:cNvPr id="139" name="直接连接符 138">
+            <a:extLst>
+              <a:ext uri="{FF2B5EF4-FFF2-40B4-BE49-F238E27FC236}">
+                <a16:creationId xmlns:a16="http://schemas.microsoft.com/office/drawing/2014/main" id="{5BC11CB0-9387-428E-8EB7-C5C77657C6A7}"/>
+              </a:ext>
+            </a:extLst>
+          </p:cNvPr>
+          <p:cNvCxnSpPr>
+            <a:cxnSpLocks/>
+          </p:cNvCxnSpPr>
+          <p:nvPr/>
+        </p:nvCxnSpPr>
+        <p:spPr>
+          <a:xfrm flipV="1">
+            <a:off x="2440756" y="4889047"/>
+            <a:ext cx="0" cy="991566"/>
+          </a:xfrm>
+          <a:prstGeom prst="line">
+            <a:avLst/>
+          </a:prstGeom>
+          <a:ln>
+            <a:solidFill>
+              <a:srgbClr val="00B0F0"/>
+            </a:solidFill>
+          </a:ln>
+        </p:spPr>
+        <p:style>
+          <a:lnRef idx="1">
+            <a:schemeClr val="dk1"/>
+          </a:lnRef>
+          <a:fillRef idx="0">
+            <a:schemeClr val="dk1"/>
+          </a:fillRef>
+          <a:effectRef idx="0">
+            <a:schemeClr val="dk1"/>
+          </a:effectRef>
+          <a:fontRef idx="minor">
+            <a:schemeClr val="tx1"/>
+          </a:fontRef>
+        </p:style>
+      </p:cxnSp>
+      <p:cxnSp>
+        <p:nvCxnSpPr>
+          <p:cNvPr id="144" name="直接连接符 143">
+            <a:extLst>
+              <a:ext uri="{FF2B5EF4-FFF2-40B4-BE49-F238E27FC236}">
+                <a16:creationId xmlns:a16="http://schemas.microsoft.com/office/drawing/2014/main" id="{DA829554-18AF-4C44-8D58-809B73021928}"/>
+              </a:ext>
+            </a:extLst>
+          </p:cNvPr>
+          <p:cNvCxnSpPr>
+            <a:cxnSpLocks/>
+          </p:cNvCxnSpPr>
+          <p:nvPr/>
+        </p:nvCxnSpPr>
+        <p:spPr>
+          <a:xfrm flipH="1">
+            <a:off x="2348273" y="4799047"/>
+            <a:ext cx="3782453" cy="0"/>
+          </a:xfrm>
+          <a:prstGeom prst="line">
+            <a:avLst/>
+          </a:prstGeom>
+          <a:ln>
+            <a:solidFill>
+              <a:srgbClr val="00B0F0"/>
+            </a:solidFill>
+          </a:ln>
+        </p:spPr>
+        <p:style>
+          <a:lnRef idx="1">
+            <a:schemeClr val="dk1"/>
+          </a:lnRef>
+          <a:fillRef idx="0">
+            <a:schemeClr val="dk1"/>
+          </a:fillRef>
+          <a:effectRef idx="0">
+            <a:schemeClr val="dk1"/>
+          </a:effectRef>
+          <a:fontRef idx="minor">
+            <a:schemeClr val="tx1"/>
+          </a:fontRef>
+        </p:style>
+      </p:cxnSp>
+      <p:cxnSp>
+        <p:nvCxnSpPr>
+          <p:cNvPr id="147" name="直接连接符 146">
+            <a:extLst>
+              <a:ext uri="{FF2B5EF4-FFF2-40B4-BE49-F238E27FC236}">
+                <a16:creationId xmlns:a16="http://schemas.microsoft.com/office/drawing/2014/main" id="{CB02DE9B-5FFE-443D-9D23-C31D63C1AD01}"/>
+              </a:ext>
+            </a:extLst>
+          </p:cNvPr>
+          <p:cNvCxnSpPr>
+            <a:cxnSpLocks/>
+          </p:cNvCxnSpPr>
+          <p:nvPr/>
+        </p:nvCxnSpPr>
+        <p:spPr>
+          <a:xfrm flipH="1">
+            <a:off x="2440756" y="4890601"/>
+            <a:ext cx="3782453" cy="0"/>
+          </a:xfrm>
+          <a:prstGeom prst="line">
+            <a:avLst/>
+          </a:prstGeom>
+          <a:ln>
+            <a:solidFill>
+              <a:srgbClr val="00B0F0"/>
+            </a:solidFill>
+          </a:ln>
+        </p:spPr>
+        <p:style>
+          <a:lnRef idx="1">
+            <a:schemeClr val="dk1"/>
+          </a:lnRef>
+          <a:fillRef idx="0">
+            <a:schemeClr val="dk1"/>
+          </a:fillRef>
+          <a:effectRef idx="0">
+            <a:schemeClr val="dk1"/>
+          </a:effectRef>
+          <a:fontRef idx="minor">
+            <a:schemeClr val="tx1"/>
+          </a:fontRef>
+        </p:style>
+      </p:cxnSp>
+      <p:cxnSp>
+        <p:nvCxnSpPr>
+          <p:cNvPr id="148" name="直接连接符 147">
+            <a:extLst>
+              <a:ext uri="{FF2B5EF4-FFF2-40B4-BE49-F238E27FC236}">
+                <a16:creationId xmlns:a16="http://schemas.microsoft.com/office/drawing/2014/main" id="{8011D2BE-8BDE-4DB0-906F-CAA07DBCEAC8}"/>
+              </a:ext>
+            </a:extLst>
+          </p:cNvPr>
+          <p:cNvCxnSpPr>
+            <a:cxnSpLocks/>
+          </p:cNvCxnSpPr>
+          <p:nvPr/>
+        </p:nvCxnSpPr>
+        <p:spPr>
+          <a:xfrm flipH="1">
+            <a:off x="6130797" y="4530597"/>
+            <a:ext cx="270073" cy="1"/>
+          </a:xfrm>
+          <a:prstGeom prst="line">
+            <a:avLst/>
+          </a:prstGeom>
+          <a:ln>
+            <a:solidFill>
+              <a:srgbClr val="00B0F0"/>
+            </a:solidFill>
+          </a:ln>
+        </p:spPr>
+        <p:style>
+          <a:lnRef idx="1">
+            <a:schemeClr val="dk1"/>
+          </a:lnRef>
+          <a:fillRef idx="0">
+            <a:schemeClr val="dk1"/>
+          </a:fillRef>
+          <a:effectRef idx="0">
+            <a:schemeClr val="dk1"/>
+          </a:effectRef>
+          <a:fontRef idx="minor">
+            <a:schemeClr val="tx1"/>
+          </a:fontRef>
+        </p:style>
+      </p:cxnSp>
+      <p:cxnSp>
+        <p:nvCxnSpPr>
+          <p:cNvPr id="149" name="直接连接符 148">
+            <a:extLst>
+              <a:ext uri="{FF2B5EF4-FFF2-40B4-BE49-F238E27FC236}">
+                <a16:creationId xmlns:a16="http://schemas.microsoft.com/office/drawing/2014/main" id="{D56BBE36-C800-4E6B-8642-E0E653755AFB}"/>
+              </a:ext>
+            </a:extLst>
+          </p:cNvPr>
+          <p:cNvCxnSpPr>
+            <a:cxnSpLocks/>
+          </p:cNvCxnSpPr>
+          <p:nvPr/>
+        </p:nvCxnSpPr>
+        <p:spPr>
+          <a:xfrm flipH="1" flipV="1">
+            <a:off x="6220798" y="4619046"/>
+            <a:ext cx="180002" cy="751"/>
+          </a:xfrm>
+          <a:prstGeom prst="line">
+            <a:avLst/>
+          </a:prstGeom>
+          <a:ln>
+            <a:solidFill>
+              <a:srgbClr val="00B0F0"/>
+            </a:solidFill>
+          </a:ln>
+        </p:spPr>
+        <p:style>
+          <a:lnRef idx="1">
+            <a:schemeClr val="dk1"/>
+          </a:lnRef>
+          <a:fillRef idx="0">
+            <a:schemeClr val="dk1"/>
+          </a:fillRef>
+          <a:effectRef idx="0">
+            <a:schemeClr val="dk1"/>
+          </a:effectRef>
+          <a:fontRef idx="minor">
+            <a:schemeClr val="tx1"/>
+          </a:fontRef>
+        </p:style>
+      </p:cxnSp>
+      <p:cxnSp>
+        <p:nvCxnSpPr>
+          <p:cNvPr id="152" name="直接连接符 151">
+            <a:extLst>
+              <a:ext uri="{FF2B5EF4-FFF2-40B4-BE49-F238E27FC236}">
+                <a16:creationId xmlns:a16="http://schemas.microsoft.com/office/drawing/2014/main" id="{F1E13276-3916-42AE-9C82-FA40AD92A6C7}"/>
+              </a:ext>
+            </a:extLst>
+          </p:cNvPr>
+          <p:cNvCxnSpPr>
+            <a:cxnSpLocks/>
+          </p:cNvCxnSpPr>
+          <p:nvPr/>
+        </p:nvCxnSpPr>
+        <p:spPr>
+          <a:xfrm flipV="1">
+            <a:off x="6220750" y="4618666"/>
+            <a:ext cx="0" cy="270381"/>
+          </a:xfrm>
+          <a:prstGeom prst="line">
+            <a:avLst/>
+          </a:prstGeom>
+          <a:ln>
+            <a:solidFill>
+              <a:srgbClr val="00B0F0"/>
+            </a:solidFill>
+          </a:ln>
+        </p:spPr>
+        <p:style>
+          <a:lnRef idx="1">
+            <a:schemeClr val="dk1"/>
+          </a:lnRef>
+          <a:fillRef idx="0">
+            <a:schemeClr val="dk1"/>
+          </a:fillRef>
+          <a:effectRef idx="0">
+            <a:schemeClr val="dk1"/>
+          </a:effectRef>
+          <a:fontRef idx="minor">
+            <a:schemeClr val="tx1"/>
+          </a:fontRef>
+        </p:style>
+      </p:cxnSp>
+      <p:cxnSp>
+        <p:nvCxnSpPr>
+          <p:cNvPr id="155" name="直接连接符 154">
+            <a:extLst>
+              <a:ext uri="{FF2B5EF4-FFF2-40B4-BE49-F238E27FC236}">
+                <a16:creationId xmlns:a16="http://schemas.microsoft.com/office/drawing/2014/main" id="{D6C74942-E055-4E3F-9BBB-72FE2073BA99}"/>
+              </a:ext>
+            </a:extLst>
+          </p:cNvPr>
+          <p:cNvCxnSpPr>
+            <a:cxnSpLocks/>
+          </p:cNvCxnSpPr>
+          <p:nvPr/>
+        </p:nvCxnSpPr>
+        <p:spPr>
+          <a:xfrm flipV="1">
+            <a:off x="6130726" y="4530598"/>
+            <a:ext cx="72" cy="268449"/>
+          </a:xfrm>
+          <a:prstGeom prst="line">
+            <a:avLst/>
+          </a:prstGeom>
+          <a:ln>
+            <a:solidFill>
+              <a:srgbClr val="00B0F0"/>
+            </a:solidFill>
+          </a:ln>
+        </p:spPr>
+        <p:style>
+          <a:lnRef idx="1">
+            <a:schemeClr val="dk1"/>
+          </a:lnRef>
+          <a:fillRef idx="0">
+            <a:schemeClr val="dk1"/>
+          </a:fillRef>
+          <a:effectRef idx="0">
+            <a:schemeClr val="dk1"/>
+          </a:effectRef>
+          <a:fontRef idx="minor">
+            <a:schemeClr val="tx1"/>
+          </a:fontRef>
+        </p:style>
+      </p:cxnSp>
+      <p:cxnSp>
+        <p:nvCxnSpPr>
+          <p:cNvPr id="158" name="直接连接符 157">
+            <a:extLst>
+              <a:ext uri="{FF2B5EF4-FFF2-40B4-BE49-F238E27FC236}">
+                <a16:creationId xmlns:a16="http://schemas.microsoft.com/office/drawing/2014/main" id="{1D075484-B91D-42FE-9004-C150D9638D36}"/>
+              </a:ext>
+            </a:extLst>
+          </p:cNvPr>
+          <p:cNvCxnSpPr>
+            <a:cxnSpLocks/>
+          </p:cNvCxnSpPr>
+          <p:nvPr/>
+        </p:nvCxnSpPr>
+        <p:spPr>
+          <a:xfrm>
+            <a:off x="2082736" y="7140626"/>
+            <a:ext cx="3958037" cy="0"/>
+          </a:xfrm>
+          <a:prstGeom prst="line">
+            <a:avLst/>
+          </a:prstGeom>
+        </p:spPr>
+        <p:style>
+          <a:lnRef idx="1">
+            <a:schemeClr val="dk1"/>
+          </a:lnRef>
+          <a:fillRef idx="0">
+            <a:schemeClr val="dk1"/>
+          </a:fillRef>
+          <a:effectRef idx="0">
+            <a:schemeClr val="dk1"/>
+          </a:effectRef>
+          <a:fontRef idx="minor">
+            <a:schemeClr val="tx1"/>
+          </a:fontRef>
+        </p:style>
+      </p:cxnSp>
+      <p:cxnSp>
+        <p:nvCxnSpPr>
+          <p:cNvPr id="161" name="直接连接符 160">
+            <a:extLst>
+              <a:ext uri="{FF2B5EF4-FFF2-40B4-BE49-F238E27FC236}">
+                <a16:creationId xmlns:a16="http://schemas.microsoft.com/office/drawing/2014/main" id="{A6027352-A468-4042-9E96-78E708AAE2B6}"/>
+              </a:ext>
+            </a:extLst>
+          </p:cNvPr>
+          <p:cNvCxnSpPr>
+            <a:cxnSpLocks/>
+          </p:cNvCxnSpPr>
+          <p:nvPr/>
+        </p:nvCxnSpPr>
+        <p:spPr>
+          <a:xfrm>
+            <a:off x="6039682" y="5157497"/>
+            <a:ext cx="1092" cy="1983129"/>
+          </a:xfrm>
+          <a:prstGeom prst="line">
+            <a:avLst/>
+          </a:prstGeom>
+        </p:spPr>
+        <p:style>
+          <a:lnRef idx="1">
+            <a:schemeClr val="dk1"/>
+          </a:lnRef>
+          <a:fillRef idx="0">
+            <a:schemeClr val="dk1"/>
+          </a:fillRef>
+          <a:effectRef idx="0">
+            <a:schemeClr val="dk1"/>
+          </a:effectRef>
+          <a:fontRef idx="minor">
+            <a:schemeClr val="tx1"/>
+          </a:fontRef>
+        </p:style>
+      </p:cxnSp>
+      <p:cxnSp>
+        <p:nvCxnSpPr>
+          <p:cNvPr id="166" name="直接连接符 165">
+            <a:extLst>
+              <a:ext uri="{FF2B5EF4-FFF2-40B4-BE49-F238E27FC236}">
+                <a16:creationId xmlns:a16="http://schemas.microsoft.com/office/drawing/2014/main" id="{094AD1E8-6367-45F3-A226-D7D38F423FA8}"/>
+              </a:ext>
+            </a:extLst>
+          </p:cNvPr>
+          <p:cNvCxnSpPr>
+            <a:cxnSpLocks/>
+          </p:cNvCxnSpPr>
+          <p:nvPr/>
+        </p:nvCxnSpPr>
+        <p:spPr>
+          <a:xfrm>
+            <a:off x="6039682" y="5160571"/>
+            <a:ext cx="361118" cy="0"/>
+          </a:xfrm>
+          <a:prstGeom prst="line">
+            <a:avLst/>
+          </a:prstGeom>
+        </p:spPr>
+        <p:style>
+          <a:lnRef idx="1">
+            <a:schemeClr val="dk1"/>
+          </a:lnRef>
+          <a:fillRef idx="0">
+            <a:schemeClr val="dk1"/>
+          </a:fillRef>
+          <a:effectRef idx="0">
+            <a:schemeClr val="dk1"/>
+          </a:effectRef>
+          <a:fontRef idx="minor">
+            <a:schemeClr val="tx1"/>
+          </a:fontRef>
+        </p:style>
+      </p:cxnSp>
+      <p:cxnSp>
+        <p:nvCxnSpPr>
+          <p:cNvPr id="187" name="直接连接符 186">
+            <a:extLst>
+              <a:ext uri="{FF2B5EF4-FFF2-40B4-BE49-F238E27FC236}">
+                <a16:creationId xmlns:a16="http://schemas.microsoft.com/office/drawing/2014/main" id="{B2BCD2B7-EBB1-446C-811A-532A31DC210A}"/>
+              </a:ext>
+            </a:extLst>
+          </p:cNvPr>
+          <p:cNvCxnSpPr>
+            <a:cxnSpLocks/>
+          </p:cNvCxnSpPr>
+          <p:nvPr/>
+        </p:nvCxnSpPr>
+        <p:spPr>
+          <a:xfrm flipH="1">
+            <a:off x="2080754" y="7320629"/>
+            <a:ext cx="7200078" cy="0"/>
           </a:xfrm>
           <a:prstGeom prst="line">
             <a:avLst/>
@@ -4961,22 +6591,22 @@
       </p:cxnSp>
       <p:cxnSp>
         <p:nvCxnSpPr>
-          <p:cNvPr id="64" name="直接连接符 63">
-            <a:extLst>
-              <a:ext uri="{FF2B5EF4-FFF2-40B4-BE49-F238E27FC236}">
-                <a16:creationId xmlns:a16="http://schemas.microsoft.com/office/drawing/2014/main" id="{F38F01A5-9C9A-4CD5-B542-B12DD7C4112A}"/>
-              </a:ext>
-            </a:extLst>
-          </p:cNvPr>
-          <p:cNvCxnSpPr>
-            <a:cxnSpLocks/>
-          </p:cNvCxnSpPr>
-          <p:nvPr/>
-        </p:nvCxnSpPr>
-        <p:spPr>
-          <a:xfrm>
-            <a:off x="2080751" y="4260594"/>
-            <a:ext cx="450005" cy="1677"/>
+          <p:cNvPr id="191" name="直接连接符 190">
+            <a:extLst>
+              <a:ext uri="{FF2B5EF4-FFF2-40B4-BE49-F238E27FC236}">
+                <a16:creationId xmlns:a16="http://schemas.microsoft.com/office/drawing/2014/main" id="{FC91B252-2FCB-4D13-A3B5-AD29A5985AD2}"/>
+              </a:ext>
+            </a:extLst>
+          </p:cNvPr>
+          <p:cNvCxnSpPr>
+            <a:cxnSpLocks/>
+          </p:cNvCxnSpPr>
+          <p:nvPr/>
+        </p:nvCxnSpPr>
+        <p:spPr>
+          <a:xfrm flipH="1">
+            <a:off x="2080754" y="7230627"/>
+            <a:ext cx="6930075" cy="0"/>
           </a:xfrm>
           <a:prstGeom prst="line">
             <a:avLst/>
@@ -5002,1636 +6632,6 @@
           </a:fontRef>
         </p:style>
       </p:cxnSp>
-      <p:cxnSp>
-        <p:nvCxnSpPr>
-          <p:cNvPr id="65" name="直接连接符 64">
-            <a:extLst>
-              <a:ext uri="{FF2B5EF4-FFF2-40B4-BE49-F238E27FC236}">
-                <a16:creationId xmlns:a16="http://schemas.microsoft.com/office/drawing/2014/main" id="{86698273-076C-4578-B45B-54D6C92026A1}"/>
-              </a:ext>
-            </a:extLst>
-          </p:cNvPr>
-          <p:cNvCxnSpPr>
-            <a:cxnSpLocks/>
-          </p:cNvCxnSpPr>
-          <p:nvPr/>
-        </p:nvCxnSpPr>
-        <p:spPr>
-          <a:xfrm>
-            <a:off x="2082736" y="5700609"/>
-            <a:ext cx="445584" cy="1"/>
-          </a:xfrm>
-          <a:prstGeom prst="line">
-            <a:avLst/>
-          </a:prstGeom>
-          <a:ln>
-            <a:solidFill>
-              <a:srgbClr val="FF0000"/>
-            </a:solidFill>
-          </a:ln>
-        </p:spPr>
-        <p:style>
-          <a:lnRef idx="1">
-            <a:schemeClr val="dk1"/>
-          </a:lnRef>
-          <a:fillRef idx="0">
-            <a:schemeClr val="dk1"/>
-          </a:fillRef>
-          <a:effectRef idx="0">
-            <a:schemeClr val="dk1"/>
-          </a:effectRef>
-          <a:fontRef idx="minor">
-            <a:schemeClr val="tx1"/>
-          </a:fontRef>
-        </p:style>
-      </p:cxnSp>
-      <p:cxnSp>
-        <p:nvCxnSpPr>
-          <p:cNvPr id="68" name="直接连接符 67">
-            <a:extLst>
-              <a:ext uri="{FF2B5EF4-FFF2-40B4-BE49-F238E27FC236}">
-                <a16:creationId xmlns:a16="http://schemas.microsoft.com/office/drawing/2014/main" id="{7AEE6ED1-05A0-46C3-90DA-56529285D2D5}"/>
-              </a:ext>
-            </a:extLst>
-          </p:cNvPr>
-          <p:cNvCxnSpPr>
-            <a:cxnSpLocks/>
-          </p:cNvCxnSpPr>
-          <p:nvPr/>
-        </p:nvCxnSpPr>
-        <p:spPr>
-          <a:xfrm>
-            <a:off x="2082736" y="5970612"/>
-            <a:ext cx="628023" cy="0"/>
-          </a:xfrm>
-          <a:prstGeom prst="line">
-            <a:avLst/>
-          </a:prstGeom>
-          <a:ln>
-            <a:solidFill>
-              <a:srgbClr val="FF0000"/>
-            </a:solidFill>
-          </a:ln>
-        </p:spPr>
-        <p:style>
-          <a:lnRef idx="1">
-            <a:schemeClr val="dk1"/>
-          </a:lnRef>
-          <a:fillRef idx="0">
-            <a:schemeClr val="dk1"/>
-          </a:fillRef>
-          <a:effectRef idx="0">
-            <a:schemeClr val="dk1"/>
-          </a:effectRef>
-          <a:fontRef idx="minor">
-            <a:schemeClr val="tx1"/>
-          </a:fontRef>
-        </p:style>
-      </p:cxnSp>
-      <p:cxnSp>
-        <p:nvCxnSpPr>
-          <p:cNvPr id="71" name="直接连接符 70">
-            <a:extLst>
-              <a:ext uri="{FF2B5EF4-FFF2-40B4-BE49-F238E27FC236}">
-                <a16:creationId xmlns:a16="http://schemas.microsoft.com/office/drawing/2014/main" id="{41B4B3A4-5E90-4545-A846-69437CE2D2C9}"/>
-              </a:ext>
-            </a:extLst>
-          </p:cNvPr>
-          <p:cNvCxnSpPr>
-            <a:cxnSpLocks/>
-          </p:cNvCxnSpPr>
-          <p:nvPr/>
-        </p:nvCxnSpPr>
-        <p:spPr>
-          <a:xfrm>
-            <a:off x="2082736" y="6060614"/>
-            <a:ext cx="898026" cy="0"/>
-          </a:xfrm>
-          <a:prstGeom prst="line">
-            <a:avLst/>
-          </a:prstGeom>
-        </p:spPr>
-        <p:style>
-          <a:lnRef idx="1">
-            <a:schemeClr val="dk1"/>
-          </a:lnRef>
-          <a:fillRef idx="0">
-            <a:schemeClr val="dk1"/>
-          </a:fillRef>
-          <a:effectRef idx="0">
-            <a:schemeClr val="dk1"/>
-          </a:effectRef>
-          <a:fontRef idx="minor">
-            <a:schemeClr val="tx1"/>
-          </a:fontRef>
-        </p:style>
-      </p:cxnSp>
-      <p:cxnSp>
-        <p:nvCxnSpPr>
-          <p:cNvPr id="76" name="直接连接符 75">
-            <a:extLst>
-              <a:ext uri="{FF2B5EF4-FFF2-40B4-BE49-F238E27FC236}">
-                <a16:creationId xmlns:a16="http://schemas.microsoft.com/office/drawing/2014/main" id="{87E38622-0F32-4314-9030-AE93659AA807}"/>
-              </a:ext>
-            </a:extLst>
-          </p:cNvPr>
-          <p:cNvCxnSpPr>
-            <a:cxnSpLocks/>
-          </p:cNvCxnSpPr>
-          <p:nvPr/>
-        </p:nvCxnSpPr>
-        <p:spPr>
-          <a:xfrm flipV="1">
-            <a:off x="2980762" y="5790611"/>
-            <a:ext cx="0" cy="270004"/>
-          </a:xfrm>
-          <a:prstGeom prst="line">
-            <a:avLst/>
-          </a:prstGeom>
-        </p:spPr>
-        <p:style>
-          <a:lnRef idx="1">
-            <a:schemeClr val="dk1"/>
-          </a:lnRef>
-          <a:fillRef idx="0">
-            <a:schemeClr val="dk1"/>
-          </a:fillRef>
-          <a:effectRef idx="0">
-            <a:schemeClr val="dk1"/>
-          </a:effectRef>
-          <a:fontRef idx="minor">
-            <a:schemeClr val="tx1"/>
-          </a:fontRef>
-        </p:style>
-      </p:cxnSp>
-      <p:cxnSp>
-        <p:nvCxnSpPr>
-          <p:cNvPr id="81" name="直接连接符 80">
-            <a:extLst>
-              <a:ext uri="{FF2B5EF4-FFF2-40B4-BE49-F238E27FC236}">
-                <a16:creationId xmlns:a16="http://schemas.microsoft.com/office/drawing/2014/main" id="{E45809FE-F452-47DF-9292-B34F0B1C27CC}"/>
-              </a:ext>
-            </a:extLst>
-          </p:cNvPr>
-          <p:cNvCxnSpPr>
-            <a:cxnSpLocks/>
-          </p:cNvCxnSpPr>
-          <p:nvPr/>
-        </p:nvCxnSpPr>
-        <p:spPr>
-          <a:xfrm>
-            <a:off x="2082736" y="5610609"/>
-            <a:ext cx="718024" cy="1"/>
-          </a:xfrm>
-          <a:prstGeom prst="line">
-            <a:avLst/>
-          </a:prstGeom>
-        </p:spPr>
-        <p:style>
-          <a:lnRef idx="1">
-            <a:schemeClr val="dk1"/>
-          </a:lnRef>
-          <a:fillRef idx="0">
-            <a:schemeClr val="dk1"/>
-          </a:fillRef>
-          <a:effectRef idx="0">
-            <a:schemeClr val="dk1"/>
-          </a:effectRef>
-          <a:fontRef idx="minor">
-            <a:schemeClr val="tx1"/>
-          </a:fontRef>
-        </p:style>
-      </p:cxnSp>
-      <p:cxnSp>
-        <p:nvCxnSpPr>
-          <p:cNvPr id="84" name="直接连接符 83">
-            <a:extLst>
-              <a:ext uri="{FF2B5EF4-FFF2-40B4-BE49-F238E27FC236}">
-                <a16:creationId xmlns:a16="http://schemas.microsoft.com/office/drawing/2014/main" id="{C27F16C7-E53C-479D-AA58-A6FE5BFBED69}"/>
-              </a:ext>
-            </a:extLst>
-          </p:cNvPr>
-          <p:cNvCxnSpPr>
-            <a:cxnSpLocks/>
-          </p:cNvCxnSpPr>
-          <p:nvPr/>
-        </p:nvCxnSpPr>
-        <p:spPr>
-          <a:xfrm flipV="1">
-            <a:off x="2800760" y="5610609"/>
-            <a:ext cx="0" cy="270004"/>
-          </a:xfrm>
-          <a:prstGeom prst="line">
-            <a:avLst/>
-          </a:prstGeom>
-        </p:spPr>
-        <p:style>
-          <a:lnRef idx="1">
-            <a:schemeClr val="dk1"/>
-          </a:lnRef>
-          <a:fillRef idx="0">
-            <a:schemeClr val="dk1"/>
-          </a:fillRef>
-          <a:effectRef idx="0">
-            <a:schemeClr val="dk1"/>
-          </a:effectRef>
-          <a:fontRef idx="minor">
-            <a:schemeClr val="tx1"/>
-          </a:fontRef>
-        </p:style>
-      </p:cxnSp>
-      <p:cxnSp>
-        <p:nvCxnSpPr>
-          <p:cNvPr id="86" name="直接连接符 85">
-            <a:extLst>
-              <a:ext uri="{FF2B5EF4-FFF2-40B4-BE49-F238E27FC236}">
-                <a16:creationId xmlns:a16="http://schemas.microsoft.com/office/drawing/2014/main" id="{219D5441-F0EE-48C9-93E4-F4B95D0DD60F}"/>
-              </a:ext>
-            </a:extLst>
-          </p:cNvPr>
-          <p:cNvCxnSpPr>
-            <a:cxnSpLocks/>
-          </p:cNvCxnSpPr>
-          <p:nvPr/>
-        </p:nvCxnSpPr>
-        <p:spPr>
-          <a:xfrm>
-            <a:off x="2800760" y="5880613"/>
-            <a:ext cx="360004" cy="0"/>
-          </a:xfrm>
-          <a:prstGeom prst="line">
-            <a:avLst/>
-          </a:prstGeom>
-        </p:spPr>
-        <p:style>
-          <a:lnRef idx="1">
-            <a:schemeClr val="dk1"/>
-          </a:lnRef>
-          <a:fillRef idx="0">
-            <a:schemeClr val="dk1"/>
-          </a:fillRef>
-          <a:effectRef idx="0">
-            <a:schemeClr val="dk1"/>
-          </a:effectRef>
-          <a:fontRef idx="minor">
-            <a:schemeClr val="tx1"/>
-          </a:fontRef>
-        </p:style>
-      </p:cxnSp>
-      <p:cxnSp>
-        <p:nvCxnSpPr>
-          <p:cNvPr id="89" name="直接连接符 88">
-            <a:extLst>
-              <a:ext uri="{FF2B5EF4-FFF2-40B4-BE49-F238E27FC236}">
-                <a16:creationId xmlns:a16="http://schemas.microsoft.com/office/drawing/2014/main" id="{94D416E3-A8E0-4851-9460-0885854EC76F}"/>
-              </a:ext>
-            </a:extLst>
-          </p:cNvPr>
-          <p:cNvCxnSpPr>
-            <a:cxnSpLocks/>
-          </p:cNvCxnSpPr>
-          <p:nvPr/>
-        </p:nvCxnSpPr>
-        <p:spPr>
-          <a:xfrm flipH="1" flipV="1">
-            <a:off x="3158805" y="5790605"/>
-            <a:ext cx="1959" cy="90007"/>
-          </a:xfrm>
-          <a:prstGeom prst="line">
-            <a:avLst/>
-          </a:prstGeom>
-        </p:spPr>
-        <p:style>
-          <a:lnRef idx="1">
-            <a:schemeClr val="dk1"/>
-          </a:lnRef>
-          <a:fillRef idx="0">
-            <a:schemeClr val="dk1"/>
-          </a:fillRef>
-          <a:effectRef idx="0">
-            <a:schemeClr val="dk1"/>
-          </a:effectRef>
-          <a:fontRef idx="minor">
-            <a:schemeClr val="tx1"/>
-          </a:fontRef>
-        </p:style>
-      </p:cxnSp>
-      <p:cxnSp>
-        <p:nvCxnSpPr>
-          <p:cNvPr id="66" name="直接连接符 65">
-            <a:extLst>
-              <a:ext uri="{FF2B5EF4-FFF2-40B4-BE49-F238E27FC236}">
-                <a16:creationId xmlns:a16="http://schemas.microsoft.com/office/drawing/2014/main" id="{A213476E-E01A-499D-9B29-DED82285F2E1}"/>
-              </a:ext>
-            </a:extLst>
-          </p:cNvPr>
-          <p:cNvCxnSpPr>
-            <a:cxnSpLocks/>
-          </p:cNvCxnSpPr>
-          <p:nvPr/>
-        </p:nvCxnSpPr>
-        <p:spPr>
-          <a:xfrm>
-            <a:off x="2080752" y="2910579"/>
-            <a:ext cx="4139998" cy="0"/>
-          </a:xfrm>
-          <a:prstGeom prst="line">
-            <a:avLst/>
-          </a:prstGeom>
-          <a:ln>
-            <a:solidFill>
-              <a:srgbClr val="00B0F0"/>
-            </a:solidFill>
-          </a:ln>
-        </p:spPr>
-        <p:style>
-          <a:lnRef idx="1">
-            <a:schemeClr val="dk1"/>
-          </a:lnRef>
-          <a:fillRef idx="0">
-            <a:schemeClr val="dk1"/>
-          </a:fillRef>
-          <a:effectRef idx="0">
-            <a:schemeClr val="dk1"/>
-          </a:effectRef>
-          <a:fontRef idx="minor">
-            <a:schemeClr val="tx1"/>
-          </a:fontRef>
-        </p:style>
-      </p:cxnSp>
-      <p:cxnSp>
-        <p:nvCxnSpPr>
-          <p:cNvPr id="69" name="直接连接符 68">
-            <a:extLst>
-              <a:ext uri="{FF2B5EF4-FFF2-40B4-BE49-F238E27FC236}">
-                <a16:creationId xmlns:a16="http://schemas.microsoft.com/office/drawing/2014/main" id="{238624B8-7457-4448-9CB0-628450C97524}"/>
-              </a:ext>
-            </a:extLst>
-          </p:cNvPr>
-          <p:cNvCxnSpPr>
-            <a:cxnSpLocks/>
-          </p:cNvCxnSpPr>
-          <p:nvPr/>
-        </p:nvCxnSpPr>
-        <p:spPr>
-          <a:xfrm flipV="1">
-            <a:off x="6220750" y="2910567"/>
-            <a:ext cx="0" cy="1259226"/>
-          </a:xfrm>
-          <a:prstGeom prst="line">
-            <a:avLst/>
-          </a:prstGeom>
-          <a:ln>
-            <a:solidFill>
-              <a:srgbClr val="00B0F0"/>
-            </a:solidFill>
-          </a:ln>
-        </p:spPr>
-        <p:style>
-          <a:lnRef idx="1">
-            <a:schemeClr val="dk1"/>
-          </a:lnRef>
-          <a:fillRef idx="0">
-            <a:schemeClr val="dk1"/>
-          </a:fillRef>
-          <a:effectRef idx="0">
-            <a:schemeClr val="dk1"/>
-          </a:effectRef>
-          <a:fontRef idx="minor">
-            <a:schemeClr val="tx1"/>
-          </a:fontRef>
-        </p:style>
-      </p:cxnSp>
-      <p:cxnSp>
-        <p:nvCxnSpPr>
-          <p:cNvPr id="70" name="直接连接符 69">
-            <a:extLst>
-              <a:ext uri="{FF2B5EF4-FFF2-40B4-BE49-F238E27FC236}">
-                <a16:creationId xmlns:a16="http://schemas.microsoft.com/office/drawing/2014/main" id="{18DC636F-3913-4719-AD59-287C7AC6BB57}"/>
-              </a:ext>
-            </a:extLst>
-          </p:cNvPr>
-          <p:cNvCxnSpPr>
-            <a:cxnSpLocks/>
-          </p:cNvCxnSpPr>
-          <p:nvPr/>
-        </p:nvCxnSpPr>
-        <p:spPr>
-          <a:xfrm flipH="1" flipV="1">
-            <a:off x="6220750" y="4169793"/>
-            <a:ext cx="180003" cy="1553"/>
-          </a:xfrm>
-          <a:prstGeom prst="line">
-            <a:avLst/>
-          </a:prstGeom>
-          <a:ln>
-            <a:solidFill>
-              <a:srgbClr val="00B0F0"/>
-            </a:solidFill>
-          </a:ln>
-        </p:spPr>
-        <p:style>
-          <a:lnRef idx="1">
-            <a:schemeClr val="dk1"/>
-          </a:lnRef>
-          <a:fillRef idx="0">
-            <a:schemeClr val="dk1"/>
-          </a:fillRef>
-          <a:effectRef idx="0">
-            <a:schemeClr val="dk1"/>
-          </a:effectRef>
-          <a:fontRef idx="minor">
-            <a:schemeClr val="tx1"/>
-          </a:fontRef>
-        </p:style>
-      </p:cxnSp>
-      <p:cxnSp>
-        <p:nvCxnSpPr>
-          <p:cNvPr id="79" name="直接连接符 78">
-            <a:extLst>
-              <a:ext uri="{FF2B5EF4-FFF2-40B4-BE49-F238E27FC236}">
-                <a16:creationId xmlns:a16="http://schemas.microsoft.com/office/drawing/2014/main" id="{6E1A3097-776E-448F-8EE8-FA280B89DB61}"/>
-              </a:ext>
-            </a:extLst>
-          </p:cNvPr>
-          <p:cNvCxnSpPr>
-            <a:cxnSpLocks/>
-          </p:cNvCxnSpPr>
-          <p:nvPr/>
-        </p:nvCxnSpPr>
-        <p:spPr>
-          <a:xfrm>
-            <a:off x="2082736" y="3000580"/>
-            <a:ext cx="4048061" cy="0"/>
-          </a:xfrm>
-          <a:prstGeom prst="line">
-            <a:avLst/>
-          </a:prstGeom>
-          <a:ln>
-            <a:solidFill>
-              <a:srgbClr val="00B0F0"/>
-            </a:solidFill>
-          </a:ln>
-        </p:spPr>
-        <p:style>
-          <a:lnRef idx="1">
-            <a:schemeClr val="dk1"/>
-          </a:lnRef>
-          <a:fillRef idx="0">
-            <a:schemeClr val="dk1"/>
-          </a:fillRef>
-          <a:effectRef idx="0">
-            <a:schemeClr val="dk1"/>
-          </a:effectRef>
-          <a:fontRef idx="minor">
-            <a:schemeClr val="tx1"/>
-          </a:fontRef>
-        </p:style>
-      </p:cxnSp>
-      <p:cxnSp>
-        <p:nvCxnSpPr>
-          <p:cNvPr id="85" name="直接连接符 84">
-            <a:extLst>
-              <a:ext uri="{FF2B5EF4-FFF2-40B4-BE49-F238E27FC236}">
-                <a16:creationId xmlns:a16="http://schemas.microsoft.com/office/drawing/2014/main" id="{9C6A8B5A-6E1F-4B6C-A116-8C794AF8D8BA}"/>
-              </a:ext>
-            </a:extLst>
-          </p:cNvPr>
-          <p:cNvCxnSpPr>
-            <a:cxnSpLocks/>
-          </p:cNvCxnSpPr>
-          <p:nvPr/>
-        </p:nvCxnSpPr>
-        <p:spPr>
-          <a:xfrm flipV="1">
-            <a:off x="6130798" y="3000581"/>
-            <a:ext cx="0" cy="1259993"/>
-          </a:xfrm>
-          <a:prstGeom prst="line">
-            <a:avLst/>
-          </a:prstGeom>
-          <a:ln>
-            <a:solidFill>
-              <a:srgbClr val="00B0F0"/>
-            </a:solidFill>
-          </a:ln>
-        </p:spPr>
-        <p:style>
-          <a:lnRef idx="1">
-            <a:schemeClr val="dk1"/>
-          </a:lnRef>
-          <a:fillRef idx="0">
-            <a:schemeClr val="dk1"/>
-          </a:fillRef>
-          <a:effectRef idx="0">
-            <a:schemeClr val="dk1"/>
-          </a:effectRef>
-          <a:fontRef idx="minor">
-            <a:schemeClr val="tx1"/>
-          </a:fontRef>
-        </p:style>
-      </p:cxnSp>
-      <p:cxnSp>
-        <p:nvCxnSpPr>
-          <p:cNvPr id="87" name="直接连接符 86">
-            <a:extLst>
-              <a:ext uri="{FF2B5EF4-FFF2-40B4-BE49-F238E27FC236}">
-                <a16:creationId xmlns:a16="http://schemas.microsoft.com/office/drawing/2014/main" id="{B41BDDBE-2610-451E-9D13-B9D3E700AA8E}"/>
-              </a:ext>
-            </a:extLst>
-          </p:cNvPr>
-          <p:cNvCxnSpPr>
-            <a:cxnSpLocks/>
-          </p:cNvCxnSpPr>
-          <p:nvPr/>
-        </p:nvCxnSpPr>
-        <p:spPr>
-          <a:xfrm flipH="1">
-            <a:off x="6130726" y="4260578"/>
-            <a:ext cx="270073" cy="1"/>
-          </a:xfrm>
-          <a:prstGeom prst="line">
-            <a:avLst/>
-          </a:prstGeom>
-          <a:ln>
-            <a:solidFill>
-              <a:srgbClr val="00B0F0"/>
-            </a:solidFill>
-          </a:ln>
-        </p:spPr>
-        <p:style>
-          <a:lnRef idx="1">
-            <a:schemeClr val="dk1"/>
-          </a:lnRef>
-          <a:fillRef idx="0">
-            <a:schemeClr val="dk1"/>
-          </a:fillRef>
-          <a:effectRef idx="0">
-            <a:schemeClr val="dk1"/>
-          </a:effectRef>
-          <a:fontRef idx="minor">
-            <a:schemeClr val="tx1"/>
-          </a:fontRef>
-        </p:style>
-      </p:cxnSp>
-      <p:cxnSp>
-        <p:nvCxnSpPr>
-          <p:cNvPr id="96" name="直接连接符 95">
-            <a:extLst>
-              <a:ext uri="{FF2B5EF4-FFF2-40B4-BE49-F238E27FC236}">
-                <a16:creationId xmlns:a16="http://schemas.microsoft.com/office/drawing/2014/main" id="{9B7F50DE-B376-48D2-A21E-933396C404C6}"/>
-              </a:ext>
-            </a:extLst>
-          </p:cNvPr>
-          <p:cNvCxnSpPr>
-            <a:cxnSpLocks/>
-          </p:cNvCxnSpPr>
-          <p:nvPr/>
-        </p:nvCxnSpPr>
-        <p:spPr>
-          <a:xfrm>
-            <a:off x="2080752" y="4350595"/>
-            <a:ext cx="4320047" cy="0"/>
-          </a:xfrm>
-          <a:prstGeom prst="line">
-            <a:avLst/>
-          </a:prstGeom>
-          <a:ln>
-            <a:solidFill>
-              <a:srgbClr val="00B0F0"/>
-            </a:solidFill>
-          </a:ln>
-        </p:spPr>
-        <p:style>
-          <a:lnRef idx="1">
-            <a:schemeClr val="dk1"/>
-          </a:lnRef>
-          <a:fillRef idx="0">
-            <a:schemeClr val="dk1"/>
-          </a:fillRef>
-          <a:effectRef idx="0">
-            <a:schemeClr val="dk1"/>
-          </a:effectRef>
-          <a:fontRef idx="minor">
-            <a:schemeClr val="tx1"/>
-          </a:fontRef>
-        </p:style>
-      </p:cxnSp>
-      <p:cxnSp>
-        <p:nvCxnSpPr>
-          <p:cNvPr id="98" name="直接连接符 97">
-            <a:extLst>
-              <a:ext uri="{FF2B5EF4-FFF2-40B4-BE49-F238E27FC236}">
-                <a16:creationId xmlns:a16="http://schemas.microsoft.com/office/drawing/2014/main" id="{C4D9F690-7B2F-45E2-9E03-0324944AA552}"/>
-              </a:ext>
-            </a:extLst>
-          </p:cNvPr>
-          <p:cNvCxnSpPr>
-            <a:cxnSpLocks/>
-          </p:cNvCxnSpPr>
-          <p:nvPr/>
-        </p:nvCxnSpPr>
-        <p:spPr>
-          <a:xfrm>
-            <a:off x="2082736" y="4440596"/>
-            <a:ext cx="4318064" cy="0"/>
-          </a:xfrm>
-          <a:prstGeom prst="line">
-            <a:avLst/>
-          </a:prstGeom>
-          <a:ln>
-            <a:solidFill>
-              <a:srgbClr val="00B0F0"/>
-            </a:solidFill>
-          </a:ln>
-        </p:spPr>
-        <p:style>
-          <a:lnRef idx="1">
-            <a:schemeClr val="dk1"/>
-          </a:lnRef>
-          <a:fillRef idx="0">
-            <a:schemeClr val="dk1"/>
-          </a:fillRef>
-          <a:effectRef idx="0">
-            <a:schemeClr val="dk1"/>
-          </a:effectRef>
-          <a:fontRef idx="minor">
-            <a:schemeClr val="tx1"/>
-          </a:fontRef>
-        </p:style>
-      </p:cxnSp>
-      <p:cxnSp>
-        <p:nvCxnSpPr>
-          <p:cNvPr id="100" name="直接连接符 99">
-            <a:extLst>
-              <a:ext uri="{FF2B5EF4-FFF2-40B4-BE49-F238E27FC236}">
-                <a16:creationId xmlns:a16="http://schemas.microsoft.com/office/drawing/2014/main" id="{7CC014E1-B006-433B-8DD2-66C96E26A654}"/>
-              </a:ext>
-            </a:extLst>
-          </p:cNvPr>
-          <p:cNvCxnSpPr>
-            <a:cxnSpLocks/>
-          </p:cNvCxnSpPr>
-          <p:nvPr/>
-        </p:nvCxnSpPr>
-        <p:spPr>
-          <a:xfrm>
-            <a:off x="4060774" y="5340606"/>
-            <a:ext cx="1080012" cy="0"/>
-          </a:xfrm>
-          <a:prstGeom prst="line">
-            <a:avLst/>
-          </a:prstGeom>
-        </p:spPr>
-        <p:style>
-          <a:lnRef idx="1">
-            <a:schemeClr val="dk1"/>
-          </a:lnRef>
-          <a:fillRef idx="0">
-            <a:schemeClr val="dk1"/>
-          </a:fillRef>
-          <a:effectRef idx="0">
-            <a:schemeClr val="dk1"/>
-          </a:effectRef>
-          <a:fontRef idx="minor">
-            <a:schemeClr val="tx1"/>
-          </a:fontRef>
-        </p:style>
-      </p:cxnSp>
-      <p:cxnSp>
-        <p:nvCxnSpPr>
-          <p:cNvPr id="101" name="直接连接符 100">
-            <a:extLst>
-              <a:ext uri="{FF2B5EF4-FFF2-40B4-BE49-F238E27FC236}">
-                <a16:creationId xmlns:a16="http://schemas.microsoft.com/office/drawing/2014/main" id="{8D3C86AC-B8B2-4356-A929-747AC45E6148}"/>
-              </a:ext>
-            </a:extLst>
-          </p:cNvPr>
-          <p:cNvCxnSpPr>
-            <a:cxnSpLocks/>
-          </p:cNvCxnSpPr>
-          <p:nvPr/>
-        </p:nvCxnSpPr>
-        <p:spPr>
-          <a:xfrm>
-            <a:off x="4060774" y="5430607"/>
-            <a:ext cx="1170013" cy="0"/>
-          </a:xfrm>
-          <a:prstGeom prst="line">
-            <a:avLst/>
-          </a:prstGeom>
-        </p:spPr>
-        <p:style>
-          <a:lnRef idx="1">
-            <a:schemeClr val="dk1"/>
-          </a:lnRef>
-          <a:fillRef idx="0">
-            <a:schemeClr val="dk1"/>
-          </a:fillRef>
-          <a:effectRef idx="0">
-            <a:schemeClr val="dk1"/>
-          </a:effectRef>
-          <a:fontRef idx="minor">
-            <a:schemeClr val="tx1"/>
-          </a:fontRef>
-        </p:style>
-      </p:cxnSp>
-      <p:cxnSp>
-        <p:nvCxnSpPr>
-          <p:cNvPr id="102" name="直接连接符 101">
-            <a:extLst>
-              <a:ext uri="{FF2B5EF4-FFF2-40B4-BE49-F238E27FC236}">
-                <a16:creationId xmlns:a16="http://schemas.microsoft.com/office/drawing/2014/main" id="{8CCB5B7D-124D-4FC8-A3A4-C478F2ADA548}"/>
-              </a:ext>
-            </a:extLst>
-          </p:cNvPr>
-          <p:cNvCxnSpPr>
-            <a:cxnSpLocks/>
-          </p:cNvCxnSpPr>
-          <p:nvPr/>
-        </p:nvCxnSpPr>
-        <p:spPr>
-          <a:xfrm>
-            <a:off x="4060727" y="5520608"/>
-            <a:ext cx="1260061" cy="0"/>
-          </a:xfrm>
-          <a:prstGeom prst="line">
-            <a:avLst/>
-          </a:prstGeom>
-        </p:spPr>
-        <p:style>
-          <a:lnRef idx="1">
-            <a:schemeClr val="dk1"/>
-          </a:lnRef>
-          <a:fillRef idx="0">
-            <a:schemeClr val="dk1"/>
-          </a:fillRef>
-          <a:effectRef idx="0">
-            <a:schemeClr val="dk1"/>
-          </a:effectRef>
-          <a:fontRef idx="minor">
-            <a:schemeClr val="tx1"/>
-          </a:fontRef>
-        </p:style>
-      </p:cxnSp>
-      <p:cxnSp>
-        <p:nvCxnSpPr>
-          <p:cNvPr id="106" name="直接连接符 105">
-            <a:extLst>
-              <a:ext uri="{FF2B5EF4-FFF2-40B4-BE49-F238E27FC236}">
-                <a16:creationId xmlns:a16="http://schemas.microsoft.com/office/drawing/2014/main" id="{F7209044-D884-4360-B043-013DD7C7F327}"/>
-              </a:ext>
-            </a:extLst>
-          </p:cNvPr>
-          <p:cNvCxnSpPr>
-            <a:cxnSpLocks/>
-          </p:cNvCxnSpPr>
-          <p:nvPr/>
-        </p:nvCxnSpPr>
-        <p:spPr>
-          <a:xfrm>
-            <a:off x="5320788" y="4080592"/>
-            <a:ext cx="1075525" cy="0"/>
-          </a:xfrm>
-          <a:prstGeom prst="line">
-            <a:avLst/>
-          </a:prstGeom>
-        </p:spPr>
-        <p:style>
-          <a:lnRef idx="1">
-            <a:schemeClr val="dk1"/>
-          </a:lnRef>
-          <a:fillRef idx="0">
-            <a:schemeClr val="dk1"/>
-          </a:fillRef>
-          <a:effectRef idx="0">
-            <a:schemeClr val="dk1"/>
-          </a:effectRef>
-          <a:fontRef idx="minor">
-            <a:schemeClr val="tx1"/>
-          </a:fontRef>
-        </p:style>
-      </p:cxnSp>
-      <p:cxnSp>
-        <p:nvCxnSpPr>
-          <p:cNvPr id="119" name="直接连接符 118">
-            <a:extLst>
-              <a:ext uri="{FF2B5EF4-FFF2-40B4-BE49-F238E27FC236}">
-                <a16:creationId xmlns:a16="http://schemas.microsoft.com/office/drawing/2014/main" id="{489B54FB-342D-43AE-B924-9D30F11DA25B}"/>
-              </a:ext>
-            </a:extLst>
-          </p:cNvPr>
-          <p:cNvCxnSpPr>
-            <a:cxnSpLocks/>
-          </p:cNvCxnSpPr>
-          <p:nvPr/>
-        </p:nvCxnSpPr>
-        <p:spPr>
-          <a:xfrm>
-            <a:off x="5231157" y="3990591"/>
-            <a:ext cx="1170013" cy="0"/>
-          </a:xfrm>
-          <a:prstGeom prst="line">
-            <a:avLst/>
-          </a:prstGeom>
-        </p:spPr>
-        <p:style>
-          <a:lnRef idx="1">
-            <a:schemeClr val="dk1"/>
-          </a:lnRef>
-          <a:fillRef idx="0">
-            <a:schemeClr val="dk1"/>
-          </a:fillRef>
-          <a:effectRef idx="0">
-            <a:schemeClr val="dk1"/>
-          </a:effectRef>
-          <a:fontRef idx="minor">
-            <a:schemeClr val="tx1"/>
-          </a:fontRef>
-        </p:style>
-      </p:cxnSp>
-      <p:cxnSp>
-        <p:nvCxnSpPr>
-          <p:cNvPr id="120" name="直接连接符 119">
-            <a:extLst>
-              <a:ext uri="{FF2B5EF4-FFF2-40B4-BE49-F238E27FC236}">
-                <a16:creationId xmlns:a16="http://schemas.microsoft.com/office/drawing/2014/main" id="{ED7EA00A-84FF-46AD-9828-DD9A6158DB8A}"/>
-              </a:ext>
-            </a:extLst>
-          </p:cNvPr>
-          <p:cNvCxnSpPr>
-            <a:cxnSpLocks/>
-          </p:cNvCxnSpPr>
-          <p:nvPr/>
-        </p:nvCxnSpPr>
-        <p:spPr>
-          <a:xfrm>
-            <a:off x="5140786" y="3900590"/>
-            <a:ext cx="1260061" cy="0"/>
-          </a:xfrm>
-          <a:prstGeom prst="line">
-            <a:avLst/>
-          </a:prstGeom>
-        </p:spPr>
-        <p:style>
-          <a:lnRef idx="1">
-            <a:schemeClr val="dk1"/>
-          </a:lnRef>
-          <a:fillRef idx="0">
-            <a:schemeClr val="dk1"/>
-          </a:fillRef>
-          <a:effectRef idx="0">
-            <a:schemeClr val="dk1"/>
-          </a:effectRef>
-          <a:fontRef idx="minor">
-            <a:schemeClr val="tx1"/>
-          </a:fontRef>
-        </p:style>
-      </p:cxnSp>
-      <p:cxnSp>
-        <p:nvCxnSpPr>
-          <p:cNvPr id="121" name="直接连接符 120">
-            <a:extLst>
-              <a:ext uri="{FF2B5EF4-FFF2-40B4-BE49-F238E27FC236}">
-                <a16:creationId xmlns:a16="http://schemas.microsoft.com/office/drawing/2014/main" id="{8470257A-99D4-4F7B-9676-6A307EFB1D4F}"/>
-              </a:ext>
-            </a:extLst>
-          </p:cNvPr>
-          <p:cNvCxnSpPr>
-            <a:cxnSpLocks/>
-          </p:cNvCxnSpPr>
-          <p:nvPr/>
-        </p:nvCxnSpPr>
-        <p:spPr>
-          <a:xfrm>
-            <a:off x="5320788" y="4080592"/>
-            <a:ext cx="0" cy="1440016"/>
-          </a:xfrm>
-          <a:prstGeom prst="line">
-            <a:avLst/>
-          </a:prstGeom>
-        </p:spPr>
-        <p:style>
-          <a:lnRef idx="1">
-            <a:schemeClr val="dk1"/>
-          </a:lnRef>
-          <a:fillRef idx="0">
-            <a:schemeClr val="dk1"/>
-          </a:fillRef>
-          <a:effectRef idx="0">
-            <a:schemeClr val="dk1"/>
-          </a:effectRef>
-          <a:fontRef idx="minor">
-            <a:schemeClr val="tx1"/>
-          </a:fontRef>
-        </p:style>
-      </p:cxnSp>
-      <p:cxnSp>
-        <p:nvCxnSpPr>
-          <p:cNvPr id="125" name="直接连接符 124">
-            <a:extLst>
-              <a:ext uri="{FF2B5EF4-FFF2-40B4-BE49-F238E27FC236}">
-                <a16:creationId xmlns:a16="http://schemas.microsoft.com/office/drawing/2014/main" id="{143C3DFB-C5AB-4855-8EF6-35C91FA08FE6}"/>
-              </a:ext>
-            </a:extLst>
-          </p:cNvPr>
-          <p:cNvCxnSpPr>
-            <a:cxnSpLocks/>
-          </p:cNvCxnSpPr>
-          <p:nvPr/>
-        </p:nvCxnSpPr>
-        <p:spPr>
-          <a:xfrm>
-            <a:off x="5230787" y="3990591"/>
-            <a:ext cx="0" cy="1440016"/>
-          </a:xfrm>
-          <a:prstGeom prst="line">
-            <a:avLst/>
-          </a:prstGeom>
-        </p:spPr>
-        <p:style>
-          <a:lnRef idx="1">
-            <a:schemeClr val="dk1"/>
-          </a:lnRef>
-          <a:fillRef idx="0">
-            <a:schemeClr val="dk1"/>
-          </a:fillRef>
-          <a:effectRef idx="0">
-            <a:schemeClr val="dk1"/>
-          </a:effectRef>
-          <a:fontRef idx="minor">
-            <a:schemeClr val="tx1"/>
-          </a:fontRef>
-        </p:style>
-      </p:cxnSp>
-      <p:cxnSp>
-        <p:nvCxnSpPr>
-          <p:cNvPr id="126" name="直接连接符 125">
-            <a:extLst>
-              <a:ext uri="{FF2B5EF4-FFF2-40B4-BE49-F238E27FC236}">
-                <a16:creationId xmlns:a16="http://schemas.microsoft.com/office/drawing/2014/main" id="{9400B7B4-E9A2-470D-9645-CA6F87870D13}"/>
-              </a:ext>
-            </a:extLst>
-          </p:cNvPr>
-          <p:cNvCxnSpPr>
-            <a:cxnSpLocks/>
-          </p:cNvCxnSpPr>
-          <p:nvPr/>
-        </p:nvCxnSpPr>
-        <p:spPr>
-          <a:xfrm>
-            <a:off x="5140786" y="3900590"/>
-            <a:ext cx="0" cy="1440016"/>
-          </a:xfrm>
-          <a:prstGeom prst="line">
-            <a:avLst/>
-          </a:prstGeom>
-        </p:spPr>
-        <p:style>
-          <a:lnRef idx="1">
-            <a:schemeClr val="dk1"/>
-          </a:lnRef>
-          <a:fillRef idx="0">
-            <a:schemeClr val="dk1"/>
-          </a:fillRef>
-          <a:effectRef idx="0">
-            <a:schemeClr val="dk1"/>
-          </a:effectRef>
-          <a:fontRef idx="minor">
-            <a:schemeClr val="tx1"/>
-          </a:fontRef>
-        </p:style>
-      </p:cxnSp>
-      <p:cxnSp>
-        <p:nvCxnSpPr>
-          <p:cNvPr id="127" name="直接连接符 126">
-            <a:extLst>
-              <a:ext uri="{FF2B5EF4-FFF2-40B4-BE49-F238E27FC236}">
-                <a16:creationId xmlns:a16="http://schemas.microsoft.com/office/drawing/2014/main" id="{8E8E9A3B-7C77-4B15-81B9-5E88E11D8577}"/>
-              </a:ext>
-            </a:extLst>
-          </p:cNvPr>
-          <p:cNvCxnSpPr>
-            <a:cxnSpLocks/>
-          </p:cNvCxnSpPr>
-          <p:nvPr/>
-        </p:nvCxnSpPr>
-        <p:spPr>
-          <a:xfrm>
-            <a:off x="2080752" y="5790605"/>
-            <a:ext cx="267521" cy="0"/>
-          </a:xfrm>
-          <a:prstGeom prst="line">
-            <a:avLst/>
-          </a:prstGeom>
-          <a:ln>
-            <a:solidFill>
-              <a:srgbClr val="00B0F0"/>
-            </a:solidFill>
-          </a:ln>
-        </p:spPr>
-        <p:style>
-          <a:lnRef idx="1">
-            <a:schemeClr val="dk1"/>
-          </a:lnRef>
-          <a:fillRef idx="0">
-            <a:schemeClr val="dk1"/>
-          </a:fillRef>
-          <a:effectRef idx="0">
-            <a:schemeClr val="dk1"/>
-          </a:effectRef>
-          <a:fontRef idx="minor">
-            <a:schemeClr val="tx1"/>
-          </a:fontRef>
-        </p:style>
-      </p:cxnSp>
-      <p:cxnSp>
-        <p:nvCxnSpPr>
-          <p:cNvPr id="133" name="直接连接符 132">
-            <a:extLst>
-              <a:ext uri="{FF2B5EF4-FFF2-40B4-BE49-F238E27FC236}">
-                <a16:creationId xmlns:a16="http://schemas.microsoft.com/office/drawing/2014/main" id="{2A6FC7CE-B409-4B44-B700-B0C1C5B7BA74}"/>
-              </a:ext>
-            </a:extLst>
-          </p:cNvPr>
-          <p:cNvCxnSpPr>
-            <a:cxnSpLocks/>
-          </p:cNvCxnSpPr>
-          <p:nvPr/>
-        </p:nvCxnSpPr>
-        <p:spPr>
-          <a:xfrm>
-            <a:off x="2080752" y="5880601"/>
-            <a:ext cx="360004" cy="12"/>
-          </a:xfrm>
-          <a:prstGeom prst="line">
-            <a:avLst/>
-          </a:prstGeom>
-          <a:ln>
-            <a:solidFill>
-              <a:srgbClr val="00B0F0"/>
-            </a:solidFill>
-          </a:ln>
-        </p:spPr>
-        <p:style>
-          <a:lnRef idx="1">
-            <a:schemeClr val="dk1"/>
-          </a:lnRef>
-          <a:fillRef idx="0">
-            <a:schemeClr val="dk1"/>
-          </a:fillRef>
-          <a:effectRef idx="0">
-            <a:schemeClr val="dk1"/>
-          </a:effectRef>
-          <a:fontRef idx="minor">
-            <a:schemeClr val="tx1"/>
-          </a:fontRef>
-        </p:style>
-      </p:cxnSp>
-      <p:cxnSp>
-        <p:nvCxnSpPr>
-          <p:cNvPr id="136" name="直接连接符 135">
-            <a:extLst>
-              <a:ext uri="{FF2B5EF4-FFF2-40B4-BE49-F238E27FC236}">
-                <a16:creationId xmlns:a16="http://schemas.microsoft.com/office/drawing/2014/main" id="{3639AF3B-95BC-4F53-8A1C-CAEF0EB6842E}"/>
-              </a:ext>
-            </a:extLst>
-          </p:cNvPr>
-          <p:cNvCxnSpPr>
-            <a:cxnSpLocks/>
-          </p:cNvCxnSpPr>
-          <p:nvPr/>
-        </p:nvCxnSpPr>
-        <p:spPr>
-          <a:xfrm flipV="1">
-            <a:off x="2348273" y="4799047"/>
-            <a:ext cx="0" cy="991558"/>
-          </a:xfrm>
-          <a:prstGeom prst="line">
-            <a:avLst/>
-          </a:prstGeom>
-          <a:ln>
-            <a:solidFill>
-              <a:srgbClr val="00B0F0"/>
-            </a:solidFill>
-          </a:ln>
-        </p:spPr>
-        <p:style>
-          <a:lnRef idx="1">
-            <a:schemeClr val="dk1"/>
-          </a:lnRef>
-          <a:fillRef idx="0">
-            <a:schemeClr val="dk1"/>
-          </a:fillRef>
-          <a:effectRef idx="0">
-            <a:schemeClr val="dk1"/>
-          </a:effectRef>
-          <a:fontRef idx="minor">
-            <a:schemeClr val="tx1"/>
-          </a:fontRef>
-        </p:style>
-      </p:cxnSp>
-      <p:cxnSp>
-        <p:nvCxnSpPr>
-          <p:cNvPr id="139" name="直接连接符 138">
-            <a:extLst>
-              <a:ext uri="{FF2B5EF4-FFF2-40B4-BE49-F238E27FC236}">
-                <a16:creationId xmlns:a16="http://schemas.microsoft.com/office/drawing/2014/main" id="{5BC11CB0-9387-428E-8EB7-C5C77657C6A7}"/>
-              </a:ext>
-            </a:extLst>
-          </p:cNvPr>
-          <p:cNvCxnSpPr>
-            <a:cxnSpLocks/>
-          </p:cNvCxnSpPr>
-          <p:nvPr/>
-        </p:nvCxnSpPr>
-        <p:spPr>
-          <a:xfrm flipV="1">
-            <a:off x="2440756" y="4889047"/>
-            <a:ext cx="0" cy="991566"/>
-          </a:xfrm>
-          <a:prstGeom prst="line">
-            <a:avLst/>
-          </a:prstGeom>
-          <a:ln>
-            <a:solidFill>
-              <a:srgbClr val="00B0F0"/>
-            </a:solidFill>
-          </a:ln>
-        </p:spPr>
-        <p:style>
-          <a:lnRef idx="1">
-            <a:schemeClr val="dk1"/>
-          </a:lnRef>
-          <a:fillRef idx="0">
-            <a:schemeClr val="dk1"/>
-          </a:fillRef>
-          <a:effectRef idx="0">
-            <a:schemeClr val="dk1"/>
-          </a:effectRef>
-          <a:fontRef idx="minor">
-            <a:schemeClr val="tx1"/>
-          </a:fontRef>
-        </p:style>
-      </p:cxnSp>
-      <p:cxnSp>
-        <p:nvCxnSpPr>
-          <p:cNvPr id="144" name="直接连接符 143">
-            <a:extLst>
-              <a:ext uri="{FF2B5EF4-FFF2-40B4-BE49-F238E27FC236}">
-                <a16:creationId xmlns:a16="http://schemas.microsoft.com/office/drawing/2014/main" id="{DA829554-18AF-4C44-8D58-809B73021928}"/>
-              </a:ext>
-            </a:extLst>
-          </p:cNvPr>
-          <p:cNvCxnSpPr>
-            <a:cxnSpLocks/>
-          </p:cNvCxnSpPr>
-          <p:nvPr/>
-        </p:nvCxnSpPr>
-        <p:spPr>
-          <a:xfrm flipH="1">
-            <a:off x="2348273" y="4799047"/>
-            <a:ext cx="3782453" cy="0"/>
-          </a:xfrm>
-          <a:prstGeom prst="line">
-            <a:avLst/>
-          </a:prstGeom>
-          <a:ln>
-            <a:solidFill>
-              <a:srgbClr val="00B0F0"/>
-            </a:solidFill>
-          </a:ln>
-        </p:spPr>
-        <p:style>
-          <a:lnRef idx="1">
-            <a:schemeClr val="dk1"/>
-          </a:lnRef>
-          <a:fillRef idx="0">
-            <a:schemeClr val="dk1"/>
-          </a:fillRef>
-          <a:effectRef idx="0">
-            <a:schemeClr val="dk1"/>
-          </a:effectRef>
-          <a:fontRef idx="minor">
-            <a:schemeClr val="tx1"/>
-          </a:fontRef>
-        </p:style>
-      </p:cxnSp>
-      <p:cxnSp>
-        <p:nvCxnSpPr>
-          <p:cNvPr id="147" name="直接连接符 146">
-            <a:extLst>
-              <a:ext uri="{FF2B5EF4-FFF2-40B4-BE49-F238E27FC236}">
-                <a16:creationId xmlns:a16="http://schemas.microsoft.com/office/drawing/2014/main" id="{CB02DE9B-5FFE-443D-9D23-C31D63C1AD01}"/>
-              </a:ext>
-            </a:extLst>
-          </p:cNvPr>
-          <p:cNvCxnSpPr>
-            <a:cxnSpLocks/>
-          </p:cNvCxnSpPr>
-          <p:nvPr/>
-        </p:nvCxnSpPr>
-        <p:spPr>
-          <a:xfrm flipH="1">
-            <a:off x="2440756" y="4890601"/>
-            <a:ext cx="3782453" cy="0"/>
-          </a:xfrm>
-          <a:prstGeom prst="line">
-            <a:avLst/>
-          </a:prstGeom>
-          <a:ln>
-            <a:solidFill>
-              <a:srgbClr val="00B0F0"/>
-            </a:solidFill>
-          </a:ln>
-        </p:spPr>
-        <p:style>
-          <a:lnRef idx="1">
-            <a:schemeClr val="dk1"/>
-          </a:lnRef>
-          <a:fillRef idx="0">
-            <a:schemeClr val="dk1"/>
-          </a:fillRef>
-          <a:effectRef idx="0">
-            <a:schemeClr val="dk1"/>
-          </a:effectRef>
-          <a:fontRef idx="minor">
-            <a:schemeClr val="tx1"/>
-          </a:fontRef>
-        </p:style>
-      </p:cxnSp>
-      <p:cxnSp>
-        <p:nvCxnSpPr>
-          <p:cNvPr id="148" name="直接连接符 147">
-            <a:extLst>
-              <a:ext uri="{FF2B5EF4-FFF2-40B4-BE49-F238E27FC236}">
-                <a16:creationId xmlns:a16="http://schemas.microsoft.com/office/drawing/2014/main" id="{8011D2BE-8BDE-4DB0-906F-CAA07DBCEAC8}"/>
-              </a:ext>
-            </a:extLst>
-          </p:cNvPr>
-          <p:cNvCxnSpPr>
-            <a:cxnSpLocks/>
-          </p:cNvCxnSpPr>
-          <p:nvPr/>
-        </p:nvCxnSpPr>
-        <p:spPr>
-          <a:xfrm flipH="1">
-            <a:off x="6130797" y="4530597"/>
-            <a:ext cx="270073" cy="1"/>
-          </a:xfrm>
-          <a:prstGeom prst="line">
-            <a:avLst/>
-          </a:prstGeom>
-          <a:ln>
-            <a:solidFill>
-              <a:srgbClr val="00B0F0"/>
-            </a:solidFill>
-          </a:ln>
-        </p:spPr>
-        <p:style>
-          <a:lnRef idx="1">
-            <a:schemeClr val="dk1"/>
-          </a:lnRef>
-          <a:fillRef idx="0">
-            <a:schemeClr val="dk1"/>
-          </a:fillRef>
-          <a:effectRef idx="0">
-            <a:schemeClr val="dk1"/>
-          </a:effectRef>
-          <a:fontRef idx="minor">
-            <a:schemeClr val="tx1"/>
-          </a:fontRef>
-        </p:style>
-      </p:cxnSp>
-      <p:cxnSp>
-        <p:nvCxnSpPr>
-          <p:cNvPr id="149" name="直接连接符 148">
-            <a:extLst>
-              <a:ext uri="{FF2B5EF4-FFF2-40B4-BE49-F238E27FC236}">
-                <a16:creationId xmlns:a16="http://schemas.microsoft.com/office/drawing/2014/main" id="{D56BBE36-C800-4E6B-8642-E0E653755AFB}"/>
-              </a:ext>
-            </a:extLst>
-          </p:cNvPr>
-          <p:cNvCxnSpPr>
-            <a:cxnSpLocks/>
-          </p:cNvCxnSpPr>
-          <p:nvPr/>
-        </p:nvCxnSpPr>
-        <p:spPr>
-          <a:xfrm flipH="1" flipV="1">
-            <a:off x="6220798" y="4619046"/>
-            <a:ext cx="180002" cy="751"/>
-          </a:xfrm>
-          <a:prstGeom prst="line">
-            <a:avLst/>
-          </a:prstGeom>
-          <a:ln>
-            <a:solidFill>
-              <a:srgbClr val="00B0F0"/>
-            </a:solidFill>
-          </a:ln>
-        </p:spPr>
-        <p:style>
-          <a:lnRef idx="1">
-            <a:schemeClr val="dk1"/>
-          </a:lnRef>
-          <a:fillRef idx="0">
-            <a:schemeClr val="dk1"/>
-          </a:fillRef>
-          <a:effectRef idx="0">
-            <a:schemeClr val="dk1"/>
-          </a:effectRef>
-          <a:fontRef idx="minor">
-            <a:schemeClr val="tx1"/>
-          </a:fontRef>
-        </p:style>
-      </p:cxnSp>
-      <p:cxnSp>
-        <p:nvCxnSpPr>
-          <p:cNvPr id="152" name="直接连接符 151">
-            <a:extLst>
-              <a:ext uri="{FF2B5EF4-FFF2-40B4-BE49-F238E27FC236}">
-                <a16:creationId xmlns:a16="http://schemas.microsoft.com/office/drawing/2014/main" id="{F1E13276-3916-42AE-9C82-FA40AD92A6C7}"/>
-              </a:ext>
-            </a:extLst>
-          </p:cNvPr>
-          <p:cNvCxnSpPr>
-            <a:cxnSpLocks/>
-          </p:cNvCxnSpPr>
-          <p:nvPr/>
-        </p:nvCxnSpPr>
-        <p:spPr>
-          <a:xfrm flipV="1">
-            <a:off x="6220750" y="4618666"/>
-            <a:ext cx="0" cy="270381"/>
-          </a:xfrm>
-          <a:prstGeom prst="line">
-            <a:avLst/>
-          </a:prstGeom>
-          <a:ln>
-            <a:solidFill>
-              <a:srgbClr val="00B0F0"/>
-            </a:solidFill>
-          </a:ln>
-        </p:spPr>
-        <p:style>
-          <a:lnRef idx="1">
-            <a:schemeClr val="dk1"/>
-          </a:lnRef>
-          <a:fillRef idx="0">
-            <a:schemeClr val="dk1"/>
-          </a:fillRef>
-          <a:effectRef idx="0">
-            <a:schemeClr val="dk1"/>
-          </a:effectRef>
-          <a:fontRef idx="minor">
-            <a:schemeClr val="tx1"/>
-          </a:fontRef>
-        </p:style>
-      </p:cxnSp>
-      <p:cxnSp>
-        <p:nvCxnSpPr>
-          <p:cNvPr id="155" name="直接连接符 154">
-            <a:extLst>
-              <a:ext uri="{FF2B5EF4-FFF2-40B4-BE49-F238E27FC236}">
-                <a16:creationId xmlns:a16="http://schemas.microsoft.com/office/drawing/2014/main" id="{D6C74942-E055-4E3F-9BBB-72FE2073BA99}"/>
-              </a:ext>
-            </a:extLst>
-          </p:cNvPr>
-          <p:cNvCxnSpPr>
-            <a:cxnSpLocks/>
-          </p:cNvCxnSpPr>
-          <p:nvPr/>
-        </p:nvCxnSpPr>
-        <p:spPr>
-          <a:xfrm flipV="1">
-            <a:off x="6130726" y="4530598"/>
-            <a:ext cx="72" cy="268449"/>
-          </a:xfrm>
-          <a:prstGeom prst="line">
-            <a:avLst/>
-          </a:prstGeom>
-          <a:ln>
-            <a:solidFill>
-              <a:srgbClr val="00B0F0"/>
-            </a:solidFill>
-          </a:ln>
-        </p:spPr>
-        <p:style>
-          <a:lnRef idx="1">
-            <a:schemeClr val="dk1"/>
-          </a:lnRef>
-          <a:fillRef idx="0">
-            <a:schemeClr val="dk1"/>
-          </a:fillRef>
-          <a:effectRef idx="0">
-            <a:schemeClr val="dk1"/>
-          </a:effectRef>
-          <a:fontRef idx="minor">
-            <a:schemeClr val="tx1"/>
-          </a:fontRef>
-        </p:style>
-      </p:cxnSp>
-      <p:cxnSp>
-        <p:nvCxnSpPr>
-          <p:cNvPr id="158" name="直接连接符 157">
-            <a:extLst>
-              <a:ext uri="{FF2B5EF4-FFF2-40B4-BE49-F238E27FC236}">
-                <a16:creationId xmlns:a16="http://schemas.microsoft.com/office/drawing/2014/main" id="{1D075484-B91D-42FE-9004-C150D9638D36}"/>
-              </a:ext>
-            </a:extLst>
-          </p:cNvPr>
-          <p:cNvCxnSpPr>
-            <a:cxnSpLocks/>
-          </p:cNvCxnSpPr>
-          <p:nvPr/>
-        </p:nvCxnSpPr>
-        <p:spPr>
-          <a:xfrm>
-            <a:off x="2082736" y="7140626"/>
-            <a:ext cx="3958037" cy="0"/>
-          </a:xfrm>
-          <a:prstGeom prst="line">
-            <a:avLst/>
-          </a:prstGeom>
-        </p:spPr>
-        <p:style>
-          <a:lnRef idx="1">
-            <a:schemeClr val="dk1"/>
-          </a:lnRef>
-          <a:fillRef idx="0">
-            <a:schemeClr val="dk1"/>
-          </a:fillRef>
-          <a:effectRef idx="0">
-            <a:schemeClr val="dk1"/>
-          </a:effectRef>
-          <a:fontRef idx="minor">
-            <a:schemeClr val="tx1"/>
-          </a:fontRef>
-        </p:style>
-      </p:cxnSp>
-      <p:cxnSp>
-        <p:nvCxnSpPr>
-          <p:cNvPr id="161" name="直接连接符 160">
-            <a:extLst>
-              <a:ext uri="{FF2B5EF4-FFF2-40B4-BE49-F238E27FC236}">
-                <a16:creationId xmlns:a16="http://schemas.microsoft.com/office/drawing/2014/main" id="{A6027352-A468-4042-9E96-78E708AAE2B6}"/>
-              </a:ext>
-            </a:extLst>
-          </p:cNvPr>
-          <p:cNvCxnSpPr>
-            <a:cxnSpLocks/>
-          </p:cNvCxnSpPr>
-          <p:nvPr/>
-        </p:nvCxnSpPr>
-        <p:spPr>
-          <a:xfrm>
-            <a:off x="6039682" y="5157497"/>
-            <a:ext cx="1092" cy="1983129"/>
-          </a:xfrm>
-          <a:prstGeom prst="line">
-            <a:avLst/>
-          </a:prstGeom>
-        </p:spPr>
-        <p:style>
-          <a:lnRef idx="1">
-            <a:schemeClr val="dk1"/>
-          </a:lnRef>
-          <a:fillRef idx="0">
-            <a:schemeClr val="dk1"/>
-          </a:fillRef>
-          <a:effectRef idx="0">
-            <a:schemeClr val="dk1"/>
-          </a:effectRef>
-          <a:fontRef idx="minor">
-            <a:schemeClr val="tx1"/>
-          </a:fontRef>
-        </p:style>
-      </p:cxnSp>
-      <p:cxnSp>
-        <p:nvCxnSpPr>
-          <p:cNvPr id="166" name="直接连接符 165">
-            <a:extLst>
-              <a:ext uri="{FF2B5EF4-FFF2-40B4-BE49-F238E27FC236}">
-                <a16:creationId xmlns:a16="http://schemas.microsoft.com/office/drawing/2014/main" id="{094AD1E8-6367-45F3-A226-D7D38F423FA8}"/>
-              </a:ext>
-            </a:extLst>
-          </p:cNvPr>
-          <p:cNvCxnSpPr>
-            <a:cxnSpLocks/>
-          </p:cNvCxnSpPr>
-          <p:nvPr/>
-        </p:nvCxnSpPr>
-        <p:spPr>
-          <a:xfrm>
-            <a:off x="6039682" y="5160571"/>
-            <a:ext cx="361118" cy="0"/>
-          </a:xfrm>
-          <a:prstGeom prst="line">
-            <a:avLst/>
-          </a:prstGeom>
-        </p:spPr>
-        <p:style>
-          <a:lnRef idx="1">
-            <a:schemeClr val="dk1"/>
-          </a:lnRef>
-          <a:fillRef idx="0">
-            <a:schemeClr val="dk1"/>
-          </a:fillRef>
-          <a:effectRef idx="0">
-            <a:schemeClr val="dk1"/>
-          </a:effectRef>
-          <a:fontRef idx="minor">
-            <a:schemeClr val="tx1"/>
-          </a:fontRef>
-        </p:style>
-      </p:cxnSp>
-      <p:cxnSp>
-        <p:nvCxnSpPr>
-          <p:cNvPr id="187" name="直接连接符 186">
-            <a:extLst>
-              <a:ext uri="{FF2B5EF4-FFF2-40B4-BE49-F238E27FC236}">
-                <a16:creationId xmlns:a16="http://schemas.microsoft.com/office/drawing/2014/main" id="{B2BCD2B7-EBB1-446C-811A-532A31DC210A}"/>
-              </a:ext>
-            </a:extLst>
-          </p:cNvPr>
-          <p:cNvCxnSpPr>
-            <a:cxnSpLocks/>
-          </p:cNvCxnSpPr>
-          <p:nvPr/>
-        </p:nvCxnSpPr>
-        <p:spPr>
-          <a:xfrm flipH="1">
-            <a:off x="2080754" y="7320629"/>
-            <a:ext cx="7200078" cy="0"/>
-          </a:xfrm>
-          <a:prstGeom prst="line">
-            <a:avLst/>
-          </a:prstGeom>
-          <a:ln>
-            <a:solidFill>
-              <a:srgbClr val="FF0000"/>
-            </a:solidFill>
-          </a:ln>
-        </p:spPr>
-        <p:style>
-          <a:lnRef idx="1">
-            <a:schemeClr val="dk1"/>
-          </a:lnRef>
-          <a:fillRef idx="0">
-            <a:schemeClr val="dk1"/>
-          </a:fillRef>
-          <a:effectRef idx="0">
-            <a:schemeClr val="dk1"/>
-          </a:effectRef>
-          <a:fontRef idx="minor">
-            <a:schemeClr val="tx1"/>
-          </a:fontRef>
-        </p:style>
-      </p:cxnSp>
-      <p:cxnSp>
-        <p:nvCxnSpPr>
-          <p:cNvPr id="191" name="直接连接符 190">
-            <a:extLst>
-              <a:ext uri="{FF2B5EF4-FFF2-40B4-BE49-F238E27FC236}">
-                <a16:creationId xmlns:a16="http://schemas.microsoft.com/office/drawing/2014/main" id="{FC91B252-2FCB-4D13-A3B5-AD29A5985AD2}"/>
-              </a:ext>
-            </a:extLst>
-          </p:cNvPr>
-          <p:cNvCxnSpPr>
-            <a:cxnSpLocks/>
-          </p:cNvCxnSpPr>
-          <p:nvPr/>
-        </p:nvCxnSpPr>
-        <p:spPr>
-          <a:xfrm flipH="1">
-            <a:off x="2080754" y="7230627"/>
-            <a:ext cx="6930075" cy="0"/>
-          </a:xfrm>
-          <a:prstGeom prst="line">
-            <a:avLst/>
-          </a:prstGeom>
-          <a:ln>
-            <a:solidFill>
-              <a:srgbClr val="FF0000"/>
-            </a:solidFill>
-          </a:ln>
-        </p:spPr>
-        <p:style>
-          <a:lnRef idx="1">
-            <a:schemeClr val="dk1"/>
-          </a:lnRef>
-          <a:fillRef idx="0">
-            <a:schemeClr val="dk1"/>
-          </a:fillRef>
-          <a:effectRef idx="0">
-            <a:schemeClr val="dk1"/>
-          </a:effectRef>
-          <a:fontRef idx="minor">
-            <a:schemeClr val="tx1"/>
-          </a:fontRef>
-        </p:style>
-      </p:cxnSp>
       <p:sp>
         <p:nvSpPr>
           <p:cNvPr id="204" name="矩形 203">
@@ -6704,7 +6704,7 @@
           <a:prstGeom prst="line">
             <a:avLst/>
           </a:prstGeom>
-          <a:ln w="38100">
+          <a:ln w="12700">
             <a:solidFill>
               <a:srgbClr val="FF0000"/>
             </a:solidFill>
